--- a/Document/ThuyetTrinh/BaoCao_v4.pptx
+++ b/Document/ThuyetTrinh/BaoCao_v4.pptx
@@ -147,7 +147,7 @@
   </p:defaultTextStyle>
   <p:extLst>
     <p:ext uri="{EFAFB233-063F-42B5-8137-9DF3F51BA10A}">
-      <p15:sldGuideLst xmlns="" xmlns:p15="http://schemas.microsoft.com/office/powerpoint/2012/main">
+      <p15:sldGuideLst xmlns:p15="http://schemas.microsoft.com/office/powerpoint/2012/main" xmlns="">
         <p15:guide id="1" orient="horz" pos="2160">
           <p15:clr>
             <a:srgbClr val="A4A3A4"/>
@@ -161,7 +161,7 @@
       </p15:sldGuideLst>
     </p:ext>
     <p:ext uri="{2D200454-40CA-4A62-9FC3-DE9A4176ACB9}">
-      <p15:notesGuideLst xmlns="" xmlns:p15="http://schemas.microsoft.com/office/powerpoint/2012/main">
+      <p15:notesGuideLst xmlns:p15="http://schemas.microsoft.com/office/powerpoint/2012/main" xmlns="">
         <p15:guide id="1" orient="horz" pos="2880">
           <p15:clr>
             <a:srgbClr val="A4A3A4"/>
@@ -172,10 +172,32 @@
             <a:srgbClr val="A4A3A4"/>
           </p15:clr>
         </p15:guide>
+        <p15:guide id="3" orient="horz" pos="2208">
+          <p15:clr>
+            <a:srgbClr val="A4A3A4"/>
+          </p15:clr>
+        </p15:guide>
+        <p15:guide id="4" pos="2928">
+          <p15:clr>
+            <a:srgbClr val="A4A3A4"/>
+          </p15:clr>
+        </p15:guide>
       </p15:notesGuideLst>
     </p:ext>
   </p:extLst>
 </p:presentation>
+</file>
+
+<file path=ppt/commentAuthors.xml><?xml version="1.0" encoding="utf-8"?>
+<p:cmAuthorLst xmlns:a="http://schemas.openxmlformats.org/drawingml/2006/main" xmlns:r="http://schemas.openxmlformats.org/officeDocument/2006/relationships" xmlns:p="http://schemas.openxmlformats.org/presentationml/2006/main">
+  <p:cmAuthor id="1" name="Thơ Lê" initials="TL" lastIdx="1" clrIdx="0">
+    <p:extLst>
+      <p:ext uri="{19B8F6BF-5375-455C-9EA6-DF929625EA0E}">
+        <p15:presenceInfo xmlns:p15="http://schemas.microsoft.com/office/powerpoint/2012/main" xmlns="" userId="37e93fa521265e68" providerId="Windows Live"/>
+      </p:ext>
+    </p:extLst>
+  </p:cmAuthor>
+</p:cmAuthorLst>
 </file>
 
 <file path=ppt/charts/chart1.xml><?xml version="1.0" encoding="utf-8"?>
@@ -358,11 +380,11 @@
           <c:showBubbleSize val="0"/>
         </c:dLbls>
         <c:gapWidth val="150"/>
-        <c:axId val="131659648"/>
-        <c:axId val="131661184"/>
+        <c:axId val="257436672"/>
+        <c:axId val="257438464"/>
       </c:barChart>
       <c:catAx>
-        <c:axId val="131659648"/>
+        <c:axId val="257436672"/>
         <c:scaling>
           <c:orientation val="minMax"/>
         </c:scaling>
@@ -372,7 +394,7 @@
         <c:majorTickMark val="out"/>
         <c:minorTickMark val="none"/>
         <c:tickLblPos val="nextTo"/>
-        <c:crossAx val="131661184"/>
+        <c:crossAx val="257438464"/>
         <c:crosses val="autoZero"/>
         <c:auto val="1"/>
         <c:lblAlgn val="ctr"/>
@@ -380,7 +402,7 @@
         <c:noMultiLvlLbl val="0"/>
       </c:catAx>
       <c:valAx>
-        <c:axId val="131661184"/>
+        <c:axId val="257438464"/>
         <c:scaling>
           <c:orientation val="minMax"/>
         </c:scaling>
@@ -391,7 +413,7 @@
         <c:majorTickMark val="out"/>
         <c:minorTickMark val="none"/>
         <c:tickLblPos val="nextTo"/>
-        <c:crossAx val="131659648"/>
+        <c:crossAx val="257436672"/>
         <c:crosses val="autoZero"/>
         <c:crossBetween val="between"/>
       </c:valAx>
@@ -609,11 +631,11 @@
           <c:showBubbleSize val="0"/>
         </c:dLbls>
         <c:gapWidth val="150"/>
-        <c:axId val="139312512"/>
-        <c:axId val="139314304"/>
+        <c:axId val="263747072"/>
+        <c:axId val="263748608"/>
       </c:barChart>
       <c:catAx>
-        <c:axId val="139312512"/>
+        <c:axId val="263747072"/>
         <c:scaling>
           <c:orientation val="minMax"/>
         </c:scaling>
@@ -623,7 +645,7 @@
         <c:majorTickMark val="out"/>
         <c:minorTickMark val="none"/>
         <c:tickLblPos val="nextTo"/>
-        <c:crossAx val="139314304"/>
+        <c:crossAx val="263748608"/>
         <c:crosses val="autoZero"/>
         <c:auto val="1"/>
         <c:lblAlgn val="ctr"/>
@@ -631,7 +653,7 @@
         <c:noMultiLvlLbl val="0"/>
       </c:catAx>
       <c:valAx>
-        <c:axId val="139314304"/>
+        <c:axId val="263748608"/>
         <c:scaling>
           <c:orientation val="minMax"/>
         </c:scaling>
@@ -642,7 +664,7 @@
         <c:majorTickMark val="out"/>
         <c:minorTickMark val="none"/>
         <c:tickLblPos val="nextTo"/>
-        <c:crossAx val="139312512"/>
+        <c:crossAx val="263747072"/>
         <c:crosses val="autoZero"/>
         <c:crossBetween val="between"/>
       </c:valAx>
@@ -744,7 +766,7 @@
           <a:p>
             <a:fld id="{B6E831B3-CF04-43B6-9516-E9F9F30A500D}" type="datetimeFigureOut">
               <a:rPr lang="en-US" smtClean="0"/>
-              <a:t>06/01/2021</a:t>
+              <a:t>21/12/2020</a:t>
             </a:fld>
             <a:endParaRPr lang="en-US" dirty="0"/>
           </a:p>
@@ -909,7 +931,7 @@
           <a:p>
             <a:fld id="{655C1A83-DA7F-478F-8425-7585606ABB4F}" type="datetimeFigureOut">
               <a:rPr lang="en-US" smtClean="0"/>
-              <a:t>06/01/2021</a:t>
+              <a:t>21/12/2020</a:t>
             </a:fld>
             <a:endParaRPr lang="en-US" dirty="0"/>
           </a:p>
@@ -973,38 +995,37 @@
           <a:p>
             <a:pPr lvl="0"/>
             <a:r>
-              <a:rPr lang="en-US" smtClean="0"/>
+              <a:rPr lang="en-US"/>
               <a:t>Click to edit Master text styles</a:t>
             </a:r>
           </a:p>
           <a:p>
             <a:pPr lvl="1"/>
             <a:r>
-              <a:rPr lang="en-US" smtClean="0"/>
+              <a:rPr lang="en-US"/>
               <a:t>Second level</a:t>
             </a:r>
           </a:p>
           <a:p>
             <a:pPr lvl="2"/>
             <a:r>
-              <a:rPr lang="en-US" smtClean="0"/>
+              <a:rPr lang="en-US"/>
               <a:t>Third level</a:t>
             </a:r>
           </a:p>
           <a:p>
             <a:pPr lvl="3"/>
             <a:r>
-              <a:rPr lang="en-US" smtClean="0"/>
+              <a:rPr lang="en-US"/>
               <a:t>Fourth level</a:t>
             </a:r>
           </a:p>
           <a:p>
             <a:pPr lvl="4"/>
             <a:r>
-              <a:rPr lang="en-US" smtClean="0"/>
+              <a:rPr lang="en-US"/>
               <a:t>Fifth level</a:t>
             </a:r>
-            <a:endParaRPr lang="en-US"/>
           </a:p>
         </p:txBody>
       </p:sp>
@@ -1305,18 +1326,6 @@
           <a:bodyPr/>
           <a:lstStyle/>
           <a:p>
-            <a:r>
-              <a:rPr lang="en-US" dirty="0" smtClean="0"/>
-              <a:t>- Dẫn</a:t>
-            </a:r>
-            <a:r>
-              <a:rPr lang="en-US" baseline="0" dirty="0" smtClean="0"/>
-              <a:t> chứng website thương mại điện tử, web xem phim, web du </a:t>
-            </a:r>
-            <a:r>
-              <a:rPr lang="en-US" baseline="0" dirty="0" err="1" smtClean="0"/>
-              <a:t>lịch.v.v</a:t>
-            </a:r>
             <a:endParaRPr lang="en-US" dirty="0"/>
           </a:p>
         </p:txBody>
@@ -1338,7 +1347,7 @@
           <a:p>
             <a:fld id="{3A604180-E5B4-4B51-B678-7B953466ACF2}" type="slidenum">
               <a:rPr lang="en-US" smtClean="0"/>
-              <a:t>4</a:t>
+              <a:t>5</a:t>
             </a:fld>
             <a:endParaRPr lang="en-US" dirty="0"/>
           </a:p>
@@ -1347,7 +1356,7 @@
     </p:spTree>
     <p:extLst>
       <p:ext uri="{BB962C8B-B14F-4D97-AF65-F5344CB8AC3E}">
-        <p14:creationId xmlns:p14="http://schemas.microsoft.com/office/powerpoint/2010/main" val="1616123936"/>
+        <p14:creationId xmlns:p14="http://schemas.microsoft.com/office/powerpoint/2010/main" val="3609968583"/>
       </p:ext>
     </p:extLst>
   </p:cSld>
@@ -1647,10 +1656,9 @@
           <a:lstStyle/>
           <a:p>
             <a:r>
-              <a:rPr lang="en-US" smtClean="0"/>
+              <a:rPr lang="en-US"/>
               <a:t>Click to edit Master title style</a:t>
             </a:r>
-            <a:endParaRPr lang="en-US"/>
           </a:p>
         </p:txBody>
       </p:sp>
@@ -1769,10 +1777,9 @@
           </a:lstStyle>
           <a:p>
             <a:r>
-              <a:rPr lang="en-US" smtClean="0"/>
+              <a:rPr lang="en-US"/>
               <a:t>Click to edit Master subtitle style</a:t>
             </a:r>
-            <a:endParaRPr lang="en-US"/>
           </a:p>
         </p:txBody>
       </p:sp>
@@ -1794,7 +1801,7 @@
             <a:fld id="{1D8BD707-D9CF-40AE-B4C6-C98DA3205C09}" type="datetimeFigureOut">
               <a:rPr lang="en-US" smtClean="0"/>
               <a:pPr/>
-              <a:t>06/01/2021</a:t>
+              <a:t>21/12/2020</a:t>
             </a:fld>
             <a:endParaRPr lang="en-US" dirty="0"/>
           </a:p>
@@ -1848,13 +1855,6 @@
   <p:clrMapOvr>
     <a:masterClrMapping/>
   </p:clrMapOvr>
-  <p:timing>
-    <p:tnLst>
-      <p:par>
-        <p:cTn id="1" dur="indefinite" restart="never" nodeType="tmRoot"/>
-      </p:par>
-    </p:tnLst>
-  </p:timing>
 </p:sldLayout>
 </file>
 
@@ -1891,10 +1891,9 @@
           <a:lstStyle/>
           <a:p>
             <a:r>
-              <a:rPr lang="en-US" smtClean="0"/>
+              <a:rPr lang="en-US"/>
               <a:t>Click to edit Master title style</a:t>
             </a:r>
-            <a:endParaRPr lang="en-US"/>
           </a:p>
         </p:txBody>
       </p:sp>
@@ -1923,38 +1922,37 @@
           <a:p>
             <a:pPr lvl="0"/>
             <a:r>
-              <a:rPr lang="en-US" smtClean="0"/>
+              <a:rPr lang="en-US"/>
               <a:t>Click to edit Master text styles</a:t>
             </a:r>
           </a:p>
           <a:p>
             <a:pPr lvl="1"/>
             <a:r>
-              <a:rPr lang="en-US" smtClean="0"/>
+              <a:rPr lang="en-US"/>
               <a:t>Second level</a:t>
             </a:r>
           </a:p>
           <a:p>
             <a:pPr lvl="2"/>
             <a:r>
-              <a:rPr lang="en-US" smtClean="0"/>
+              <a:rPr lang="en-US"/>
               <a:t>Third level</a:t>
             </a:r>
           </a:p>
           <a:p>
             <a:pPr lvl="3"/>
             <a:r>
-              <a:rPr lang="en-US" smtClean="0"/>
+              <a:rPr lang="en-US"/>
               <a:t>Fourth level</a:t>
             </a:r>
           </a:p>
           <a:p>
             <a:pPr lvl="4"/>
             <a:r>
-              <a:rPr lang="en-US" smtClean="0"/>
+              <a:rPr lang="en-US"/>
               <a:t>Fifth level</a:t>
             </a:r>
-            <a:endParaRPr lang="en-US"/>
           </a:p>
         </p:txBody>
       </p:sp>
@@ -1976,7 +1974,7 @@
             <a:fld id="{1D8BD707-D9CF-40AE-B4C6-C98DA3205C09}" type="datetimeFigureOut">
               <a:rPr lang="en-US" smtClean="0"/>
               <a:pPr/>
-              <a:t>06/01/2021</a:t>
+              <a:t>21/12/2020</a:t>
             </a:fld>
             <a:endParaRPr lang="en-US" dirty="0"/>
           </a:p>
@@ -2071,10 +2069,9 @@
           <a:lstStyle/>
           <a:p>
             <a:r>
-              <a:rPr lang="en-US" smtClean="0"/>
+              <a:rPr lang="en-US"/>
               <a:t>Click to edit Master title style</a:t>
             </a:r>
-            <a:endParaRPr lang="en-US"/>
           </a:p>
         </p:txBody>
       </p:sp>
@@ -2103,38 +2100,37 @@
           <a:p>
             <a:pPr lvl="0"/>
             <a:r>
-              <a:rPr lang="en-US" smtClean="0"/>
+              <a:rPr lang="en-US"/>
               <a:t>Click to edit Master text styles</a:t>
             </a:r>
           </a:p>
           <a:p>
             <a:pPr lvl="1"/>
             <a:r>
-              <a:rPr lang="en-US" smtClean="0"/>
+              <a:rPr lang="en-US"/>
               <a:t>Second level</a:t>
             </a:r>
           </a:p>
           <a:p>
             <a:pPr lvl="2"/>
             <a:r>
-              <a:rPr lang="en-US" smtClean="0"/>
+              <a:rPr lang="en-US"/>
               <a:t>Third level</a:t>
             </a:r>
           </a:p>
           <a:p>
             <a:pPr lvl="3"/>
             <a:r>
-              <a:rPr lang="en-US" smtClean="0"/>
+              <a:rPr lang="en-US"/>
               <a:t>Fourth level</a:t>
             </a:r>
           </a:p>
           <a:p>
             <a:pPr lvl="4"/>
             <a:r>
-              <a:rPr lang="en-US" smtClean="0"/>
+              <a:rPr lang="en-US"/>
               <a:t>Fifth level</a:t>
             </a:r>
-            <a:endParaRPr lang="en-US"/>
           </a:p>
         </p:txBody>
       </p:sp>
@@ -2156,7 +2152,7 @@
             <a:fld id="{1D8BD707-D9CF-40AE-B4C6-C98DA3205C09}" type="datetimeFigureOut">
               <a:rPr lang="en-US" smtClean="0"/>
               <a:pPr/>
-              <a:t>06/01/2021</a:t>
+              <a:t>21/12/2020</a:t>
             </a:fld>
             <a:endParaRPr lang="en-US" dirty="0"/>
           </a:p>
@@ -2265,13 +2261,6 @@
   <p:clrMapOvr>
     <a:masterClrMapping/>
   </p:clrMapOvr>
-  <p:timing>
-    <p:tnLst>
-      <p:par>
-        <p:cTn id="1" dur="indefinite" restart="never" nodeType="tmRoot"/>
-      </p:par>
-    </p:tnLst>
-  </p:timing>
 </p:sldLayout>
 </file>
 
@@ -2317,10 +2306,9 @@
           </a:lstStyle>
           <a:p>
             <a:r>
-              <a:rPr lang="en-US" smtClean="0"/>
+              <a:rPr lang="en-US"/>
               <a:t>Click to edit Master title style</a:t>
             </a:r>
-            <a:endParaRPr lang="en-US"/>
           </a:p>
         </p:txBody>
       </p:sp>
@@ -2440,7 +2428,7 @@
           <a:p>
             <a:pPr lvl="0"/>
             <a:r>
-              <a:rPr lang="en-US" smtClean="0"/>
+              <a:rPr lang="en-US"/>
               <a:t>Click to edit Master text styles</a:t>
             </a:r>
           </a:p>
@@ -2464,7 +2452,7 @@
             <a:fld id="{1D8BD707-D9CF-40AE-B4C6-C98DA3205C09}" type="datetimeFigureOut">
               <a:rPr lang="en-US" smtClean="0"/>
               <a:pPr/>
-              <a:t>06/01/2021</a:t>
+              <a:t>21/12/2020</a:t>
             </a:fld>
             <a:endParaRPr lang="en-US" dirty="0"/>
           </a:p>
@@ -2554,10 +2542,9 @@
           <a:lstStyle/>
           <a:p>
             <a:r>
-              <a:rPr lang="en-US" smtClean="0"/>
+              <a:rPr lang="en-US"/>
               <a:t>Click to edit Master title style</a:t>
             </a:r>
-            <a:endParaRPr lang="en-US"/>
           </a:p>
         </p:txBody>
       </p:sp>
@@ -2614,38 +2601,37 @@
           <a:p>
             <a:pPr lvl="0"/>
             <a:r>
-              <a:rPr lang="en-US" smtClean="0"/>
+              <a:rPr lang="en-US"/>
               <a:t>Click to edit Master text styles</a:t>
             </a:r>
           </a:p>
           <a:p>
             <a:pPr lvl="1"/>
             <a:r>
-              <a:rPr lang="en-US" smtClean="0"/>
+              <a:rPr lang="en-US"/>
               <a:t>Second level</a:t>
             </a:r>
           </a:p>
           <a:p>
             <a:pPr lvl="2"/>
             <a:r>
-              <a:rPr lang="en-US" smtClean="0"/>
+              <a:rPr lang="en-US"/>
               <a:t>Third level</a:t>
             </a:r>
           </a:p>
           <a:p>
             <a:pPr lvl="3"/>
             <a:r>
-              <a:rPr lang="en-US" smtClean="0"/>
+              <a:rPr lang="en-US"/>
               <a:t>Fourth level</a:t>
             </a:r>
           </a:p>
           <a:p>
             <a:pPr lvl="4"/>
             <a:r>
-              <a:rPr lang="en-US" smtClean="0"/>
+              <a:rPr lang="en-US"/>
               <a:t>Fifth level</a:t>
             </a:r>
-            <a:endParaRPr lang="en-US"/>
           </a:p>
         </p:txBody>
       </p:sp>
@@ -2702,38 +2688,37 @@
           <a:p>
             <a:pPr lvl="0"/>
             <a:r>
-              <a:rPr lang="en-US" smtClean="0"/>
+              <a:rPr lang="en-US"/>
               <a:t>Click to edit Master text styles</a:t>
             </a:r>
           </a:p>
           <a:p>
             <a:pPr lvl="1"/>
             <a:r>
-              <a:rPr lang="en-US" smtClean="0"/>
+              <a:rPr lang="en-US"/>
               <a:t>Second level</a:t>
             </a:r>
           </a:p>
           <a:p>
             <a:pPr lvl="2"/>
             <a:r>
-              <a:rPr lang="en-US" smtClean="0"/>
+              <a:rPr lang="en-US"/>
               <a:t>Third level</a:t>
             </a:r>
           </a:p>
           <a:p>
             <a:pPr lvl="3"/>
             <a:r>
-              <a:rPr lang="en-US" smtClean="0"/>
+              <a:rPr lang="en-US"/>
               <a:t>Fourth level</a:t>
             </a:r>
           </a:p>
           <a:p>
             <a:pPr lvl="4"/>
             <a:r>
-              <a:rPr lang="en-US" smtClean="0"/>
+              <a:rPr lang="en-US"/>
               <a:t>Fifth level</a:t>
             </a:r>
-            <a:endParaRPr lang="en-US"/>
           </a:p>
         </p:txBody>
       </p:sp>
@@ -2755,7 +2740,7 @@
             <a:fld id="{1D8BD707-D9CF-40AE-B4C6-C98DA3205C09}" type="datetimeFigureOut">
               <a:rPr lang="en-US" smtClean="0"/>
               <a:pPr/>
-              <a:t>06/01/2021</a:t>
+              <a:t>21/12/2020</a:t>
             </a:fld>
             <a:endParaRPr lang="en-US" dirty="0"/>
           </a:p>
@@ -2849,10 +2834,9 @@
           </a:lstStyle>
           <a:p>
             <a:r>
-              <a:rPr lang="en-US" smtClean="0"/>
+              <a:rPr lang="en-US"/>
               <a:t>Click to edit Master title style</a:t>
             </a:r>
-            <a:endParaRPr lang="en-US"/>
           </a:p>
         </p:txBody>
       </p:sp>
@@ -2918,7 +2902,7 @@
           <a:p>
             <a:pPr lvl="0"/>
             <a:r>
-              <a:rPr lang="en-US" smtClean="0"/>
+              <a:rPr lang="en-US"/>
               <a:t>Click to edit Master text styles</a:t>
             </a:r>
           </a:p>
@@ -2977,38 +2961,37 @@
           <a:p>
             <a:pPr lvl="0"/>
             <a:r>
-              <a:rPr lang="en-US" smtClean="0"/>
+              <a:rPr lang="en-US"/>
               <a:t>Click to edit Master text styles</a:t>
             </a:r>
           </a:p>
           <a:p>
             <a:pPr lvl="1"/>
             <a:r>
-              <a:rPr lang="en-US" smtClean="0"/>
+              <a:rPr lang="en-US"/>
               <a:t>Second level</a:t>
             </a:r>
           </a:p>
           <a:p>
             <a:pPr lvl="2"/>
             <a:r>
-              <a:rPr lang="en-US" smtClean="0"/>
+              <a:rPr lang="en-US"/>
               <a:t>Third level</a:t>
             </a:r>
           </a:p>
           <a:p>
             <a:pPr lvl="3"/>
             <a:r>
-              <a:rPr lang="en-US" smtClean="0"/>
+              <a:rPr lang="en-US"/>
               <a:t>Fourth level</a:t>
             </a:r>
           </a:p>
           <a:p>
             <a:pPr lvl="4"/>
             <a:r>
-              <a:rPr lang="en-US" smtClean="0"/>
+              <a:rPr lang="en-US"/>
               <a:t>Fifth level</a:t>
             </a:r>
-            <a:endParaRPr lang="en-US"/>
           </a:p>
         </p:txBody>
       </p:sp>
@@ -3074,7 +3057,7 @@
           <a:p>
             <a:pPr lvl="0"/>
             <a:r>
-              <a:rPr lang="en-US" smtClean="0"/>
+              <a:rPr lang="en-US"/>
               <a:t>Click to edit Master text styles</a:t>
             </a:r>
           </a:p>
@@ -3133,38 +3116,37 @@
           <a:p>
             <a:pPr lvl="0"/>
             <a:r>
-              <a:rPr lang="en-US" smtClean="0"/>
+              <a:rPr lang="en-US"/>
               <a:t>Click to edit Master text styles</a:t>
             </a:r>
           </a:p>
           <a:p>
             <a:pPr lvl="1"/>
             <a:r>
-              <a:rPr lang="en-US" smtClean="0"/>
+              <a:rPr lang="en-US"/>
               <a:t>Second level</a:t>
             </a:r>
           </a:p>
           <a:p>
             <a:pPr lvl="2"/>
             <a:r>
-              <a:rPr lang="en-US" smtClean="0"/>
+              <a:rPr lang="en-US"/>
               <a:t>Third level</a:t>
             </a:r>
           </a:p>
           <a:p>
             <a:pPr lvl="3"/>
             <a:r>
-              <a:rPr lang="en-US" smtClean="0"/>
+              <a:rPr lang="en-US"/>
               <a:t>Fourth level</a:t>
             </a:r>
           </a:p>
           <a:p>
             <a:pPr lvl="4"/>
             <a:r>
-              <a:rPr lang="en-US" smtClean="0"/>
+              <a:rPr lang="en-US"/>
               <a:t>Fifth level</a:t>
             </a:r>
-            <a:endParaRPr lang="en-US"/>
           </a:p>
         </p:txBody>
       </p:sp>
@@ -3186,7 +3168,7 @@
             <a:fld id="{1D8BD707-D9CF-40AE-B4C6-C98DA3205C09}" type="datetimeFigureOut">
               <a:rPr lang="en-US" smtClean="0"/>
               <a:pPr/>
-              <a:t>06/01/2021</a:t>
+              <a:t>21/12/2020</a:t>
             </a:fld>
             <a:endParaRPr lang="en-US" dirty="0"/>
           </a:p>
@@ -3276,10 +3258,9 @@
           <a:lstStyle/>
           <a:p>
             <a:r>
-              <a:rPr lang="en-US" smtClean="0"/>
+              <a:rPr lang="en-US"/>
               <a:t>Click to edit Master title style</a:t>
             </a:r>
-            <a:endParaRPr lang="en-US"/>
           </a:p>
         </p:txBody>
       </p:sp>
@@ -3301,7 +3282,7 @@
             <a:fld id="{1D8BD707-D9CF-40AE-B4C6-C98DA3205C09}" type="datetimeFigureOut">
               <a:rPr lang="en-US" smtClean="0"/>
               <a:pPr/>
-              <a:t>06/01/2021</a:t>
+              <a:t>21/12/2020</a:t>
             </a:fld>
             <a:endParaRPr lang="en-US" dirty="0"/>
           </a:p>
@@ -3393,7 +3374,7 @@
             <a:fld id="{1D8BD707-D9CF-40AE-B4C6-C98DA3205C09}" type="datetimeFigureOut">
               <a:rPr lang="en-US" smtClean="0"/>
               <a:pPr/>
-              <a:t>06/01/2021</a:t>
+              <a:t>21/12/2020</a:t>
             </a:fld>
             <a:endParaRPr lang="en-US" dirty="0"/>
           </a:p>
@@ -3492,10 +3473,9 @@
           </a:lstStyle>
           <a:p>
             <a:r>
-              <a:rPr lang="en-US" smtClean="0"/>
+              <a:rPr lang="en-US"/>
               <a:t>Click to edit Master title style</a:t>
             </a:r>
-            <a:endParaRPr lang="en-US"/>
           </a:p>
         </p:txBody>
       </p:sp>
@@ -3552,38 +3532,37 @@
           <a:p>
             <a:pPr lvl="0"/>
             <a:r>
-              <a:rPr lang="en-US" smtClean="0"/>
+              <a:rPr lang="en-US"/>
               <a:t>Click to edit Master text styles</a:t>
             </a:r>
           </a:p>
           <a:p>
             <a:pPr lvl="1"/>
             <a:r>
-              <a:rPr lang="en-US" smtClean="0"/>
+              <a:rPr lang="en-US"/>
               <a:t>Second level</a:t>
             </a:r>
           </a:p>
           <a:p>
             <a:pPr lvl="2"/>
             <a:r>
-              <a:rPr lang="en-US" smtClean="0"/>
+              <a:rPr lang="en-US"/>
               <a:t>Third level</a:t>
             </a:r>
           </a:p>
           <a:p>
             <a:pPr lvl="3"/>
             <a:r>
-              <a:rPr lang="en-US" smtClean="0"/>
+              <a:rPr lang="en-US"/>
               <a:t>Fourth level</a:t>
             </a:r>
           </a:p>
           <a:p>
             <a:pPr lvl="4"/>
             <a:r>
-              <a:rPr lang="en-US" smtClean="0"/>
+              <a:rPr lang="en-US"/>
               <a:t>Fifth level</a:t>
             </a:r>
-            <a:endParaRPr lang="en-US"/>
           </a:p>
         </p:txBody>
       </p:sp>
@@ -3649,7 +3628,7 @@
           <a:p>
             <a:pPr lvl="0"/>
             <a:r>
-              <a:rPr lang="en-US" smtClean="0"/>
+              <a:rPr lang="en-US"/>
               <a:t>Click to edit Master text styles</a:t>
             </a:r>
           </a:p>
@@ -3673,7 +3652,7 @@
             <a:fld id="{1D8BD707-D9CF-40AE-B4C6-C98DA3205C09}" type="datetimeFigureOut">
               <a:rPr lang="en-US" smtClean="0"/>
               <a:pPr/>
-              <a:t>06/01/2021</a:t>
+              <a:t>21/12/2020</a:t>
             </a:fld>
             <a:endParaRPr lang="en-US" dirty="0"/>
           </a:p>
@@ -3772,10 +3751,9 @@
           </a:lstStyle>
           <a:p>
             <a:r>
-              <a:rPr lang="en-US" smtClean="0"/>
+              <a:rPr lang="en-US"/>
               <a:t>Click to edit Master title style</a:t>
             </a:r>
-            <a:endParaRPr lang="en-US"/>
           </a:p>
         </p:txBody>
       </p:sp>
@@ -3905,7 +3883,7 @@
           <a:p>
             <a:pPr lvl="0"/>
             <a:r>
-              <a:rPr lang="en-US" smtClean="0"/>
+              <a:rPr lang="en-US"/>
               <a:t>Click to edit Master text styles</a:t>
             </a:r>
           </a:p>
@@ -3929,7 +3907,7 @@
             <a:fld id="{1D8BD707-D9CF-40AE-B4C6-C98DA3205C09}" type="datetimeFigureOut">
               <a:rPr lang="en-US" smtClean="0"/>
               <a:pPr/>
-              <a:t>06/01/2021</a:t>
+              <a:t>21/12/2020</a:t>
             </a:fld>
             <a:endParaRPr lang="en-US" dirty="0"/>
           </a:p>
@@ -4034,10 +4012,9 @@
           <a:lstStyle/>
           <a:p>
             <a:r>
-              <a:rPr lang="en-US" smtClean="0"/>
+              <a:rPr lang="en-US"/>
               <a:t>Click to edit Master title style</a:t>
             </a:r>
-            <a:endParaRPr lang="en-US"/>
           </a:p>
         </p:txBody>
       </p:sp>
@@ -4077,7 +4054,7 @@
             <a:fld id="{1D8BD707-D9CF-40AE-B4C6-C98DA3205C09}" type="datetimeFigureOut">
               <a:rPr lang="en-US" smtClean="0"/>
               <a:pPr/>
-              <a:t>06/01/2021</a:t>
+              <a:t>21/12/2020</a:t>
             </a:fld>
             <a:endParaRPr lang="en-US" dirty="0"/>
           </a:p>
@@ -4178,13 +4155,6 @@
     <p:sldLayoutId id="2147483658" r:id="rId10"/>
     <p:sldLayoutId id="2147483659" r:id="rId11"/>
   </p:sldLayoutIdLst>
-  <p:timing>
-    <p:tnLst>
-      <p:par>
-        <p:cTn id="1" dur="indefinite" restart="never" nodeType="tmRoot"/>
-      </p:par>
-    </p:tnLst>
-  </p:timing>
   <p:txStyles>
     <p:titleStyle>
       <a:lvl1pPr algn="ctr" defTabSz="914400" rtl="0" eaLnBrk="1" latinLnBrk="0" hangingPunct="1">
@@ -4543,13 +4513,6 @@
   <p:transition spd="slow">
     <p:push dir="u"/>
   </p:transition>
-  <p:timing>
-    <p:tnLst>
-      <p:par>
-        <p:cTn id="1" dur="indefinite" restart="never" nodeType="tmRoot"/>
-      </p:par>
-    </p:tnLst>
-  </p:timing>
 </p:sld>
 </file>
 
@@ -4777,7 +4740,7 @@
           <a:p>
             <a:pPr algn="ctr" eaLnBrk="1" hangingPunct="1"/>
             <a:r>
-              <a:rPr lang="en-US" altLang="en-US" sz="3000" b="1" dirty="0" smtClean="0">
+              <a:rPr lang="en-US" altLang="en-US" sz="3000" b="1" dirty="0">
                 <a:solidFill>
                   <a:srgbClr val="FFFFFF"/>
                 </a:solidFill>
@@ -4786,7 +4749,7 @@
               <a:t>II</a:t>
             </a:r>
             <a:r>
-              <a:rPr lang="vi-VN" altLang="en-US" sz="3000" b="1" dirty="0" smtClean="0">
+              <a:rPr lang="vi-VN" altLang="en-US" sz="3000" b="1" dirty="0">
                 <a:solidFill>
                   <a:srgbClr val="FFFFFF"/>
                 </a:solidFill>
@@ -4795,7 +4758,7 @@
               <a:t>. </a:t>
             </a:r>
             <a:r>
-              <a:rPr lang="en-US" altLang="en-US" sz="3200" b="1" dirty="0" smtClean="0">
+              <a:rPr lang="en-US" altLang="en-US" sz="3200" b="1" dirty="0">
                 <a:solidFill>
                   <a:schemeClr val="bg1"/>
                 </a:solidFill>
@@ -4845,23 +4808,9 @@
                 <a:latin typeface="Times New Roman" pitchFamily="18" charset="0"/>
                 <a:cs typeface="Times New Roman" pitchFamily="18" charset="0"/>
               </a:rPr>
-              <a:t>Phân tích cảm xúc (Sentiment analysis) là nhằm phát hiện ra thái </a:t>
-            </a:r>
-            <a:r>
-              <a:rPr lang="vi-VN" sz="2400" dirty="0" smtClean="0">
-                <a:latin typeface="Times New Roman" pitchFamily="18" charset="0"/>
-                <a:cs typeface="Times New Roman" pitchFamily="18" charset="0"/>
-              </a:rPr>
-              <a:t>độ, </a:t>
-            </a:r>
-            <a:r>
-              <a:rPr lang="vi-VN" sz="2400" dirty="0">
-                <a:latin typeface="Times New Roman" pitchFamily="18" charset="0"/>
-                <a:cs typeface="Times New Roman" pitchFamily="18" charset="0"/>
-              </a:rPr>
-              <a:t>màu sắc tình cảm, khuynh hướng niềm tin trong một vấn đề nào đó. </a:t>
-            </a:r>
-            <a:endParaRPr lang="en-US" sz="2400" dirty="0" smtClean="0">
+              <a:t>Phân tích cảm xúc (Sentiment analysis) là nhằm phát hiện ra thái độ, màu sắc tình cảm, khuynh hướng niềm tin trong một vấn đề nào đó. </a:t>
+            </a:r>
+            <a:endParaRPr lang="en-US" sz="2400" dirty="0">
               <a:latin typeface="Times New Roman" pitchFamily="18" charset="0"/>
               <a:cs typeface="Times New Roman" pitchFamily="18" charset="0"/>
             </a:endParaRPr>
@@ -4874,7 +4823,7 @@
               <a:buFont typeface="Wingdings" pitchFamily="2" charset="2"/>
               <a:buChar char="v"/>
             </a:pPr>
-            <a:endParaRPr lang="en-US" sz="2400" dirty="0" smtClean="0">
+            <a:endParaRPr lang="en-US" sz="2400" dirty="0">
               <a:latin typeface="Times New Roman" pitchFamily="18" charset="0"/>
               <a:cs typeface="Times New Roman" pitchFamily="18" charset="0"/>
             </a:endParaRPr>
@@ -4888,7 +4837,7 @@
               <a:buChar char="v"/>
             </a:pPr>
             <a:r>
-              <a:rPr lang="vi-VN" sz="2400" dirty="0" smtClean="0">
+              <a:rPr lang="vi-VN" sz="2400" dirty="0">
                 <a:latin typeface="Times New Roman" pitchFamily="18" charset="0"/>
                 <a:cs typeface="Times New Roman" pitchFamily="18" charset="0"/>
               </a:rPr>
@@ -4902,37 +4851,33 @@
               <a:t> </a:t>
             </a:r>
             <a:r>
-              <a:rPr lang="vi-VN" sz="2400" dirty="0" smtClean="0">
+              <a:rPr lang="vi-VN" sz="2400" dirty="0">
                 <a:latin typeface="Times New Roman" pitchFamily="18" charset="0"/>
                 <a:cs typeface="Times New Roman" pitchFamily="18" charset="0"/>
               </a:rPr>
               <a:t>toán phân tích cảm xúc là bài toán dạng phân lớp cảm xúc dựa trên văn bản ngôn</a:t>
             </a:r>
             <a:r>
-              <a:rPr lang="en-US" sz="2400" dirty="0" smtClean="0">
+              <a:rPr lang="en-US" sz="2400" dirty="0">
                 <a:latin typeface="Times New Roman" pitchFamily="18" charset="0"/>
                 <a:cs typeface="Times New Roman" pitchFamily="18" charset="0"/>
               </a:rPr>
               <a:t> </a:t>
             </a:r>
             <a:r>
-              <a:rPr lang="vi-VN" sz="2400" dirty="0" smtClean="0">
+              <a:rPr lang="vi-VN" sz="2400" dirty="0">
                 <a:latin typeface="Times New Roman" pitchFamily="18" charset="0"/>
                 <a:cs typeface="Times New Roman" pitchFamily="18" charset="0"/>
               </a:rPr>
               <a:t>ngữ tự nhiên</a:t>
             </a:r>
             <a:r>
-              <a:rPr lang="en-US" sz="2400" dirty="0" smtClean="0">
+              <a:rPr lang="en-US" sz="2400" dirty="0">
                 <a:latin typeface="Times New Roman" pitchFamily="18" charset="0"/>
                 <a:cs typeface="Times New Roman" pitchFamily="18" charset="0"/>
               </a:rPr>
               <a:t>.</a:t>
             </a:r>
-            <a:endParaRPr lang="en-US" sz="2400" dirty="0">
-              <a:latin typeface="Times New Roman" pitchFamily="18" charset="0"/>
-              <a:cs typeface="Times New Roman" pitchFamily="18" charset="0"/>
-            </a:endParaRPr>
           </a:p>
         </p:txBody>
       </p:sp>
@@ -5003,16 +4948,12 @@
           <a:lstStyle/>
           <a:p>
             <a:r>
-              <a:rPr lang="en-US" sz="2800" b="1" dirty="0" smtClean="0">
+              <a:rPr lang="en-US" sz="2800" b="1" dirty="0">
                 <a:latin typeface="Times New Roman" pitchFamily="18" charset="0"/>
                 <a:cs typeface="Times New Roman" pitchFamily="18" charset="0"/>
               </a:rPr>
               <a:t>Phân tích cảm xúc</a:t>
             </a:r>
-            <a:endParaRPr lang="en-US" sz="2800" b="1" dirty="0">
-              <a:latin typeface="Times New Roman" pitchFamily="18" charset="0"/>
-              <a:cs typeface="Times New Roman" pitchFamily="18" charset="0"/>
-            </a:endParaRPr>
           </a:p>
         </p:txBody>
       </p:sp>
@@ -5029,13 +4970,6 @@
   <p:transition spd="slow">
     <p:push dir="u"/>
   </p:transition>
-  <p:timing>
-    <p:tnLst>
-      <p:par>
-        <p:cTn id="1" dur="indefinite" restart="never" nodeType="tmRoot"/>
-      </p:par>
-    </p:tnLst>
-  </p:timing>
 </p:sld>
 </file>
 
@@ -5263,7 +5197,7 @@
           <a:p>
             <a:pPr algn="ctr" eaLnBrk="1" hangingPunct="1"/>
             <a:r>
-              <a:rPr lang="en-US" altLang="en-US" sz="3000" b="1" dirty="0" smtClean="0">
+              <a:rPr lang="en-US" altLang="en-US" sz="3000" b="1" dirty="0">
                 <a:solidFill>
                   <a:srgbClr val="FFFFFF"/>
                 </a:solidFill>
@@ -5272,7 +5206,7 @@
               <a:t>II</a:t>
             </a:r>
             <a:r>
-              <a:rPr lang="vi-VN" altLang="en-US" sz="3000" b="1" dirty="0" smtClean="0">
+              <a:rPr lang="vi-VN" altLang="en-US" sz="3000" b="1" dirty="0">
                 <a:solidFill>
                   <a:srgbClr val="FFFFFF"/>
                 </a:solidFill>
@@ -5281,7 +5215,7 @@
               <a:t>. </a:t>
             </a:r>
             <a:r>
-              <a:rPr lang="en-US" altLang="en-US" sz="3200" b="1" dirty="0" smtClean="0">
+              <a:rPr lang="en-US" altLang="en-US" sz="3200" b="1" dirty="0">
                 <a:solidFill>
                   <a:schemeClr val="bg1"/>
                 </a:solidFill>
@@ -5329,35 +5263,21 @@
                 <a:latin typeface="Times New Roman" pitchFamily="18" charset="0"/>
                 <a:cs typeface="Times New Roman" pitchFamily="18" charset="0"/>
               </a:rPr>
-              <a:t>Bài toán phân tích cảm xúc thường được phân thành các bài toán có độ khó </a:t>
-            </a:r>
-            <a:r>
-              <a:rPr lang="vi-VN" sz="2400" dirty="0" smtClean="0">
-                <a:latin typeface="Times New Roman" pitchFamily="18" charset="0"/>
-                <a:cs typeface="Times New Roman" pitchFamily="18" charset="0"/>
-              </a:rPr>
-              <a:t>như</a:t>
-            </a:r>
-            <a:r>
-              <a:rPr lang="en-US" sz="2400" dirty="0" smtClean="0">
+              <a:t>Bài toán phân tích cảm xúc thường được phân thành các bài toán có độ khó như</a:t>
+            </a:r>
+            <a:r>
+              <a:rPr lang="en-US" sz="2400" dirty="0">
                 <a:latin typeface="Times New Roman" pitchFamily="18" charset="0"/>
                 <a:cs typeface="Times New Roman" pitchFamily="18" charset="0"/>
               </a:rPr>
               <a:t> </a:t>
             </a:r>
             <a:r>
-              <a:rPr lang="vi-VN" sz="2400" dirty="0" smtClean="0">
-                <a:latin typeface="Times New Roman" pitchFamily="18" charset="0"/>
-                <a:cs typeface="Times New Roman" pitchFamily="18" charset="0"/>
-              </a:rPr>
-              <a:t>sau</a:t>
-            </a:r>
-            <a:r>
               <a:rPr lang="vi-VN" sz="2400" dirty="0">
                 <a:latin typeface="Times New Roman" pitchFamily="18" charset="0"/>
                 <a:cs typeface="Times New Roman" pitchFamily="18" charset="0"/>
               </a:rPr>
-              <a:t>:</a:t>
+              <a:t>sau:</a:t>
             </a:r>
           </a:p>
           <a:p>
@@ -5369,41 +5289,27 @@
               <a:buChar char="v"/>
             </a:pPr>
             <a:r>
-              <a:rPr lang="vi-VN" sz="2400" dirty="0" smtClean="0">
-                <a:latin typeface="Times New Roman" pitchFamily="18" charset="0"/>
-                <a:cs typeface="Times New Roman" pitchFamily="18" charset="0"/>
-              </a:rPr>
-              <a:t>Đơn </a:t>
-            </a:r>
-            <a:r>
               <a:rPr lang="vi-VN" sz="2400" dirty="0">
                 <a:latin typeface="Times New Roman" pitchFamily="18" charset="0"/>
                 <a:cs typeface="Times New Roman" pitchFamily="18" charset="0"/>
               </a:rPr>
-              <a:t>giản: Phân tích cảm xúc thành 2 lớp là tích cực (positive) và tiêu </a:t>
-            </a:r>
-            <a:r>
-              <a:rPr lang="vi-VN" sz="2400" dirty="0" smtClean="0">
-                <a:latin typeface="Times New Roman" pitchFamily="18" charset="0"/>
-                <a:cs typeface="Times New Roman" pitchFamily="18" charset="0"/>
-              </a:rPr>
-              <a:t>cực</a:t>
-            </a:r>
-            <a:r>
-              <a:rPr lang="en-US" sz="2400" dirty="0" smtClean="0">
+              <a:t>Đơn giản: Phân tích cảm xúc thành 2 lớp là tích cực (positive) và tiêu cực</a:t>
+            </a:r>
+            <a:r>
+              <a:rPr lang="en-US" sz="2400" dirty="0">
                 <a:latin typeface="Times New Roman" pitchFamily="18" charset="0"/>
                 <a:cs typeface="Times New Roman" pitchFamily="18" charset="0"/>
               </a:rPr>
               <a:t> </a:t>
             </a:r>
             <a:r>
-              <a:rPr lang="vi-VN" sz="2400" dirty="0" smtClean="0">
+              <a:rPr lang="vi-VN" sz="2400" dirty="0">
                 <a:latin typeface="Times New Roman" pitchFamily="18" charset="0"/>
                 <a:cs typeface="Times New Roman" pitchFamily="18" charset="0"/>
               </a:rPr>
               <a:t>(negative).</a:t>
             </a:r>
-            <a:endParaRPr lang="en-US" sz="2400" dirty="0" smtClean="0">
+            <a:endParaRPr lang="en-US" sz="2400" dirty="0">
               <a:latin typeface="Times New Roman" pitchFamily="18" charset="0"/>
               <a:cs typeface="Times New Roman" pitchFamily="18" charset="0"/>
             </a:endParaRPr>
@@ -5417,27 +5323,13 @@
               <a:buChar char="v"/>
             </a:pPr>
             <a:r>
-              <a:rPr lang="vi-VN" sz="2400" dirty="0" smtClean="0">
-                <a:latin typeface="Times New Roman" pitchFamily="18" charset="0"/>
-                <a:cs typeface="Times New Roman" pitchFamily="18" charset="0"/>
-              </a:rPr>
-              <a:t>Trung </a:t>
-            </a:r>
-            <a:r>
               <a:rPr lang="vi-VN" sz="2400" dirty="0">
                 <a:latin typeface="Times New Roman" pitchFamily="18" charset="0"/>
                 <a:cs typeface="Times New Roman" pitchFamily="18" charset="0"/>
               </a:rPr>
-              <a:t>bình: Xếp hạng cảm xúc theo mức </a:t>
-            </a:r>
-            <a:r>
-              <a:rPr lang="vi-VN" sz="2400" dirty="0" smtClean="0">
-                <a:latin typeface="Times New Roman" pitchFamily="18" charset="0"/>
-                <a:cs typeface="Times New Roman" pitchFamily="18" charset="0"/>
-              </a:rPr>
-              <a:t>độ.</a:t>
-            </a:r>
-            <a:endParaRPr lang="en-US" sz="2400" dirty="0" smtClean="0">
+              <a:t>Trung bình: Xếp hạng cảm xúc theo mức độ.</a:t>
+            </a:r>
+            <a:endParaRPr lang="en-US" sz="2400" dirty="0">
               <a:latin typeface="Times New Roman" pitchFamily="18" charset="0"/>
               <a:cs typeface="Times New Roman" pitchFamily="18" charset="0"/>
             </a:endParaRPr>
@@ -5451,46 +5343,25 @@
               <a:buChar char="v"/>
             </a:pPr>
             <a:r>
-              <a:rPr lang="vi-VN" sz="2400" dirty="0" smtClean="0">
-                <a:latin typeface="Times New Roman" pitchFamily="18" charset="0"/>
-                <a:cs typeface="Times New Roman" pitchFamily="18" charset="0"/>
-              </a:rPr>
-              <a:t>Khó</a:t>
-            </a:r>
-            <a:r>
               <a:rPr lang="vi-VN" sz="2400" dirty="0">
                 <a:latin typeface="Times New Roman" pitchFamily="18" charset="0"/>
                 <a:cs typeface="Times New Roman" pitchFamily="18" charset="0"/>
               </a:rPr>
-              <a:t>: Phát hiện mục tiêu nguồn gốc của cảm xúc hoặc các loại cảm xúc </a:t>
-            </a:r>
-            <a:r>
-              <a:rPr lang="vi-VN" sz="2400" dirty="0" smtClean="0">
-                <a:latin typeface="Times New Roman" pitchFamily="18" charset="0"/>
-                <a:cs typeface="Times New Roman" pitchFamily="18" charset="0"/>
-              </a:rPr>
-              <a:t>phức</a:t>
-            </a:r>
-            <a:r>
-              <a:rPr lang="en-US" sz="2400" dirty="0" smtClean="0">
+              <a:t>Khó: Phát hiện mục tiêu nguồn gốc của cảm xúc hoặc các loại cảm xúc phức</a:t>
+            </a:r>
+            <a:r>
+              <a:rPr lang="en-US" sz="2400" dirty="0">
                 <a:latin typeface="Times New Roman" pitchFamily="18" charset="0"/>
                 <a:cs typeface="Times New Roman" pitchFamily="18" charset="0"/>
               </a:rPr>
               <a:t> </a:t>
             </a:r>
             <a:r>
-              <a:rPr lang="vi-VN" sz="2400" dirty="0" smtClean="0">
-                <a:latin typeface="Times New Roman" pitchFamily="18" charset="0"/>
-                <a:cs typeface="Times New Roman" pitchFamily="18" charset="0"/>
-              </a:rPr>
-              <a:t>tạp</a:t>
-            </a:r>
-            <a:r>
               <a:rPr lang="vi-VN" sz="2400" dirty="0">
                 <a:latin typeface="Times New Roman" pitchFamily="18" charset="0"/>
                 <a:cs typeface="Times New Roman" pitchFamily="18" charset="0"/>
               </a:rPr>
-              <a:t>.</a:t>
+              <a:t>tạp.</a:t>
             </a:r>
             <a:endParaRPr lang="en-US" sz="2400" dirty="0">
               <a:latin typeface="Times New Roman" pitchFamily="18" charset="0"/>
@@ -5534,16 +5405,12 @@
           <a:p>
             <a:pPr algn="ctr"/>
             <a:r>
-              <a:rPr lang="en-US" sz="1300" b="1" dirty="0" smtClean="0">
+              <a:rPr lang="en-US" sz="1300" b="1" dirty="0">
                 <a:latin typeface="Arial" panose="020B0604020202020204" pitchFamily="34" charset="0"/>
                 <a:cs typeface="Arial" panose="020B0604020202020204" pitchFamily="34" charset="0"/>
               </a:rPr>
               <a:t>9</a:t>
             </a:r>
-            <a:endParaRPr lang="en-US" sz="1300" b="1" dirty="0">
-              <a:latin typeface="Arial" panose="020B0604020202020204" pitchFamily="34" charset="0"/>
-              <a:cs typeface="Arial" panose="020B0604020202020204" pitchFamily="34" charset="0"/>
-            </a:endParaRPr>
           </a:p>
         </p:txBody>
       </p:sp>
@@ -5570,16 +5437,12 @@
           <a:lstStyle/>
           <a:p>
             <a:r>
-              <a:rPr lang="en-US" sz="2800" b="1" dirty="0" smtClean="0">
+              <a:rPr lang="en-US" sz="2800" b="1" dirty="0">
                 <a:latin typeface="Times New Roman" pitchFamily="18" charset="0"/>
                 <a:cs typeface="Times New Roman" pitchFamily="18" charset="0"/>
               </a:rPr>
               <a:t>Phân tích cảm xúc</a:t>
             </a:r>
-            <a:endParaRPr lang="en-US" sz="2800" b="1" dirty="0">
-              <a:latin typeface="Times New Roman" pitchFamily="18" charset="0"/>
-              <a:cs typeface="Times New Roman" pitchFamily="18" charset="0"/>
-            </a:endParaRPr>
           </a:p>
         </p:txBody>
       </p:sp>
@@ -5596,13 +5459,6 @@
   <p:transition spd="slow">
     <p:push dir="u"/>
   </p:transition>
-  <p:timing>
-    <p:tnLst>
-      <p:par>
-        <p:cTn id="1" dur="indefinite" restart="never" nodeType="tmRoot"/>
-      </p:par>
-    </p:tnLst>
-  </p:timing>
 </p:sld>
 </file>
 
@@ -5830,7 +5686,7 @@
           <a:p>
             <a:pPr algn="ctr" eaLnBrk="1" hangingPunct="1"/>
             <a:r>
-              <a:rPr lang="en-US" altLang="en-US" sz="3000" b="1" dirty="0" smtClean="0">
+              <a:rPr lang="en-US" altLang="en-US" sz="3000" b="1" dirty="0">
                 <a:solidFill>
                   <a:srgbClr val="FFFFFF"/>
                 </a:solidFill>
@@ -5839,7 +5695,7 @@
               <a:t>II</a:t>
             </a:r>
             <a:r>
-              <a:rPr lang="vi-VN" altLang="en-US" sz="3000" b="1" dirty="0" smtClean="0">
+              <a:rPr lang="vi-VN" altLang="en-US" sz="3000" b="1" dirty="0">
                 <a:solidFill>
                   <a:srgbClr val="FFFFFF"/>
                 </a:solidFill>
@@ -5848,7 +5704,7 @@
               <a:t>. </a:t>
             </a:r>
             <a:r>
-              <a:rPr lang="en-US" altLang="en-US" sz="3200" b="1" dirty="0" smtClean="0">
+              <a:rPr lang="en-US" altLang="en-US" sz="3200" b="1" dirty="0">
                 <a:solidFill>
                   <a:schemeClr val="bg1"/>
                 </a:solidFill>
@@ -5899,16 +5755,12 @@
           <a:p>
             <a:pPr algn="ctr"/>
             <a:r>
-              <a:rPr lang="en-US" sz="1300" b="1" dirty="0" smtClean="0">
+              <a:rPr lang="en-US" sz="1300" b="1" dirty="0">
                 <a:latin typeface="Arial" panose="020B0604020202020204" pitchFamily="34" charset="0"/>
                 <a:cs typeface="Arial" panose="020B0604020202020204" pitchFamily="34" charset="0"/>
               </a:rPr>
               <a:t>10</a:t>
             </a:r>
-            <a:endParaRPr lang="en-US" sz="1300" b="1" dirty="0">
-              <a:latin typeface="Arial" panose="020B0604020202020204" pitchFamily="34" charset="0"/>
-              <a:cs typeface="Arial" panose="020B0604020202020204" pitchFamily="34" charset="0"/>
-            </a:endParaRPr>
           </a:p>
         </p:txBody>
       </p:sp>
@@ -5935,16 +5787,12 @@
           <a:lstStyle/>
           <a:p>
             <a:r>
-              <a:rPr lang="en-US" sz="2800" b="1" dirty="0" smtClean="0">
+              <a:rPr lang="en-US" sz="2800" b="1" dirty="0">
                 <a:latin typeface="Times New Roman" pitchFamily="18" charset="0"/>
                 <a:cs typeface="Times New Roman" pitchFamily="18" charset="0"/>
               </a:rPr>
               <a:t>Phân tích cảm xúc</a:t>
             </a:r>
-            <a:endParaRPr lang="en-US" sz="2800" b="1" dirty="0">
-              <a:latin typeface="Times New Roman" pitchFamily="18" charset="0"/>
-              <a:cs typeface="Times New Roman" pitchFamily="18" charset="0"/>
-            </a:endParaRPr>
           </a:p>
         </p:txBody>
       </p:sp>
@@ -6024,13 +5872,6 @@
   <p:transition spd="slow">
     <p:push dir="u"/>
   </p:transition>
-  <p:timing>
-    <p:tnLst>
-      <p:par>
-        <p:cTn id="1" dur="indefinite" restart="never" nodeType="tmRoot"/>
-      </p:par>
-    </p:tnLst>
-  </p:timing>
 </p:sld>
 </file>
 
@@ -6258,7 +6099,7 @@
           <a:p>
             <a:pPr algn="ctr" eaLnBrk="1" hangingPunct="1"/>
             <a:r>
-              <a:rPr lang="en-US" altLang="en-US" sz="3000" b="1" dirty="0" smtClean="0">
+              <a:rPr lang="en-US" altLang="en-US" sz="3000" b="1" dirty="0">
                 <a:solidFill>
                   <a:srgbClr val="FFFFFF"/>
                 </a:solidFill>
@@ -6267,7 +6108,7 @@
               <a:t>II</a:t>
             </a:r>
             <a:r>
-              <a:rPr lang="vi-VN" altLang="en-US" sz="3000" b="1" dirty="0" smtClean="0">
+              <a:rPr lang="vi-VN" altLang="en-US" sz="3000" b="1" dirty="0">
                 <a:solidFill>
                   <a:srgbClr val="FFFFFF"/>
                 </a:solidFill>
@@ -6276,7 +6117,7 @@
               <a:t>. </a:t>
             </a:r>
             <a:r>
-              <a:rPr lang="en-US" altLang="en-US" sz="3200" b="1" dirty="0" smtClean="0">
+              <a:rPr lang="en-US" altLang="en-US" sz="3200" b="1" dirty="0">
                 <a:solidFill>
                   <a:schemeClr val="bg1"/>
                 </a:solidFill>
@@ -6327,16 +6168,12 @@
           <a:p>
             <a:pPr algn="ctr"/>
             <a:r>
-              <a:rPr lang="en-US" sz="1300" b="1" dirty="0" smtClean="0">
+              <a:rPr lang="en-US" sz="1300" b="1" dirty="0">
                 <a:latin typeface="Arial" panose="020B0604020202020204" pitchFamily="34" charset="0"/>
                 <a:cs typeface="Arial" panose="020B0604020202020204" pitchFamily="34" charset="0"/>
               </a:rPr>
               <a:t>11</a:t>
             </a:r>
-            <a:endParaRPr lang="en-US" sz="1300" b="1" dirty="0">
-              <a:latin typeface="Arial" panose="020B0604020202020204" pitchFamily="34" charset="0"/>
-              <a:cs typeface="Arial" panose="020B0604020202020204" pitchFamily="34" charset="0"/>
-            </a:endParaRPr>
           </a:p>
         </p:txBody>
       </p:sp>
@@ -6363,16 +6200,12 @@
           <a:lstStyle/>
           <a:p>
             <a:r>
-              <a:rPr lang="en-US" sz="2800" b="1" dirty="0" smtClean="0">
+              <a:rPr lang="en-US" sz="2800" b="1" dirty="0">
                 <a:latin typeface="Times New Roman" pitchFamily="18" charset="0"/>
                 <a:cs typeface="Times New Roman" pitchFamily="18" charset="0"/>
               </a:rPr>
               <a:t>Phân tích cảm xúc</a:t>
             </a:r>
-            <a:endParaRPr lang="en-US" sz="2800" b="1" dirty="0">
-              <a:latin typeface="Times New Roman" pitchFamily="18" charset="0"/>
-              <a:cs typeface="Times New Roman" pitchFamily="18" charset="0"/>
-            </a:endParaRPr>
           </a:p>
         </p:txBody>
       </p:sp>
@@ -6422,25 +6255,13 @@
               <a:buChar char="v"/>
             </a:pPr>
             <a:r>
-              <a:rPr lang="vi-VN" sz="2400" dirty="0" smtClean="0">
-                <a:latin typeface="+mj-lt"/>
-              </a:rPr>
-              <a:t>Theo </a:t>
-            </a:r>
-            <a:r>
               <a:rPr lang="vi-VN" sz="2400" dirty="0">
                 <a:latin typeface="+mj-lt"/>
               </a:rPr>
-              <a:t>phương pháp phân lớp không giám </a:t>
-            </a:r>
-            <a:r>
-              <a:rPr lang="vi-VN" sz="2400" dirty="0" smtClean="0">
-                <a:latin typeface="+mj-lt"/>
-              </a:rPr>
-              <a:t>sát</a:t>
-            </a:r>
-            <a:r>
-              <a:rPr lang="en-US" sz="2400" dirty="0" smtClean="0">
+              <a:t>Theo phương pháp phân lớp không giám sát</a:t>
+            </a:r>
+            <a:r>
+              <a:rPr lang="en-US" sz="2400" dirty="0">
                 <a:latin typeface="+mj-lt"/>
               </a:rPr>
               <a:t>.</a:t>
@@ -6455,25 +6276,13 @@
               <a:buChar char="v"/>
             </a:pPr>
             <a:r>
-              <a:rPr lang="vi-VN" sz="2400" b="1" dirty="0" smtClean="0">
-                <a:latin typeface="+mj-lt"/>
-              </a:rPr>
-              <a:t>Theo </a:t>
-            </a:r>
-            <a:r>
               <a:rPr lang="vi-VN" sz="2400" b="1" dirty="0">
                 <a:latin typeface="+mj-lt"/>
               </a:rPr>
-              <a:t>phương pháp phân lớp có giám </a:t>
-            </a:r>
-            <a:r>
-              <a:rPr lang="vi-VN" sz="2400" b="1" dirty="0" smtClean="0">
-                <a:latin typeface="+mj-lt"/>
-              </a:rPr>
-              <a:t>sát</a:t>
-            </a:r>
-            <a:r>
-              <a:rPr lang="en-US" sz="2400" b="1" dirty="0" smtClean="0">
+              <a:t>Theo phương pháp phân lớp có giám sát</a:t>
+            </a:r>
+            <a:r>
+              <a:rPr lang="en-US" sz="2400" b="1" dirty="0">
                 <a:latin typeface="+mj-lt"/>
               </a:rPr>
               <a:t>.</a:t>
@@ -6488,24 +6297,18 @@
               <a:buChar char="v"/>
             </a:pPr>
             <a:r>
-              <a:rPr lang="vi-VN" sz="2400" dirty="0" smtClean="0">
+              <a:rPr lang="en-US" sz="2400" dirty="0">
                 <a:latin typeface="+mj-lt"/>
               </a:rPr>
-              <a:t>Phân </a:t>
+              <a:t> </a:t>
             </a:r>
             <a:r>
               <a:rPr lang="vi-VN" sz="2400" dirty="0">
                 <a:latin typeface="+mj-lt"/>
               </a:rPr>
-              <a:t>tích cảm xúc dựa trên khía cạnh</a:t>
-            </a:r>
-            <a:r>
-              <a:rPr lang="vi-VN" sz="2400" dirty="0" smtClean="0">
-                <a:latin typeface="+mj-lt"/>
-              </a:rPr>
-              <a:t>.</a:t>
-            </a:r>
-            <a:endParaRPr lang="en-US" sz="2400" dirty="0" smtClean="0">
+              <a:t>Phân tích cảm xúc dựa trên khía cạnh.</a:t>
+            </a:r>
+            <a:endParaRPr lang="en-US" sz="2400" dirty="0">
               <a:latin typeface="+mj-lt"/>
             </a:endParaRPr>
           </a:p>
@@ -6518,24 +6321,12 @@
               <a:buChar char="v"/>
             </a:pPr>
             <a:r>
-              <a:rPr lang="vi-VN" sz="2400" dirty="0" smtClean="0">
-                <a:latin typeface="+mj-lt"/>
-              </a:rPr>
-              <a:t>Phân </a:t>
-            </a:r>
-            <a:r>
               <a:rPr lang="vi-VN" sz="2400" dirty="0">
                 <a:latin typeface="+mj-lt"/>
               </a:rPr>
-              <a:t>loại cảm xác dựa trên chủ </a:t>
-            </a:r>
-            <a:r>
-              <a:rPr lang="vi-VN" sz="2400" dirty="0" smtClean="0">
-                <a:latin typeface="+mj-lt"/>
-              </a:rPr>
-              <a:t>đề.</a:t>
-            </a:r>
-            <a:endParaRPr lang="en-US" sz="2400" dirty="0" smtClean="0">
+              <a:t>Phân loại cảm xác dựa trên chủ đề.</a:t>
+            </a:r>
+            <a:endParaRPr lang="en-US" sz="2400" dirty="0">
               <a:latin typeface="+mj-lt"/>
             </a:endParaRPr>
           </a:p>
@@ -6554,13 +6345,6 @@
   <p:transition spd="slow">
     <p:push dir="u"/>
   </p:transition>
-  <p:timing>
-    <p:tnLst>
-      <p:par>
-        <p:cTn id="1" dur="indefinite" restart="never" nodeType="tmRoot"/>
-      </p:par>
-    </p:tnLst>
-  </p:timing>
 </p:sld>
 </file>
 
@@ -6788,7 +6572,7 @@
           <a:p>
             <a:pPr algn="ctr" eaLnBrk="1" hangingPunct="1"/>
             <a:r>
-              <a:rPr lang="en-US" altLang="en-US" sz="3000" b="1" dirty="0" smtClean="0">
+              <a:rPr lang="en-US" altLang="en-US" sz="3000" b="1" dirty="0">
                 <a:solidFill>
                   <a:srgbClr val="FFFFFF"/>
                 </a:solidFill>
@@ -6797,7 +6581,7 @@
               <a:t>II</a:t>
             </a:r>
             <a:r>
-              <a:rPr lang="vi-VN" altLang="en-US" sz="3000" b="1" dirty="0" smtClean="0">
+              <a:rPr lang="vi-VN" altLang="en-US" sz="3000" b="1" dirty="0">
                 <a:solidFill>
                   <a:srgbClr val="FFFFFF"/>
                 </a:solidFill>
@@ -6806,7 +6590,7 @@
               <a:t>. </a:t>
             </a:r>
             <a:r>
-              <a:rPr lang="en-US" altLang="en-US" sz="3200" b="1" dirty="0" smtClean="0">
+              <a:rPr lang="en-US" altLang="en-US" sz="3200" b="1" dirty="0">
                 <a:solidFill>
                   <a:schemeClr val="bg1"/>
                 </a:solidFill>
@@ -6857,16 +6641,12 @@
           <a:p>
             <a:pPr algn="ctr"/>
             <a:r>
-              <a:rPr lang="en-US" sz="1300" b="1" dirty="0" smtClean="0">
+              <a:rPr lang="en-US" sz="1300" b="1" dirty="0">
                 <a:latin typeface="Arial" panose="020B0604020202020204" pitchFamily="34" charset="0"/>
                 <a:cs typeface="Arial" panose="020B0604020202020204" pitchFamily="34" charset="0"/>
               </a:rPr>
               <a:t>12</a:t>
             </a:r>
-            <a:endParaRPr lang="en-US" sz="1300" b="1" dirty="0">
-              <a:latin typeface="Arial" panose="020B0604020202020204" pitchFamily="34" charset="0"/>
-              <a:cs typeface="Arial" panose="020B0604020202020204" pitchFamily="34" charset="0"/>
-            </a:endParaRPr>
           </a:p>
         </p:txBody>
       </p:sp>
@@ -6893,16 +6673,12 @@
           <a:lstStyle/>
           <a:p>
             <a:r>
-              <a:rPr lang="en-US" sz="2800" b="1" dirty="0" smtClean="0">
+              <a:rPr lang="en-US" sz="2800" b="1" dirty="0">
                 <a:latin typeface="Times New Roman" pitchFamily="18" charset="0"/>
                 <a:cs typeface="Times New Roman" pitchFamily="18" charset="0"/>
               </a:rPr>
               <a:t>Một số phương pháp phân lớp</a:t>
             </a:r>
-            <a:endParaRPr lang="en-US" sz="2800" b="1" dirty="0">
-              <a:latin typeface="Times New Roman" pitchFamily="18" charset="0"/>
-              <a:cs typeface="Times New Roman" pitchFamily="18" charset="0"/>
-            </a:endParaRPr>
           </a:p>
         </p:txBody>
       </p:sp>
@@ -6936,7 +6712,7 @@
               <a:buChar char="v"/>
             </a:pPr>
             <a:r>
-              <a:rPr lang="en-US" sz="2400" b="1" dirty="0" smtClean="0">
+              <a:rPr lang="en-US" sz="2400" b="1" dirty="0">
                 <a:latin typeface="Times New Roman" pitchFamily="18" charset="0"/>
                 <a:cs typeface="Times New Roman" pitchFamily="18" charset="0"/>
               </a:rPr>
@@ -6956,14 +6732,7 @@
                 <a:latin typeface="Times New Roman" pitchFamily="18" charset="0"/>
                 <a:cs typeface="Times New Roman" pitchFamily="18" charset="0"/>
               </a:rPr>
-              <a:t>Phương pháp phân lớp SVM (Support Vector Machines</a:t>
-            </a:r>
-            <a:r>
-              <a:rPr lang="en-US" sz="2400" b="1" dirty="0" smtClean="0">
-                <a:latin typeface="Times New Roman" pitchFamily="18" charset="0"/>
-                <a:cs typeface="Times New Roman" pitchFamily="18" charset="0"/>
-              </a:rPr>
-              <a:t>)</a:t>
+              <a:t>Phương pháp phân lớp SVM (Support Vector Machines)</a:t>
             </a:r>
           </a:p>
           <a:p>
@@ -7015,14 +6784,7 @@
                 <a:latin typeface="Times New Roman" pitchFamily="18" charset="0"/>
                 <a:cs typeface="Times New Roman" pitchFamily="18" charset="0"/>
               </a:rPr>
-              <a:t>Phương pháp Entropy cực </a:t>
-            </a:r>
-            <a:r>
-              <a:rPr lang="vi-VN" sz="2400" dirty="0" smtClean="0">
-                <a:latin typeface="Times New Roman" pitchFamily="18" charset="0"/>
-                <a:cs typeface="Times New Roman" pitchFamily="18" charset="0"/>
-              </a:rPr>
-              <a:t>đại</a:t>
+              <a:t>Phương pháp Entropy cực đại</a:t>
             </a:r>
             <a:endParaRPr lang="en-US" sz="2400" dirty="0">
               <a:latin typeface="Times New Roman" pitchFamily="18" charset="0"/>
@@ -7044,13 +6806,6 @@
   <p:transition spd="slow">
     <p:push dir="u"/>
   </p:transition>
-  <p:timing>
-    <p:tnLst>
-      <p:par>
-        <p:cTn id="1" dur="indefinite" restart="never" nodeType="tmRoot"/>
-      </p:par>
-    </p:tnLst>
-  </p:timing>
 </p:sld>
 </file>
 
@@ -7278,7 +7033,7 @@
           <a:p>
             <a:pPr algn="ctr" eaLnBrk="1" hangingPunct="1"/>
             <a:r>
-              <a:rPr lang="en-US" altLang="en-US" sz="3000" b="1" dirty="0" smtClean="0">
+              <a:rPr lang="en-US" altLang="en-US" sz="3000" b="1" dirty="0">
                 <a:solidFill>
                   <a:srgbClr val="FFFFFF"/>
                 </a:solidFill>
@@ -7287,7 +7042,7 @@
               <a:t>II</a:t>
             </a:r>
             <a:r>
-              <a:rPr lang="vi-VN" altLang="en-US" sz="3000" b="1" dirty="0" smtClean="0">
+              <a:rPr lang="vi-VN" altLang="en-US" sz="3000" b="1" dirty="0">
                 <a:solidFill>
                   <a:srgbClr val="FFFFFF"/>
                 </a:solidFill>
@@ -7296,7 +7051,7 @@
               <a:t>. </a:t>
             </a:r>
             <a:r>
-              <a:rPr lang="en-US" altLang="en-US" sz="3200" b="1" dirty="0" smtClean="0">
+              <a:rPr lang="en-US" altLang="en-US" sz="3200" b="1" dirty="0">
                 <a:solidFill>
                   <a:schemeClr val="bg1"/>
                 </a:solidFill>
@@ -7347,16 +7102,12 @@
           <a:p>
             <a:pPr algn="ctr"/>
             <a:r>
-              <a:rPr lang="en-US" sz="1300" b="1" dirty="0" smtClean="0">
+              <a:rPr lang="en-US" sz="1300" b="1" dirty="0">
                 <a:latin typeface="Arial" panose="020B0604020202020204" pitchFamily="34" charset="0"/>
                 <a:cs typeface="Arial" panose="020B0604020202020204" pitchFamily="34" charset="0"/>
               </a:rPr>
               <a:t>13</a:t>
             </a:r>
-            <a:endParaRPr lang="en-US" sz="1300" b="1" dirty="0">
-              <a:latin typeface="Arial" panose="020B0604020202020204" pitchFamily="34" charset="0"/>
-              <a:cs typeface="Arial" panose="020B0604020202020204" pitchFamily="34" charset="0"/>
-            </a:endParaRPr>
           </a:p>
         </p:txBody>
       </p:sp>
@@ -7383,16 +7134,12 @@
           <a:lstStyle/>
           <a:p>
             <a:r>
-              <a:rPr lang="en-US" sz="2800" b="1" dirty="0" smtClean="0">
+              <a:rPr lang="en-US" sz="2800" b="1" dirty="0">
                 <a:latin typeface="Times New Roman" pitchFamily="18" charset="0"/>
                 <a:cs typeface="Times New Roman" pitchFamily="18" charset="0"/>
               </a:rPr>
               <a:t>Phương pháp biểu diễn văn bản</a:t>
             </a:r>
-            <a:endParaRPr lang="en-US" sz="2800" b="1" dirty="0">
-              <a:latin typeface="Times New Roman" pitchFamily="18" charset="0"/>
-              <a:cs typeface="Times New Roman" pitchFamily="18" charset="0"/>
-            </a:endParaRPr>
           </a:p>
         </p:txBody>
       </p:sp>
@@ -7429,57 +7176,33 @@
               <a:rPr lang="vi-VN" sz="2400" dirty="0">
                 <a:latin typeface="+mj-lt"/>
               </a:rPr>
-              <a:t>Biểu </a:t>
-            </a:r>
-            <a:r>
-              <a:rPr lang="vi-VN" sz="2400" dirty="0" smtClean="0">
-                <a:latin typeface="+mj-lt"/>
-              </a:rPr>
-              <a:t>di</a:t>
-            </a:r>
-            <a:r>
-              <a:rPr lang="en-US" sz="2400" dirty="0" smtClean="0">
+              <a:t>Biểu di</a:t>
+            </a:r>
+            <a:r>
+              <a:rPr lang="en-US" sz="2400" dirty="0">
                 <a:latin typeface="+mj-lt"/>
               </a:rPr>
               <a:t>ễ</a:t>
             </a:r>
             <a:r>
-              <a:rPr lang="vi-VN" sz="2400" dirty="0" smtClean="0">
-                <a:latin typeface="+mj-lt"/>
-              </a:rPr>
-              <a:t>n </a:t>
-            </a:r>
-            <a:r>
               <a:rPr lang="vi-VN" sz="2400" dirty="0">
                 <a:latin typeface="+mj-lt"/>
               </a:rPr>
-              <a:t>văn bản là một bước quan trọng trong khai thác dữ liệu văn bản, </a:t>
-            </a:r>
-            <a:r>
-              <a:rPr lang="vi-VN" sz="2400" dirty="0" smtClean="0">
-                <a:latin typeface="+mj-lt"/>
-              </a:rPr>
-              <a:t>truy</a:t>
-            </a:r>
-            <a:r>
-              <a:rPr lang="en-US" sz="2400" dirty="0" smtClean="0">
+              <a:t>n văn bản là một bước quan trọng trong khai thác dữ liệu văn bản, truy</a:t>
+            </a:r>
+            <a:r>
+              <a:rPr lang="en-US" sz="2400" dirty="0">
                 <a:latin typeface="+mj-lt"/>
               </a:rPr>
               <a:t> </a:t>
             </a:r>
             <a:r>
-              <a:rPr lang="vi-VN" sz="2400" dirty="0" smtClean="0">
-                <a:latin typeface="+mj-lt"/>
-              </a:rPr>
-              <a:t>vấn </a:t>
-            </a:r>
-            <a:r>
               <a:rPr lang="vi-VN" sz="2400" dirty="0">
                 <a:latin typeface="+mj-lt"/>
               </a:rPr>
-              <a:t>thông tin và xử lý ngôn ngữ tự nhiên. </a:t>
-            </a:r>
-            <a:endParaRPr lang="en-US" sz="2400" dirty="0" smtClean="0">
+              <a:t>vấn thông tin và xử lý ngôn ngữ tự nhiên. </a:t>
+            </a:r>
+            <a:endParaRPr lang="en-US" sz="2400" dirty="0">
               <a:latin typeface="+mj-lt"/>
             </a:endParaRPr>
           </a:p>
@@ -7491,7 +7214,7 @@
               <a:buFont typeface="Wingdings" pitchFamily="2" charset="2"/>
               <a:buChar char="v"/>
             </a:pPr>
-            <a:endParaRPr lang="en-US" sz="2400" dirty="0" smtClean="0">
+            <a:endParaRPr lang="en-US" sz="2400" dirty="0">
               <a:latin typeface="+mj-lt"/>
             </a:endParaRPr>
           </a:p>
@@ -7508,65 +7231,37 @@
                 <a:latin typeface="+mj-lt"/>
                 <a:cs typeface="Times New Roman" pitchFamily="18" charset="0"/>
               </a:rPr>
-              <a:t>Các mô hình biểu </a:t>
-            </a:r>
-            <a:r>
-              <a:rPr lang="vi-VN" sz="2400" dirty="0" smtClean="0">
-                <a:latin typeface="+mj-lt"/>
-                <a:cs typeface="Times New Roman" pitchFamily="18" charset="0"/>
-              </a:rPr>
-              <a:t>di</a:t>
-            </a:r>
-            <a:r>
-              <a:rPr lang="en-US" sz="2400" dirty="0" smtClean="0">
+              <a:t>Các mô hình biểu di</a:t>
+            </a:r>
+            <a:r>
+              <a:rPr lang="en-US" sz="2400" dirty="0">
                 <a:latin typeface="+mj-lt"/>
                 <a:cs typeface="Times New Roman" pitchFamily="18" charset="0"/>
               </a:rPr>
               <a:t>ễ</a:t>
             </a:r>
             <a:r>
-              <a:rPr lang="vi-VN" sz="2400" dirty="0" smtClean="0">
-                <a:latin typeface="+mj-lt"/>
-                <a:cs typeface="Times New Roman" pitchFamily="18" charset="0"/>
-              </a:rPr>
-              <a:t>n </a:t>
-            </a:r>
-            <a:r>
               <a:rPr lang="vi-VN" sz="2400" dirty="0">
                 <a:latin typeface="+mj-lt"/>
                 <a:cs typeface="Times New Roman" pitchFamily="18" charset="0"/>
               </a:rPr>
-              <a:t>văn bản truyền thống như mô hình túi từ (</a:t>
-            </a:r>
-            <a:r>
-              <a:rPr lang="vi-VN" sz="2400" dirty="0" smtClean="0">
-                <a:latin typeface="+mj-lt"/>
-                <a:cs typeface="Times New Roman" pitchFamily="18" charset="0"/>
-              </a:rPr>
-              <a:t>bag-of-word)</a:t>
-            </a:r>
-            <a:r>
-              <a:rPr lang="en-US" sz="2400" dirty="0" smtClean="0">
+              <a:t>n văn bản truyền thống như mô hình túi từ (bag-of-word)</a:t>
+            </a:r>
+            <a:r>
+              <a:rPr lang="en-US" sz="2400" dirty="0">
                 <a:latin typeface="+mj-lt"/>
                 <a:cs typeface="Times New Roman" pitchFamily="18" charset="0"/>
               </a:rPr>
               <a:t>, </a:t>
             </a:r>
             <a:r>
-              <a:rPr lang="vi-VN" sz="2400" dirty="0" smtClean="0">
-                <a:latin typeface="+mj-lt"/>
-                <a:cs typeface="Times New Roman" pitchFamily="18" charset="0"/>
-              </a:rPr>
-              <a:t>mô </a:t>
-            </a:r>
-            <a:r>
               <a:rPr lang="vi-VN" sz="2400" dirty="0">
                 <a:latin typeface="+mj-lt"/>
                 <a:cs typeface="Times New Roman" pitchFamily="18" charset="0"/>
               </a:rPr>
-              <a:t>hình không gian vector là các mô hình thường được sử dụng nhất</a:t>
-            </a:r>
-            <a:endParaRPr lang="en-US" sz="2400" dirty="0" smtClean="0">
+              <a:t>mô hình không gian vector là các mô hình thường được sử dụng nhất</a:t>
+            </a:r>
+            <a:endParaRPr lang="en-US" sz="2400" dirty="0">
               <a:latin typeface="+mj-lt"/>
               <a:cs typeface="Times New Roman" pitchFamily="18" charset="0"/>
             </a:endParaRPr>
@@ -7586,13 +7281,6 @@
   <p:transition spd="slow">
     <p:push dir="u"/>
   </p:transition>
-  <p:timing>
-    <p:tnLst>
-      <p:par>
-        <p:cTn id="1" dur="indefinite" restart="never" nodeType="tmRoot"/>
-      </p:par>
-    </p:tnLst>
-  </p:timing>
 </p:sld>
 </file>
 
@@ -7820,7 +7508,7 @@
           <a:p>
             <a:pPr algn="ctr" eaLnBrk="1" hangingPunct="1"/>
             <a:r>
-              <a:rPr lang="en-US" altLang="en-US" sz="3000" b="1" dirty="0" smtClean="0">
+              <a:rPr lang="en-US" altLang="en-US" sz="3000" b="1" dirty="0">
                 <a:solidFill>
                   <a:srgbClr val="FFFFFF"/>
                 </a:solidFill>
@@ -7829,7 +7517,7 @@
               <a:t>II</a:t>
             </a:r>
             <a:r>
-              <a:rPr lang="vi-VN" altLang="en-US" sz="3000" b="1" dirty="0" smtClean="0">
+              <a:rPr lang="vi-VN" altLang="en-US" sz="3000" b="1" dirty="0">
                 <a:solidFill>
                   <a:srgbClr val="FFFFFF"/>
                 </a:solidFill>
@@ -7838,7 +7526,7 @@
               <a:t>. </a:t>
             </a:r>
             <a:r>
-              <a:rPr lang="en-US" altLang="en-US" sz="3200" b="1" dirty="0" smtClean="0">
+              <a:rPr lang="en-US" altLang="en-US" sz="3200" b="1" dirty="0">
                 <a:solidFill>
                   <a:schemeClr val="bg1"/>
                 </a:solidFill>
@@ -7889,16 +7577,12 @@
           <a:p>
             <a:pPr algn="ctr"/>
             <a:r>
-              <a:rPr lang="en-US" sz="1300" b="1" dirty="0" smtClean="0">
+              <a:rPr lang="en-US" sz="1300" b="1" dirty="0">
                 <a:latin typeface="Arial" panose="020B0604020202020204" pitchFamily="34" charset="0"/>
                 <a:cs typeface="Arial" panose="020B0604020202020204" pitchFamily="34" charset="0"/>
               </a:rPr>
               <a:t>14</a:t>
             </a:r>
-            <a:endParaRPr lang="en-US" sz="1300" b="1" dirty="0">
-              <a:latin typeface="Arial" panose="020B0604020202020204" pitchFamily="34" charset="0"/>
-              <a:cs typeface="Arial" panose="020B0604020202020204" pitchFamily="34" charset="0"/>
-            </a:endParaRPr>
           </a:p>
         </p:txBody>
       </p:sp>
@@ -7925,16 +7609,12 @@
           <a:lstStyle/>
           <a:p>
             <a:r>
-              <a:rPr lang="en-US" sz="2800" b="1" dirty="0" smtClean="0">
+              <a:rPr lang="en-US" sz="2800" b="1" dirty="0">
                 <a:latin typeface="Times New Roman" pitchFamily="18" charset="0"/>
                 <a:cs typeface="Times New Roman" pitchFamily="18" charset="0"/>
               </a:rPr>
               <a:t>Phương pháp biểu diễn văn bản</a:t>
             </a:r>
-            <a:endParaRPr lang="en-US" sz="2800" b="1" dirty="0">
-              <a:latin typeface="Times New Roman" pitchFamily="18" charset="0"/>
-              <a:cs typeface="Times New Roman" pitchFamily="18" charset="0"/>
-            </a:endParaRPr>
           </a:p>
         </p:txBody>
       </p:sp>
@@ -7966,7 +7646,7 @@
               </a:lnSpc>
             </a:pPr>
             <a:r>
-              <a:rPr lang="en-US" sz="2400" dirty="0" smtClean="0">
+              <a:rPr lang="en-US" sz="2400" dirty="0">
                 <a:latin typeface="Times New Roman" pitchFamily="18" charset="0"/>
                 <a:cs typeface="Times New Roman" pitchFamily="18" charset="0"/>
               </a:rPr>
@@ -7986,14 +7666,7 @@
                 <a:latin typeface="Times New Roman" pitchFamily="18" charset="0"/>
                 <a:cs typeface="Times New Roman" pitchFamily="18" charset="0"/>
               </a:rPr>
-              <a:t>Mô hình </a:t>
-            </a:r>
-            <a:r>
-              <a:rPr lang="en-US" sz="2400" dirty="0" smtClean="0">
-                <a:latin typeface="Times New Roman" pitchFamily="18" charset="0"/>
-                <a:cs typeface="Times New Roman" pitchFamily="18" charset="0"/>
-              </a:rPr>
-              <a:t>logic.</a:t>
+              <a:t>Mô hình logic.</a:t>
             </a:r>
           </a:p>
           <a:p>
@@ -8009,14 +7682,7 @@
                 <a:latin typeface="Times New Roman" pitchFamily="18" charset="0"/>
                 <a:cs typeface="Times New Roman" pitchFamily="18" charset="0"/>
               </a:rPr>
-              <a:t>Mô hình phân tích cú </a:t>
-            </a:r>
-            <a:r>
-              <a:rPr lang="en-US" sz="2400" dirty="0" smtClean="0">
-                <a:latin typeface="Times New Roman" pitchFamily="18" charset="0"/>
-                <a:cs typeface="Times New Roman" pitchFamily="18" charset="0"/>
-              </a:rPr>
-              <a:t>pháp.</a:t>
+              <a:t>Mô hình phân tích cú pháp.</a:t>
             </a:r>
           </a:p>
           <a:p>
@@ -8032,14 +7698,7 @@
                 <a:latin typeface="Times New Roman" pitchFamily="18" charset="0"/>
                 <a:cs typeface="Times New Roman" pitchFamily="18" charset="0"/>
               </a:rPr>
-              <a:t>Mô hình không gian </a:t>
-            </a:r>
-            <a:r>
-              <a:rPr lang="en-US" sz="2400" b="1" dirty="0" smtClean="0">
-                <a:latin typeface="Times New Roman" pitchFamily="18" charset="0"/>
-                <a:cs typeface="Times New Roman" pitchFamily="18" charset="0"/>
-              </a:rPr>
-              <a:t>vector.</a:t>
+              <a:t>Mô hình không gian vector.</a:t>
             </a:r>
           </a:p>
           <a:p>
@@ -8055,17 +7714,10 @@
                 <a:latin typeface="Times New Roman" pitchFamily="18" charset="0"/>
                 <a:cs typeface="Times New Roman" pitchFamily="18" charset="0"/>
               </a:rPr>
-              <a:t>Mô hình đồ </a:t>
-            </a:r>
-            <a:r>
-              <a:rPr lang="vi-VN" sz="2400" dirty="0" smtClean="0">
-                <a:latin typeface="Times New Roman" pitchFamily="18" charset="0"/>
-                <a:cs typeface="Times New Roman" pitchFamily="18" charset="0"/>
-              </a:rPr>
-              <a:t>thị</a:t>
-            </a:r>
-            <a:r>
-              <a:rPr lang="en-US" sz="2400" dirty="0" smtClean="0">
+              <a:t>Mô hình đồ thị</a:t>
+            </a:r>
+            <a:r>
+              <a:rPr lang="en-US" sz="2400" dirty="0">
                 <a:latin typeface="Times New Roman" pitchFamily="18" charset="0"/>
                 <a:cs typeface="Times New Roman" pitchFamily="18" charset="0"/>
               </a:rPr>
@@ -8087,13 +7739,6 @@
   <p:transition spd="slow">
     <p:push dir="u"/>
   </p:transition>
-  <p:timing>
-    <p:tnLst>
-      <p:par>
-        <p:cTn id="1" dur="indefinite" restart="never" nodeType="tmRoot"/>
-      </p:par>
-    </p:tnLst>
-  </p:timing>
 </p:sld>
 </file>
 
@@ -8321,7 +7966,7 @@
           <a:p>
             <a:pPr algn="ctr" eaLnBrk="1" hangingPunct="1"/>
             <a:r>
-              <a:rPr lang="en-US" altLang="en-US" sz="3000" b="1" dirty="0" smtClean="0">
+              <a:rPr lang="en-US" altLang="en-US" sz="3000" b="1" dirty="0">
                 <a:solidFill>
                   <a:srgbClr val="FFFFFF"/>
                 </a:solidFill>
@@ -8330,7 +7975,7 @@
               <a:t>II</a:t>
             </a:r>
             <a:r>
-              <a:rPr lang="vi-VN" altLang="en-US" sz="3000" b="1" dirty="0" smtClean="0">
+              <a:rPr lang="vi-VN" altLang="en-US" sz="3000" b="1" dirty="0">
                 <a:solidFill>
                   <a:srgbClr val="FFFFFF"/>
                 </a:solidFill>
@@ -8339,7 +7984,7 @@
               <a:t>. </a:t>
             </a:r>
             <a:r>
-              <a:rPr lang="en-US" altLang="en-US" sz="3200" b="1" dirty="0" smtClean="0">
+              <a:rPr lang="en-US" altLang="en-US" sz="3200" b="1" dirty="0">
                 <a:solidFill>
                   <a:schemeClr val="bg1"/>
                 </a:solidFill>
@@ -8390,16 +8035,12 @@
           <a:p>
             <a:pPr algn="ctr"/>
             <a:r>
-              <a:rPr lang="en-US" sz="1300" b="1" dirty="0" smtClean="0">
+              <a:rPr lang="en-US" sz="1300" b="1" dirty="0">
                 <a:latin typeface="Arial" panose="020B0604020202020204" pitchFamily="34" charset="0"/>
                 <a:cs typeface="Arial" panose="020B0604020202020204" pitchFamily="34" charset="0"/>
               </a:rPr>
               <a:t>15</a:t>
             </a:r>
-            <a:endParaRPr lang="en-US" sz="1300" b="1" dirty="0">
-              <a:latin typeface="Arial" panose="020B0604020202020204" pitchFamily="34" charset="0"/>
-              <a:cs typeface="Arial" panose="020B0604020202020204" pitchFamily="34" charset="0"/>
-            </a:endParaRPr>
           </a:p>
         </p:txBody>
       </p:sp>
@@ -8426,16 +8067,12 @@
           <a:lstStyle/>
           <a:p>
             <a:r>
-              <a:rPr lang="en-US" sz="2800" b="1" dirty="0" smtClean="0">
+              <a:rPr lang="en-US" sz="2800" b="1" dirty="0">
                 <a:latin typeface="Times New Roman" pitchFamily="18" charset="0"/>
                 <a:cs typeface="Times New Roman" pitchFamily="18" charset="0"/>
               </a:rPr>
               <a:t>Phương pháp tính độ tương đồng văn bản</a:t>
             </a:r>
-            <a:endParaRPr lang="en-US" sz="2800" b="1" dirty="0">
-              <a:latin typeface="Times New Roman" pitchFamily="18" charset="0"/>
-              <a:cs typeface="Times New Roman" pitchFamily="18" charset="0"/>
-            </a:endParaRPr>
           </a:p>
         </p:txBody>
       </p:sp>
@@ -8473,35 +8110,21 @@
                 <a:latin typeface="Times New Roman" pitchFamily="18" charset="0"/>
                 <a:cs typeface="Times New Roman" pitchFamily="18" charset="0"/>
               </a:rPr>
-              <a:t>Độ tương đồng là một đại lượng dùng để so sánh hai hay nhiều đối tượng </a:t>
-            </a:r>
-            <a:r>
-              <a:rPr lang="vi-VN" sz="2400" dirty="0" smtClean="0">
-                <a:latin typeface="Times New Roman" pitchFamily="18" charset="0"/>
-                <a:cs typeface="Times New Roman" pitchFamily="18" charset="0"/>
-              </a:rPr>
-              <a:t>với</a:t>
-            </a:r>
-            <a:r>
-              <a:rPr lang="en-US" sz="2400" dirty="0" smtClean="0">
+              <a:t>Độ tương đồng là một đại lượng dùng để so sánh hai hay nhiều đối tượng với</a:t>
+            </a:r>
+            <a:r>
+              <a:rPr lang="en-US" sz="2400" dirty="0">
                 <a:latin typeface="Times New Roman" pitchFamily="18" charset="0"/>
                 <a:cs typeface="Times New Roman" pitchFamily="18" charset="0"/>
               </a:rPr>
               <a:t> </a:t>
             </a:r>
             <a:r>
-              <a:rPr lang="vi-VN" sz="2400" dirty="0" smtClean="0">
-                <a:latin typeface="Times New Roman" pitchFamily="18" charset="0"/>
-                <a:cs typeface="Times New Roman" pitchFamily="18" charset="0"/>
-              </a:rPr>
-              <a:t>nhau, </a:t>
-            </a:r>
-            <a:r>
               <a:rPr lang="vi-VN" sz="2400" dirty="0">
                 <a:latin typeface="Times New Roman" pitchFamily="18" charset="0"/>
                 <a:cs typeface="Times New Roman" pitchFamily="18" charset="0"/>
               </a:rPr>
-              <a:t>phản ánh cường độ của mối quan hệ giữa các đối tượng với nhau. </a:t>
+              <a:t>nhau, phản ánh cường độ của mối quan hệ giữa các đối tượng với nhau. </a:t>
             </a:r>
             <a:endParaRPr lang="en-US" sz="2400" dirty="0">
               <a:latin typeface="Times New Roman" pitchFamily="18" charset="0"/>
@@ -8517,41 +8140,27 @@
               <a:buChar char="v"/>
             </a:pPr>
             <a:r>
-              <a:rPr lang="vi-VN" sz="2400" dirty="0" smtClean="0">
-                <a:latin typeface="Times New Roman" pitchFamily="18" charset="0"/>
-                <a:cs typeface="Times New Roman" pitchFamily="18" charset="0"/>
-              </a:rPr>
-              <a:t>Ví dụ </a:t>
-            </a:r>
-            <a:r>
               <a:rPr lang="vi-VN" sz="2400" dirty="0">
                 <a:latin typeface="Times New Roman" pitchFamily="18" charset="0"/>
                 <a:cs typeface="Times New Roman" pitchFamily="18" charset="0"/>
               </a:rPr>
-              <a:t>xét </a:t>
-            </a:r>
-            <a:r>
-              <a:rPr lang="vi-VN" sz="2400" dirty="0" smtClean="0">
-                <a:latin typeface="Times New Roman" pitchFamily="18" charset="0"/>
-                <a:cs typeface="Times New Roman" pitchFamily="18" charset="0"/>
-              </a:rPr>
-              <a:t>2</a:t>
-            </a:r>
-            <a:r>
-              <a:rPr lang="en-US" sz="2400" dirty="0" smtClean="0">
+              <a:t>Ví dụ xét 2</a:t>
+            </a:r>
+            <a:r>
+              <a:rPr lang="en-US" sz="2400" dirty="0">
                 <a:latin typeface="Times New Roman" pitchFamily="18" charset="0"/>
                 <a:cs typeface="Times New Roman" pitchFamily="18" charset="0"/>
               </a:rPr>
               <a:t> </a:t>
             </a:r>
             <a:r>
-              <a:rPr lang="vi-VN" sz="2400" dirty="0" smtClean="0">
+              <a:rPr lang="vi-VN" sz="2400" dirty="0">
                 <a:latin typeface="Times New Roman" pitchFamily="18" charset="0"/>
                 <a:cs typeface="Times New Roman" pitchFamily="18" charset="0"/>
               </a:rPr>
               <a:t>câu </a:t>
             </a:r>
-            <a:endParaRPr lang="en-US" sz="2400" dirty="0" smtClean="0">
+            <a:endParaRPr lang="en-US" sz="2400" dirty="0">
               <a:latin typeface="Times New Roman" pitchFamily="18" charset="0"/>
               <a:cs typeface="Times New Roman" pitchFamily="18" charset="0"/>
             </a:endParaRPr>
@@ -8570,27 +8179,13 @@
               <a:t>	</a:t>
             </a:r>
             <a:r>
-              <a:rPr lang="vi-VN" sz="2400" dirty="0" smtClean="0">
-                <a:latin typeface="Times New Roman" pitchFamily="18" charset="0"/>
-                <a:cs typeface="Times New Roman" pitchFamily="18" charset="0"/>
-              </a:rPr>
-              <a:t>“</a:t>
-            </a:r>
-            <a:r>
               <a:rPr lang="vi-VN" sz="2400" dirty="0">
                 <a:latin typeface="Times New Roman" pitchFamily="18" charset="0"/>
                 <a:cs typeface="Times New Roman" pitchFamily="18" charset="0"/>
               </a:rPr>
-              <a:t>Nam là sinh viên lớp công nghệ thông tin</a:t>
-            </a:r>
-            <a:r>
-              <a:rPr lang="vi-VN" sz="2400" dirty="0" smtClean="0">
-                <a:latin typeface="Times New Roman" pitchFamily="18" charset="0"/>
-                <a:cs typeface="Times New Roman" pitchFamily="18" charset="0"/>
-              </a:rPr>
-              <a:t>”</a:t>
-            </a:r>
-            <a:endParaRPr lang="en-US" sz="2400" dirty="0" smtClean="0">
+              <a:t>“Nam là sinh viên lớp công nghệ thông tin”</a:t>
+            </a:r>
+            <a:endParaRPr lang="en-US" sz="2400" dirty="0">
               <a:latin typeface="Times New Roman" pitchFamily="18" charset="0"/>
               <a:cs typeface="Times New Roman" pitchFamily="18" charset="0"/>
             </a:endParaRPr>
@@ -8602,42 +8197,28 @@
               </a:lnSpc>
             </a:pPr>
             <a:r>
-              <a:rPr lang="en-US" sz="2400" dirty="0" smtClean="0">
+              <a:rPr lang="en-US" sz="2400" dirty="0">
                 <a:latin typeface="Times New Roman" pitchFamily="18" charset="0"/>
                 <a:cs typeface="Times New Roman" pitchFamily="18" charset="0"/>
               </a:rPr>
               <a:t>	</a:t>
             </a:r>
             <a:r>
-              <a:rPr lang="vi-VN" sz="2400" dirty="0" smtClean="0">
-                <a:latin typeface="Times New Roman" pitchFamily="18" charset="0"/>
-                <a:cs typeface="Times New Roman" pitchFamily="18" charset="0"/>
-              </a:rPr>
-              <a:t>“Hoa </a:t>
-            </a:r>
-            <a:r>
               <a:rPr lang="vi-VN" sz="2400" dirty="0">
                 <a:latin typeface="Times New Roman" pitchFamily="18" charset="0"/>
                 <a:cs typeface="Times New Roman" pitchFamily="18" charset="0"/>
               </a:rPr>
-              <a:t>là sinh viên lớp công </a:t>
-            </a:r>
-            <a:r>
-              <a:rPr lang="vi-VN" sz="2400" dirty="0" smtClean="0">
-                <a:latin typeface="Times New Roman" pitchFamily="18" charset="0"/>
-                <a:cs typeface="Times New Roman" pitchFamily="18" charset="0"/>
-              </a:rPr>
-              <a:t>nghệ</a:t>
-            </a:r>
-            <a:r>
-              <a:rPr lang="en-US" sz="2400" dirty="0" smtClean="0">
+              <a:t>“Hoa là sinh viên lớp công nghệ</a:t>
+            </a:r>
+            <a:r>
+              <a:rPr lang="en-US" sz="2400" dirty="0">
                 <a:latin typeface="Times New Roman" pitchFamily="18" charset="0"/>
                 <a:cs typeface="Times New Roman" pitchFamily="18" charset="0"/>
               </a:rPr>
               <a:t> </a:t>
             </a:r>
             <a:r>
-              <a:rPr lang="vi-VN" sz="2400" dirty="0" smtClean="0">
+              <a:rPr lang="vi-VN" sz="2400" dirty="0">
                 <a:latin typeface="Times New Roman" pitchFamily="18" charset="0"/>
                 <a:cs typeface="Times New Roman" pitchFamily="18" charset="0"/>
               </a:rPr>
@@ -8655,20 +8236,13 @@
               </a:lnSpc>
             </a:pPr>
             <a:r>
-              <a:rPr lang="vi-VN" sz="2400" dirty="0" smtClean="0">
-                <a:latin typeface="Times New Roman" pitchFamily="18" charset="0"/>
-                <a:cs typeface="Times New Roman" pitchFamily="18" charset="0"/>
-              </a:rPr>
-              <a:t>ta </a:t>
-            </a:r>
-            <a:r>
               <a:rPr lang="vi-VN" sz="2400" dirty="0">
                 <a:latin typeface="Times New Roman" pitchFamily="18" charset="0"/>
                 <a:cs typeface="Times New Roman" pitchFamily="18" charset="0"/>
               </a:rPr>
-              <a:t>có thể nhận thấy hai câu trên có sự tương đồng cao.</a:t>
-            </a:r>
-            <a:endParaRPr lang="en-US" sz="2400" dirty="0" smtClean="0">
+              <a:t>ta có thể nhận thấy hai câu trên có sự tương đồng cao.</a:t>
+            </a:r>
+            <a:endParaRPr lang="en-US" sz="2400" dirty="0">
               <a:latin typeface="Times New Roman" pitchFamily="18" charset="0"/>
               <a:cs typeface="Times New Roman" pitchFamily="18" charset="0"/>
             </a:endParaRPr>
@@ -8688,13 +8262,6 @@
   <p:transition spd="slow">
     <p:push dir="u"/>
   </p:transition>
-  <p:timing>
-    <p:tnLst>
-      <p:par>
-        <p:cTn id="1" dur="indefinite" restart="never" nodeType="tmRoot"/>
-      </p:par>
-    </p:tnLst>
-  </p:timing>
 </p:sld>
 </file>
 
@@ -8922,7 +8489,7 @@
           <a:p>
             <a:pPr algn="ctr" eaLnBrk="1" hangingPunct="1"/>
             <a:r>
-              <a:rPr lang="en-US" altLang="en-US" sz="3000" b="1" dirty="0" smtClean="0">
+              <a:rPr lang="en-US" altLang="en-US" sz="3000" b="1" dirty="0">
                 <a:solidFill>
                   <a:srgbClr val="FFFFFF"/>
                 </a:solidFill>
@@ -8931,7 +8498,7 @@
               <a:t>II</a:t>
             </a:r>
             <a:r>
-              <a:rPr lang="vi-VN" altLang="en-US" sz="3000" b="1" dirty="0" smtClean="0">
+              <a:rPr lang="vi-VN" altLang="en-US" sz="3000" b="1" dirty="0">
                 <a:solidFill>
                   <a:srgbClr val="FFFFFF"/>
                 </a:solidFill>
@@ -8940,7 +8507,7 @@
               <a:t>. </a:t>
             </a:r>
             <a:r>
-              <a:rPr lang="en-US" altLang="en-US" sz="3200" b="1" dirty="0" smtClean="0">
+              <a:rPr lang="en-US" altLang="en-US" sz="3200" b="1" dirty="0">
                 <a:solidFill>
                   <a:schemeClr val="bg1"/>
                 </a:solidFill>
@@ -8991,16 +8558,12 @@
           <a:p>
             <a:pPr algn="ctr"/>
             <a:r>
-              <a:rPr lang="en-US" sz="1300" b="1" dirty="0" smtClean="0">
+              <a:rPr lang="en-US" sz="1300" b="1" dirty="0">
                 <a:latin typeface="Arial" panose="020B0604020202020204" pitchFamily="34" charset="0"/>
                 <a:cs typeface="Arial" panose="020B0604020202020204" pitchFamily="34" charset="0"/>
               </a:rPr>
               <a:t>16</a:t>
             </a:r>
-            <a:endParaRPr lang="en-US" sz="1300" b="1" dirty="0">
-              <a:latin typeface="Arial" panose="020B0604020202020204" pitchFamily="34" charset="0"/>
-              <a:cs typeface="Arial" panose="020B0604020202020204" pitchFamily="34" charset="0"/>
-            </a:endParaRPr>
           </a:p>
         </p:txBody>
       </p:sp>
@@ -9027,16 +8590,12 @@
           <a:lstStyle/>
           <a:p>
             <a:r>
-              <a:rPr lang="en-US" sz="2800" b="1" dirty="0" smtClean="0">
+              <a:rPr lang="en-US" sz="2800" b="1" dirty="0">
                 <a:latin typeface="Times New Roman" pitchFamily="18" charset="0"/>
                 <a:cs typeface="Times New Roman" pitchFamily="18" charset="0"/>
               </a:rPr>
               <a:t>Phương pháp tính độ tương đồng văn bản</a:t>
             </a:r>
-            <a:endParaRPr lang="en-US" sz="2800" b="1" dirty="0">
-              <a:latin typeface="Times New Roman" pitchFamily="18" charset="0"/>
-              <a:cs typeface="Times New Roman" pitchFamily="18" charset="0"/>
-            </a:endParaRPr>
           </a:p>
         </p:txBody>
       </p:sp>
@@ -9074,16 +8633,9 @@
                 <a:latin typeface="+mj-lt"/>
                 <a:cs typeface="Times New Roman" pitchFamily="18" charset="0"/>
               </a:rPr>
-              <a:t>Độ tương đồng </a:t>
-            </a:r>
-            <a:r>
-              <a:rPr lang="vi-VN" sz="2400" b="1" dirty="0" smtClean="0">
-                <a:latin typeface="+mj-lt"/>
-                <a:cs typeface="Times New Roman" pitchFamily="18" charset="0"/>
-              </a:rPr>
-              <a:t>Cosine</a:t>
-            </a:r>
-            <a:endParaRPr lang="en-US" sz="2400" b="1" dirty="0" smtClean="0">
+              <a:t>Độ tương đồng Cosine</a:t>
+            </a:r>
+            <a:endParaRPr lang="en-US" sz="2400" b="1" dirty="0">
               <a:latin typeface="+mj-lt"/>
               <a:cs typeface="Times New Roman" pitchFamily="18" charset="0"/>
             </a:endParaRPr>
@@ -9101,16 +8653,9 @@
                 <a:latin typeface="+mj-lt"/>
                 <a:cs typeface="Times New Roman" pitchFamily="18" charset="0"/>
               </a:rPr>
-              <a:t>Độ tương đồng  </a:t>
-            </a:r>
-            <a:r>
-              <a:rPr lang="vi-VN" sz="2400" dirty="0" smtClean="0">
-                <a:latin typeface="+mj-lt"/>
-                <a:cs typeface="Times New Roman" pitchFamily="18" charset="0"/>
-              </a:rPr>
-              <a:t>Manhattan</a:t>
-            </a:r>
-            <a:endParaRPr lang="en-US" sz="2400" dirty="0" smtClean="0">
+              <a:t>Độ tương đồng  Manhattan</a:t>
+            </a:r>
+            <a:endParaRPr lang="en-US" sz="2400" dirty="0">
               <a:latin typeface="+mj-lt"/>
               <a:cs typeface="Times New Roman" pitchFamily="18" charset="0"/>
             </a:endParaRPr>
@@ -9128,14 +8673,7 @@
                 <a:latin typeface="+mj-lt"/>
                 <a:cs typeface="Times New Roman" pitchFamily="18" charset="0"/>
               </a:rPr>
-              <a:t>Độ tương đồng </a:t>
-            </a:r>
-            <a:r>
-              <a:rPr lang="vi-VN" sz="2400" dirty="0" smtClean="0">
-                <a:latin typeface="+mj-lt"/>
-                <a:cs typeface="Times New Roman" pitchFamily="18" charset="0"/>
-              </a:rPr>
-              <a:t>Euclide</a:t>
+              <a:t>Độ tương đồng Euclide</a:t>
             </a:r>
             <a:endParaRPr lang="en-US" sz="2400" dirty="0">
               <a:latin typeface="+mj-lt"/>
@@ -9157,13 +8695,6 @@
   <p:transition spd="slow">
     <p:push dir="u"/>
   </p:transition>
-  <p:timing>
-    <p:tnLst>
-      <p:par>
-        <p:cTn id="1" dur="indefinite" restart="never" nodeType="tmRoot"/>
-      </p:par>
-    </p:tnLst>
-  </p:timing>
 </p:sld>
 </file>
 
@@ -9338,7 +8869,7 @@
           <a:p>
             <a:pPr algn="ctr" eaLnBrk="1" hangingPunct="1"/>
             <a:r>
-              <a:rPr lang="vi-VN" altLang="en-US" sz="3600" b="1" dirty="0" smtClean="0">
+              <a:rPr lang="vi-VN" altLang="en-US" sz="3600" b="1" dirty="0">
                 <a:solidFill>
                   <a:srgbClr val="404040"/>
                 </a:solidFill>
@@ -9869,7 +9400,7 @@
           <a:p>
             <a:pPr algn="ctr"/>
             <a:r>
-              <a:rPr lang="en-US" sz="2800" b="1" dirty="0" smtClean="0">
+              <a:rPr lang="en-US" sz="2800" b="1" dirty="0">
                 <a:solidFill>
                   <a:schemeClr val="bg1"/>
                 </a:solidFill>
@@ -9877,12 +9408,6 @@
               </a:rPr>
               <a:t>I</a:t>
             </a:r>
-            <a:endParaRPr lang="en-US" sz="2800" b="1" dirty="0">
-              <a:solidFill>
-                <a:schemeClr val="bg1"/>
-              </a:solidFill>
-              <a:latin typeface="Comic Sans MS" pitchFamily="66" charset="0"/>
-            </a:endParaRPr>
           </a:p>
         </p:txBody>
       </p:sp>
@@ -9918,7 +9443,7 @@
           <a:p>
             <a:pPr algn="ctr"/>
             <a:r>
-              <a:rPr lang="en-US" sz="2800" b="1" dirty="0" smtClean="0">
+              <a:rPr lang="en-US" sz="2800" b="1" dirty="0">
                 <a:solidFill>
                   <a:schemeClr val="bg1"/>
                 </a:solidFill>
@@ -9926,12 +9451,6 @@
               </a:rPr>
               <a:t>II</a:t>
             </a:r>
-            <a:endParaRPr lang="en-US" sz="2800" b="1" dirty="0">
-              <a:solidFill>
-                <a:schemeClr val="bg1"/>
-              </a:solidFill>
-              <a:latin typeface="Comic Sans MS" pitchFamily="66" charset="0"/>
-            </a:endParaRPr>
           </a:p>
         </p:txBody>
       </p:sp>
@@ -9967,7 +9486,7 @@
           <a:p>
             <a:pPr algn="ctr"/>
             <a:r>
-              <a:rPr lang="en-US" sz="2800" b="1" dirty="0" smtClean="0">
+              <a:rPr lang="en-US" sz="2800" b="1" dirty="0">
                 <a:solidFill>
                   <a:schemeClr val="bg1"/>
                 </a:solidFill>
@@ -9975,12 +9494,6 @@
               </a:rPr>
               <a:t>III</a:t>
             </a:r>
-            <a:endParaRPr lang="en-US" sz="2800" b="1" dirty="0">
-              <a:solidFill>
-                <a:schemeClr val="bg1"/>
-              </a:solidFill>
-              <a:latin typeface="Comic Sans MS" pitchFamily="66" charset="0"/>
-            </a:endParaRPr>
           </a:p>
         </p:txBody>
       </p:sp>
@@ -10016,7 +9529,7 @@
           <a:p>
             <a:pPr algn="ctr"/>
             <a:r>
-              <a:rPr lang="en-US" sz="2800" b="1" dirty="0" smtClean="0">
+              <a:rPr lang="en-US" sz="2800" b="1" dirty="0">
                 <a:solidFill>
                   <a:schemeClr val="bg1"/>
                 </a:solidFill>
@@ -10024,12 +9537,6 @@
               </a:rPr>
               <a:t>IV</a:t>
             </a:r>
-            <a:endParaRPr lang="en-US" sz="2800" b="1" dirty="0">
-              <a:solidFill>
-                <a:schemeClr val="bg1"/>
-              </a:solidFill>
-              <a:latin typeface="Comic Sans MS" pitchFamily="66" charset="0"/>
-            </a:endParaRPr>
           </a:p>
         </p:txBody>
       </p:sp>
@@ -10064,7 +9571,7 @@
           <a:lstStyle/>
           <a:p>
             <a:r>
-              <a:rPr lang="en-US" sz="2800" b="1" dirty="0" smtClean="0">
+              <a:rPr lang="en-US" sz="2800" b="1" dirty="0">
                 <a:solidFill>
                   <a:schemeClr val="bg1"/>
                 </a:solidFill>
@@ -10111,7 +9618,7 @@
           <a:lstStyle/>
           <a:p>
             <a:r>
-              <a:rPr lang="en-US" sz="2800" b="1" dirty="0" smtClean="0">
+              <a:rPr lang="en-US" sz="2800" b="1" dirty="0">
                 <a:solidFill>
                   <a:schemeClr val="bg1"/>
                 </a:solidFill>
@@ -10248,16 +9755,12 @@
           <a:p>
             <a:pPr algn="ctr"/>
             <a:r>
-              <a:rPr lang="en-US" sz="1300" b="1" dirty="0" smtClean="0">
+              <a:rPr lang="en-US" sz="1300" b="1" dirty="0">
                 <a:latin typeface="Arial" panose="020B0604020202020204" pitchFamily="34" charset="0"/>
                 <a:cs typeface="Arial" panose="020B0604020202020204" pitchFamily="34" charset="0"/>
               </a:rPr>
               <a:t>17</a:t>
             </a:r>
-            <a:endParaRPr lang="en-US" sz="1300" b="1" dirty="0">
-              <a:latin typeface="Arial" panose="020B0604020202020204" pitchFamily="34" charset="0"/>
-              <a:cs typeface="Arial" panose="020B0604020202020204" pitchFamily="34" charset="0"/>
-            </a:endParaRPr>
           </a:p>
         </p:txBody>
       </p:sp>
@@ -10857,15 +10360,33 @@
                                   </p:childTnLst>
                                 </p:cTn>
                               </p:par>
+                            </p:childTnLst>
+                          </p:cTn>
+                        </p:par>
+                      </p:childTnLst>
+                    </p:cTn>
+                  </p:par>
+                  <p:par>
+                    <p:cTn id="53" fill="hold">
+                      <p:stCondLst>
+                        <p:cond delay="indefinite"/>
+                      </p:stCondLst>
+                      <p:childTnLst>
+                        <p:par>
+                          <p:cTn id="54" fill="hold">
+                            <p:stCondLst>
+                              <p:cond delay="0"/>
+                            </p:stCondLst>
+                            <p:childTnLst>
                               <p:par>
-                                <p:cTn id="53" presetID="32" presetClass="emph" presetSubtype="0" fill="hold" grpId="1" nodeType="withEffect">
+                                <p:cTn id="55" presetID="32" presetClass="emph" presetSubtype="0" fill="hold" grpId="1" nodeType="clickEffect">
                                   <p:stCondLst>
-                                    <p:cond delay="500"/>
+                                    <p:cond delay="0"/>
                                   </p:stCondLst>
                                   <p:childTnLst>
                                     <p:animRot by="120000">
                                       <p:cBhvr>
-                                        <p:cTn id="54" dur="100" fill="hold">
+                                        <p:cTn id="56" dur="100" fill="hold">
                                           <p:stCondLst>
                                             <p:cond delay="0"/>
                                           </p:stCondLst>
@@ -10880,7 +10401,7 @@
                                     </p:animRot>
                                     <p:animRot by="-240000">
                                       <p:cBhvr>
-                                        <p:cTn id="55" dur="200" fill="hold">
+                                        <p:cTn id="57" dur="200" fill="hold">
                                           <p:stCondLst>
                                             <p:cond delay="200"/>
                                           </p:stCondLst>
@@ -10895,7 +10416,7 @@
                                     </p:animRot>
                                     <p:animRot by="240000">
                                       <p:cBhvr>
-                                        <p:cTn id="56" dur="200" fill="hold">
+                                        <p:cTn id="58" dur="200" fill="hold">
                                           <p:stCondLst>
                                             <p:cond delay="400"/>
                                           </p:stCondLst>
@@ -10910,7 +10431,7 @@
                                     </p:animRot>
                                     <p:animRot by="-240000">
                                       <p:cBhvr>
-                                        <p:cTn id="57" dur="200" fill="hold">
+                                        <p:cTn id="59" dur="200" fill="hold">
                                           <p:stCondLst>
                                             <p:cond delay="600"/>
                                           </p:stCondLst>
@@ -10925,7 +10446,7 @@
                                     </p:animRot>
                                     <p:animRot by="120000">
                                       <p:cBhvr>
-                                        <p:cTn id="58" dur="200" fill="hold">
+                                        <p:cTn id="60" dur="200" fill="hold">
                                           <p:stCondLst>
                                             <p:cond delay="800"/>
                                           </p:stCondLst>
@@ -10942,14 +10463,14 @@
                                 </p:cTn>
                               </p:par>
                               <p:par>
-                                <p:cTn id="59" presetID="32" presetClass="emph" presetSubtype="0" fill="hold" grpId="1" nodeType="withEffect">
+                                <p:cTn id="61" presetID="32" presetClass="emph" presetSubtype="0" fill="hold" grpId="1" nodeType="withEffect">
                                   <p:stCondLst>
-                                    <p:cond delay="500"/>
+                                    <p:cond delay="0"/>
                                   </p:stCondLst>
                                   <p:childTnLst>
                                     <p:animRot by="120000">
                                       <p:cBhvr>
-                                        <p:cTn id="60" dur="100" fill="hold">
+                                        <p:cTn id="62" dur="100" fill="hold">
                                           <p:stCondLst>
                                             <p:cond delay="0"/>
                                           </p:stCondLst>
@@ -10964,7 +10485,7 @@
                                     </p:animRot>
                                     <p:animRot by="-240000">
                                       <p:cBhvr>
-                                        <p:cTn id="61" dur="200" fill="hold">
+                                        <p:cTn id="63" dur="200" fill="hold">
                                           <p:stCondLst>
                                             <p:cond delay="200"/>
                                           </p:stCondLst>
@@ -10979,7 +10500,7 @@
                                     </p:animRot>
                                     <p:animRot by="240000">
                                       <p:cBhvr>
-                                        <p:cTn id="62" dur="200" fill="hold">
+                                        <p:cTn id="64" dur="200" fill="hold">
                                           <p:stCondLst>
                                             <p:cond delay="400"/>
                                           </p:stCondLst>
@@ -10994,7 +10515,7 @@
                                     </p:animRot>
                                     <p:animRot by="-240000">
                                       <p:cBhvr>
-                                        <p:cTn id="63" dur="200" fill="hold">
+                                        <p:cTn id="65" dur="200" fill="hold">
                                           <p:stCondLst>
                                             <p:cond delay="600"/>
                                           </p:stCondLst>
@@ -11009,7 +10530,7 @@
                                     </p:animRot>
                                     <p:animRot by="120000">
                                       <p:cBhvr>
-                                        <p:cTn id="64" dur="200" fill="hold">
+                                        <p:cTn id="66" dur="200" fill="hold">
                                           <p:stCondLst>
                                             <p:cond delay="800"/>
                                           </p:stCondLst>
@@ -11163,8 +10684,8 @@
         </p:nvSpPr>
         <p:spPr>
           <a:xfrm>
-            <a:off x="761075" y="1639669"/>
-            <a:ext cx="7473841" cy="646331"/>
+            <a:off x="1571681" y="1639669"/>
+            <a:ext cx="5852628" cy="523220"/>
           </a:xfrm>
           <a:prstGeom prst="rect">
             <a:avLst/>
@@ -11193,7 +10714,7 @@
           <a:p>
             <a:pPr algn="ctr"/>
             <a:r>
-              <a:rPr lang="en-US" sz="3600" b="1" dirty="0" smtClean="0">
+              <a:rPr lang="en-US" sz="2800" b="1" dirty="0">
                 <a:ln w="11430"/>
                 <a:gradFill>
                   <a:gsLst>
@@ -11227,13 +10748,13 @@
                     </a:srgbClr>
                   </a:outerShdw>
                 </a:effectLst>
-                <a:latin typeface="Times New Roman" pitchFamily="18" charset="0"/>
+                <a:latin typeface="Times New Roman" panose="02020603050405020304" pitchFamily="18" charset="0"/>
                 <a:cs typeface="Times New Roman" pitchFamily="18" charset="0"/>
               </a:rPr>
               <a:t>BẢO VỆ </a:t>
             </a:r>
             <a:r>
-              <a:rPr lang="en-US" sz="3600" b="1" cap="none" spc="0" dirty="0" smtClean="0">
+              <a:rPr lang="en-US" sz="2800" b="1" cap="none" spc="0" dirty="0">
                 <a:ln w="11430"/>
                 <a:gradFill>
                   <a:gsLst>
@@ -11267,48 +10788,11 @@
                     </a:srgbClr>
                   </a:outerShdw>
                 </a:effectLst>
-                <a:latin typeface="Times New Roman" pitchFamily="18" charset="0"/>
+                <a:latin typeface="Times New Roman" panose="02020603050405020304" pitchFamily="18" charset="0"/>
                 <a:cs typeface="Times New Roman" pitchFamily="18" charset="0"/>
               </a:rPr>
               <a:t>LUẬN VĂN TỐT NGHIỆP</a:t>
             </a:r>
-            <a:endParaRPr lang="en-US" sz="3600" b="1" cap="none" spc="0" dirty="0">
-              <a:ln w="11430"/>
-              <a:gradFill>
-                <a:gsLst>
-                  <a:gs pos="0">
-                    <a:schemeClr val="accent2">
-                      <a:tint val="70000"/>
-                      <a:satMod val="245000"/>
-                    </a:schemeClr>
-                  </a:gs>
-                  <a:gs pos="75000">
-                    <a:schemeClr val="accent2">
-                      <a:tint val="90000"/>
-                      <a:shade val="60000"/>
-                      <a:satMod val="240000"/>
-                    </a:schemeClr>
-                  </a:gs>
-                  <a:gs pos="100000">
-                    <a:schemeClr val="accent2">
-                      <a:tint val="100000"/>
-                      <a:shade val="50000"/>
-                      <a:satMod val="240000"/>
-                    </a:schemeClr>
-                  </a:gs>
-                </a:gsLst>
-                <a:lin ang="5400000"/>
-              </a:gradFill>
-              <a:effectLst>
-                <a:outerShdw blurRad="50800" dist="39000" dir="5460000" algn="tl">
-                  <a:srgbClr val="000000">
-                    <a:alpha val="38000"/>
-                  </a:srgbClr>
-                </a:outerShdw>
-              </a:effectLst>
-              <a:latin typeface="Times New Roman" pitchFamily="18" charset="0"/>
-              <a:cs typeface="Times New Roman" pitchFamily="18" charset="0"/>
-            </a:endParaRPr>
           </a:p>
         </p:txBody>
       </p:sp>
@@ -11335,30 +10819,12 @@
           <a:lstStyle/>
           <a:p>
             <a:r>
-              <a:rPr lang="en-US" sz="2200" dirty="0" smtClean="0">
+              <a:rPr lang="en-US" sz="2200" dirty="0">
                 <a:latin typeface="Times New Roman" panose="02020603050405020304" pitchFamily="18" charset="0"/>
                 <a:cs typeface="Times New Roman" panose="02020603050405020304" pitchFamily="18" charset="0"/>
               </a:rPr>
-              <a:t>TP HCM, </a:t>
-            </a:r>
-            <a:r>
-              <a:rPr lang="en-US" sz="2200" dirty="0" smtClean="0">
-                <a:latin typeface="Times New Roman" panose="02020603050405020304" pitchFamily="18" charset="0"/>
-                <a:cs typeface="Times New Roman" panose="02020603050405020304" pitchFamily="18" charset="0"/>
-              </a:rPr>
-              <a:t>18</a:t>
-            </a:r>
-            <a:r>
-              <a:rPr lang="en-US" sz="2200" dirty="0" smtClean="0">
-                <a:latin typeface="Times New Roman" panose="02020603050405020304" pitchFamily="18" charset="0"/>
-                <a:cs typeface="Times New Roman" panose="02020603050405020304" pitchFamily="18" charset="0"/>
-              </a:rPr>
-              <a:t>/01/2021.</a:t>
-            </a:r>
-            <a:endParaRPr lang="en-US" sz="2200" dirty="0">
-              <a:latin typeface="Times New Roman" panose="02020603050405020304" pitchFamily="18" charset="0"/>
-              <a:cs typeface="Times New Roman" panose="02020603050405020304" pitchFamily="18" charset="0"/>
-            </a:endParaRPr>
+              <a:t>TP HCM, 20/07/2020.</a:t>
+            </a:r>
           </a:p>
         </p:txBody>
       </p:sp>
@@ -11371,7 +10837,7 @@
         <p:spPr>
           <a:xfrm>
             <a:off x="419100" y="2491026"/>
-            <a:ext cx="8305800" cy="861774"/>
+            <a:ext cx="8305800" cy="1077218"/>
           </a:xfrm>
           <a:prstGeom prst="rect">
             <a:avLst/>
@@ -11386,7 +10852,7 @@
           <a:p>
             <a:pPr algn="ctr"/>
             <a:r>
-              <a:rPr lang="vi-VN" sz="2500" b="1" dirty="0" smtClean="0">
+              <a:rPr lang="vi-VN" sz="2500" b="1" dirty="0">
                 <a:ln w="10541" cmpd="sng">
                   <a:solidFill>
                     <a:schemeClr val="accent1">
@@ -11431,109 +10897,10 @@
                   </a:gsLst>
                   <a:lin ang="5400000"/>
                 </a:gradFill>
-                <a:latin typeface="+mj-lt"/>
+                <a:latin typeface="Times New Roman" panose="02020603050405020304" pitchFamily="18" charset="0"/>
+                <a:cs typeface="Times New Roman" panose="02020603050405020304" pitchFamily="18" charset="0"/>
               </a:rPr>
               <a:t>ĐỀ TÀI:</a:t>
-            </a:r>
-            <a:r>
-              <a:rPr lang="en-US" sz="2500" b="1" dirty="0" smtClean="0">
-                <a:ln w="10541" cmpd="sng">
-                  <a:solidFill>
-                    <a:schemeClr val="accent1">
-                      <a:shade val="88000"/>
-                      <a:satMod val="110000"/>
-                    </a:schemeClr>
-                  </a:solidFill>
-                  <a:prstDash val="solid"/>
-                </a:ln>
-                <a:gradFill>
-                  <a:gsLst>
-                    <a:gs pos="0">
-                      <a:schemeClr val="accent1">
-                        <a:tint val="40000"/>
-                        <a:satMod val="250000"/>
-                      </a:schemeClr>
-                    </a:gs>
-                    <a:gs pos="9000">
-                      <a:schemeClr val="accent1">
-                        <a:tint val="52000"/>
-                        <a:satMod val="300000"/>
-                      </a:schemeClr>
-                    </a:gs>
-                    <a:gs pos="50000">
-                      <a:schemeClr val="accent1">
-                        <a:shade val="20000"/>
-                        <a:satMod val="300000"/>
-                      </a:schemeClr>
-                    </a:gs>
-                    <a:gs pos="79000">
-                      <a:schemeClr val="accent1">
-                        <a:tint val="52000"/>
-                        <a:satMod val="300000"/>
-                      </a:schemeClr>
-                    </a:gs>
-                    <a:gs pos="100000">
-                      <a:schemeClr val="accent1">
-                        <a:tint val="40000"/>
-                        <a:satMod val="250000"/>
-                      </a:schemeClr>
-                    </a:gs>
-                  </a:gsLst>
-                  <a:lin ang="5400000"/>
-                </a:gradFill>
-                <a:latin typeface="+mj-lt"/>
-              </a:rPr>
-              <a:t> ỨNG DỤNG KHAI THÁC DỮ LIỆU </a:t>
-            </a:r>
-            <a:r>
-              <a:rPr lang="vi-VN" sz="2500" b="1" dirty="0" smtClean="0">
-                <a:ln w="10541" cmpd="sng">
-                  <a:solidFill>
-                    <a:schemeClr val="accent1">
-                      <a:shade val="88000"/>
-                      <a:satMod val="110000"/>
-                    </a:schemeClr>
-                  </a:solidFill>
-                  <a:prstDash val="solid"/>
-                </a:ln>
-                <a:gradFill>
-                  <a:gsLst>
-                    <a:gs pos="0">
-                      <a:schemeClr val="accent1">
-                        <a:tint val="40000"/>
-                        <a:satMod val="250000"/>
-                      </a:schemeClr>
-                    </a:gs>
-                    <a:gs pos="9000">
-                      <a:schemeClr val="accent1">
-                        <a:tint val="52000"/>
-                        <a:satMod val="300000"/>
-                      </a:schemeClr>
-                    </a:gs>
-                    <a:gs pos="50000">
-                      <a:schemeClr val="accent1">
-                        <a:shade val="20000"/>
-                        <a:satMod val="300000"/>
-                      </a:schemeClr>
-                    </a:gs>
-                    <a:gs pos="79000">
-                      <a:schemeClr val="accent1">
-                        <a:tint val="52000"/>
-                        <a:satMod val="300000"/>
-                      </a:schemeClr>
-                    </a:gs>
-                    <a:gs pos="100000">
-                      <a:schemeClr val="accent1">
-                        <a:tint val="40000"/>
-                        <a:satMod val="250000"/>
-                      </a:schemeClr>
-                    </a:gs>
-                  </a:gsLst>
-                  <a:lin ang="5400000"/>
-                </a:gradFill>
-                <a:latin typeface="+mj-lt"/>
-              </a:rPr>
-              <a:t>TRONG</a:t>
             </a:r>
             <a:r>
               <a:rPr lang="en-US" sz="2500" b="1" dirty="0">
@@ -11581,12 +10948,13 @@
                   </a:gsLst>
                   <a:lin ang="5400000"/>
                 </a:gradFill>
-                <a:latin typeface="+mj-lt"/>
+                <a:latin typeface="Times New Roman" panose="02020603050405020304" pitchFamily="18" charset="0"/>
+                <a:cs typeface="Times New Roman" panose="02020603050405020304" pitchFamily="18" charset="0"/>
               </a:rPr>
               <a:t> </a:t>
             </a:r>
             <a:r>
-              <a:rPr lang="en-US" sz="2500" b="1" dirty="0" smtClean="0">
+              <a:rPr lang="en-US" sz="3200" b="1" dirty="0">
                 <a:ln w="10541" cmpd="sng">
                   <a:solidFill>
                     <a:schemeClr val="accent1">
@@ -11631,9 +10999,112 @@
                   </a:gsLst>
                   <a:lin ang="5400000"/>
                 </a:gradFill>
-                <a:latin typeface="+mj-lt"/>
+                <a:latin typeface="Times New Roman" panose="02020603050405020304" pitchFamily="18" charset="0"/>
+                <a:cs typeface="Times New Roman" panose="02020603050405020304" pitchFamily="18" charset="0"/>
               </a:rPr>
-              <a:t>LĨNH VỰC GIÁO DỤC</a:t>
+              <a:t>ỨNG DỤNG KHAI THÁC DỮ LIỆU </a:t>
+            </a:r>
+            <a:r>
+              <a:rPr lang="vi-VN" sz="3200" b="1" dirty="0">
+                <a:ln w="10541" cmpd="sng">
+                  <a:solidFill>
+                    <a:schemeClr val="accent1">
+                      <a:shade val="88000"/>
+                      <a:satMod val="110000"/>
+                    </a:schemeClr>
+                  </a:solidFill>
+                  <a:prstDash val="solid"/>
+                </a:ln>
+                <a:gradFill>
+                  <a:gsLst>
+                    <a:gs pos="0">
+                      <a:schemeClr val="accent1">
+                        <a:tint val="40000"/>
+                        <a:satMod val="250000"/>
+                      </a:schemeClr>
+                    </a:gs>
+                    <a:gs pos="9000">
+                      <a:schemeClr val="accent1">
+                        <a:tint val="52000"/>
+                        <a:satMod val="300000"/>
+                      </a:schemeClr>
+                    </a:gs>
+                    <a:gs pos="50000">
+                      <a:schemeClr val="accent1">
+                        <a:shade val="20000"/>
+                        <a:satMod val="300000"/>
+                      </a:schemeClr>
+                    </a:gs>
+                    <a:gs pos="79000">
+                      <a:schemeClr val="accent1">
+                        <a:tint val="52000"/>
+                        <a:satMod val="300000"/>
+                      </a:schemeClr>
+                    </a:gs>
+                    <a:gs pos="100000">
+                      <a:schemeClr val="accent1">
+                        <a:tint val="40000"/>
+                        <a:satMod val="250000"/>
+                      </a:schemeClr>
+                    </a:gs>
+                  </a:gsLst>
+                  <a:lin ang="5400000"/>
+                </a:gradFill>
+                <a:latin typeface="Times New Roman" panose="02020603050405020304" pitchFamily="18" charset="0"/>
+                <a:cs typeface="Times New Roman" panose="02020603050405020304" pitchFamily="18" charset="0"/>
+              </a:rPr>
+              <a:t>TRONG</a:t>
+            </a:r>
+            <a:r>
+              <a:rPr lang="en-US" sz="3200" b="1" dirty="0">
+                <a:ln w="10541" cmpd="sng">
+                  <a:solidFill>
+                    <a:schemeClr val="accent1">
+                      <a:shade val="88000"/>
+                      <a:satMod val="110000"/>
+                    </a:schemeClr>
+                  </a:solidFill>
+                  <a:prstDash val="solid"/>
+                </a:ln>
+                <a:gradFill>
+                  <a:gsLst>
+                    <a:gs pos="0">
+                      <a:schemeClr val="accent1">
+                        <a:tint val="40000"/>
+                        <a:satMod val="250000"/>
+                      </a:schemeClr>
+                    </a:gs>
+                    <a:gs pos="9000">
+                      <a:schemeClr val="accent1">
+                        <a:tint val="52000"/>
+                        <a:satMod val="300000"/>
+                      </a:schemeClr>
+                    </a:gs>
+                    <a:gs pos="50000">
+                      <a:schemeClr val="accent1">
+                        <a:shade val="20000"/>
+                        <a:satMod val="300000"/>
+                      </a:schemeClr>
+                    </a:gs>
+                    <a:gs pos="79000">
+                      <a:schemeClr val="accent1">
+                        <a:tint val="52000"/>
+                        <a:satMod val="300000"/>
+                      </a:schemeClr>
+                    </a:gs>
+                    <a:gs pos="100000">
+                      <a:schemeClr val="accent1">
+                        <a:tint val="40000"/>
+                        <a:satMod val="250000"/>
+                      </a:schemeClr>
+                    </a:gs>
+                  </a:gsLst>
+                  <a:lin ang="5400000"/>
+                </a:gradFill>
+                <a:latin typeface="Times New Roman" panose="02020603050405020304" pitchFamily="18" charset="0"/>
+                <a:cs typeface="Times New Roman" panose="02020603050405020304" pitchFamily="18" charset="0"/>
+              </a:rPr>
+              <a:t> LĨNH VỰC GIÁO DỤC</a:t>
             </a:r>
             <a:endParaRPr lang="en-US" sz="2500" b="1" cap="none" spc="0" dirty="0">
               <a:ln w="10541" cmpd="sng">
@@ -11681,7 +11152,8 @@
                 <a:lin ang="5400000"/>
               </a:gradFill>
               <a:effectLst/>
-              <a:latin typeface="+mj-lt"/>
+              <a:latin typeface="Times New Roman" panose="02020603050405020304" pitchFamily="18" charset="0"/>
+              <a:cs typeface="Times New Roman" panose="02020603050405020304" pitchFamily="18" charset="0"/>
             </a:endParaRPr>
           </a:p>
         </p:txBody>
@@ -11717,14 +11189,7 @@
                 <a:latin typeface="Times New Roman" panose="02020603050405020304" pitchFamily="18" charset="0"/>
                 <a:cs typeface="Times New Roman" panose="02020603050405020304" pitchFamily="18" charset="0"/>
               </a:rPr>
-              <a:t>GIẢNG </a:t>
-            </a:r>
-            <a:r>
-              <a:rPr lang="en-US" b="1" dirty="0" smtClean="0">
-                <a:latin typeface="Times New Roman" panose="02020603050405020304" pitchFamily="18" charset="0"/>
-                <a:cs typeface="Times New Roman" panose="02020603050405020304" pitchFamily="18" charset="0"/>
-              </a:rPr>
-              <a:t>VIÊN HƯỚNG DẪN	:   TS LÊ THỊ NGỌC THƠ</a:t>
+              <a:t>GIẢNG VIÊN HƯỚNG DẪN	:   TS LÊ THỊ NGỌC THƠ</a:t>
             </a:r>
           </a:p>
           <a:p>
@@ -11733,18 +11198,11 @@
               <a:buChar char="v"/>
             </a:pPr>
             <a:r>
-              <a:rPr lang="en-US" b="1" dirty="0" smtClean="0">
-                <a:latin typeface="Times New Roman" panose="02020603050405020304" pitchFamily="18" charset="0"/>
-                <a:cs typeface="Times New Roman" panose="02020603050405020304" pitchFamily="18" charset="0"/>
-              </a:rPr>
-              <a:t>HỌC VIÊN THỰC </a:t>
-            </a:r>
-            <a:r>
               <a:rPr lang="en-US" b="1" dirty="0">
                 <a:latin typeface="Times New Roman" panose="02020603050405020304" pitchFamily="18" charset="0"/>
                 <a:cs typeface="Times New Roman" panose="02020603050405020304" pitchFamily="18" charset="0"/>
               </a:rPr>
-              <a:t>HIỆN        	:   VÕ MINH QUÂN</a:t>
+              <a:t>HỌC VIÊN THỰC HIỆN        	:   VÕ MINH QUÂN</a:t>
             </a:r>
           </a:p>
         </p:txBody>
@@ -11762,13 +11220,6 @@
   <p:transition spd="slow">
     <p:push dir="u"/>
   </p:transition>
-  <p:timing>
-    <p:tnLst>
-      <p:par>
-        <p:cTn id="1" dur="indefinite" restart="never" nodeType="tmRoot"/>
-      </p:par>
-    </p:tnLst>
-  </p:timing>
 </p:sld>
 </file>
 
@@ -11996,7 +11447,7 @@
           <a:p>
             <a:pPr algn="ctr" eaLnBrk="1" hangingPunct="1"/>
             <a:r>
-              <a:rPr lang="en-US" altLang="en-US" sz="2800" b="1" dirty="0" smtClean="0">
+              <a:rPr lang="en-US" altLang="en-US" sz="2800" b="1" dirty="0">
                 <a:solidFill>
                   <a:srgbClr val="FFFFFF"/>
                 </a:solidFill>
@@ -12006,7 +11457,7 @@
               <a:t>III</a:t>
             </a:r>
             <a:r>
-              <a:rPr lang="vi-VN" altLang="en-US" sz="2800" b="1" dirty="0" smtClean="0">
+              <a:rPr lang="vi-VN" altLang="en-US" sz="2800" b="1" dirty="0">
                 <a:solidFill>
                   <a:srgbClr val="FFFFFF"/>
                 </a:solidFill>
@@ -12023,25 +11474,8 @@
                 <a:latin typeface="Times New Roman" pitchFamily="18" charset="0"/>
                 <a:cs typeface="Times New Roman" pitchFamily="18" charset="0"/>
               </a:rPr>
-              <a:t>Thực Nghiệm Và </a:t>
-            </a:r>
-            <a:r>
-              <a:rPr lang="en-US" sz="2800" b="1" dirty="0" smtClean="0">
-                <a:solidFill>
-                  <a:schemeClr val="bg1"/>
-                </a:solidFill>
-                <a:latin typeface="Times New Roman" pitchFamily="18" charset="0"/>
-                <a:cs typeface="Times New Roman" pitchFamily="18" charset="0"/>
-              </a:rPr>
-              <a:t>Đánh Giá</a:t>
-            </a:r>
-            <a:endParaRPr lang="en-US" sz="2800" b="1" dirty="0">
-              <a:solidFill>
-                <a:schemeClr val="bg1"/>
-              </a:solidFill>
-              <a:latin typeface="Times New Roman" pitchFamily="18" charset="0"/>
-              <a:cs typeface="Times New Roman" pitchFamily="18" charset="0"/>
-            </a:endParaRPr>
+              <a:t>Thực Nghiệm Và Đánh Giá</a:t>
+            </a:r>
           </a:p>
         </p:txBody>
       </p:sp>
@@ -12080,18 +11514,11 @@
           <a:p>
             <a:pPr algn="ctr"/>
             <a:r>
-              <a:rPr lang="en-US" sz="1400" b="1" dirty="0" smtClean="0">
-                <a:latin typeface="Arial" panose="020B0604020202020204" pitchFamily="34" charset="0"/>
-                <a:cs typeface="Arial" panose="020B0604020202020204" pitchFamily="34" charset="0"/>
-              </a:rPr>
-              <a:t>1</a:t>
-            </a:r>
-            <a:r>
               <a:rPr lang="en-US" sz="1400" b="1" dirty="0">
                 <a:latin typeface="Arial" panose="020B0604020202020204" pitchFamily="34" charset="0"/>
                 <a:cs typeface="Arial" panose="020B0604020202020204" pitchFamily="34" charset="0"/>
               </a:rPr>
-              <a:t>8</a:t>
+              <a:t>18</a:t>
             </a:r>
           </a:p>
         </p:txBody>
@@ -12119,16 +11546,12 @@
           <a:lstStyle/>
           <a:p>
             <a:r>
-              <a:rPr lang="en-US" sz="2800" b="1" dirty="0" smtClean="0">
+              <a:rPr lang="en-US" sz="2800" b="1" dirty="0">
                 <a:latin typeface="Times New Roman" pitchFamily="18" charset="0"/>
                 <a:cs typeface="Times New Roman" pitchFamily="18" charset="0"/>
               </a:rPr>
               <a:t>Dữ liệu thực nghiệm</a:t>
             </a:r>
-            <a:endParaRPr lang="en-US" sz="2800" b="1" dirty="0">
-              <a:latin typeface="Times New Roman" pitchFamily="18" charset="0"/>
-              <a:cs typeface="Times New Roman" pitchFamily="18" charset="0"/>
-            </a:endParaRPr>
           </a:p>
         </p:txBody>
       </p:sp>
@@ -12141,7 +11564,7 @@
         <p:spPr>
           <a:xfrm>
             <a:off x="228599" y="1720840"/>
-            <a:ext cx="8146143" cy="3693319"/>
+            <a:ext cx="8146143" cy="4293483"/>
           </a:xfrm>
           <a:prstGeom prst="rect">
             <a:avLst/>
@@ -12161,23 +11584,15 @@
               <a:buChar char="v"/>
             </a:pPr>
             <a:r>
-              <a:rPr lang="vi-VN" sz="2600" dirty="0" smtClean="0">
-                <a:latin typeface="Times New Roman" pitchFamily="18" charset="0"/>
-                <a:ea typeface="Tahoma" pitchFamily="34" charset="0"/>
-                <a:cs typeface="Times New Roman" pitchFamily="18" charset="0"/>
-              </a:rPr>
-              <a:t>Dữ </a:t>
-            </a:r>
-            <a:r>
               <a:rPr lang="vi-VN" sz="2600" dirty="0">
                 <a:latin typeface="Times New Roman" pitchFamily="18" charset="0"/>
                 <a:ea typeface="Tahoma" pitchFamily="34" charset="0"/>
                 <a:cs typeface="Times New Roman" pitchFamily="18" charset="0"/>
               </a:rPr>
-              <a:t>liệu thực nghiệm </a:t>
-            </a:r>
-            <a:r>
-              <a:rPr lang="en-US" sz="2600" dirty="0" smtClean="0">
+              <a:t>Dữ liệu thực nghiệm </a:t>
+            </a:r>
+            <a:r>
+              <a:rPr lang="en-US" sz="2600" dirty="0">
                 <a:latin typeface="Times New Roman" pitchFamily="18" charset="0"/>
                 <a:ea typeface="Tahoma" pitchFamily="34" charset="0"/>
                 <a:cs typeface="Times New Roman" pitchFamily="18" charset="0"/>
@@ -12185,23 +11600,15 @@
               <a:t>được</a:t>
             </a:r>
             <a:r>
-              <a:rPr lang="vi-VN" sz="2600" dirty="0" smtClean="0">
-                <a:latin typeface="Times New Roman" pitchFamily="18" charset="0"/>
-                <a:ea typeface="Tahoma" pitchFamily="34" charset="0"/>
-                <a:cs typeface="Times New Roman" pitchFamily="18" charset="0"/>
-              </a:rPr>
-              <a:t> </a:t>
-            </a:r>
-            <a:r>
               <a:rPr lang="vi-VN" sz="2600" dirty="0">
                 <a:latin typeface="Times New Roman" pitchFamily="18" charset="0"/>
                 <a:ea typeface="Tahoma" pitchFamily="34" charset="0"/>
                 <a:cs typeface="Times New Roman" pitchFamily="18" charset="0"/>
               </a:rPr>
-              <a:t>tổng hợp </a:t>
-            </a:r>
-            <a:r>
-              <a:rPr lang="en-US" sz="2600" dirty="0" smtClean="0">
+              <a:t> tổng hợp </a:t>
+            </a:r>
+            <a:r>
+              <a:rPr lang="en-US" sz="2600" dirty="0">
                 <a:latin typeface="Times New Roman" pitchFamily="18" charset="0"/>
                 <a:ea typeface="Tahoma" pitchFamily="34" charset="0"/>
                 <a:cs typeface="Times New Roman" pitchFamily="18" charset="0"/>
@@ -12209,20 +11616,12 @@
               <a:t>từ </a:t>
             </a:r>
             <a:r>
-              <a:rPr lang="vi-VN" sz="2600" dirty="0" smtClean="0">
-                <a:latin typeface="Times New Roman" pitchFamily="18" charset="0"/>
-                <a:ea typeface="Tahoma" pitchFamily="34" charset="0"/>
-                <a:cs typeface="Times New Roman" pitchFamily="18" charset="0"/>
-              </a:rPr>
-              <a:t>ý </a:t>
-            </a:r>
-            <a:r>
               <a:rPr lang="vi-VN" sz="2600" dirty="0">
                 <a:latin typeface="Times New Roman" pitchFamily="18" charset="0"/>
                 <a:ea typeface="Tahoma" pitchFamily="34" charset="0"/>
                 <a:cs typeface="Times New Roman" pitchFamily="18" charset="0"/>
               </a:rPr>
-              <a:t>kiến đánh giá chất lượng giảng viên trong học kì I năm học 2016-2017 của Trường Đại học Công Nghệ TP. Hồ Chí Minh. </a:t>
+              <a:t>ý kiến đánh giá chất lượng giảng viên trong học kì I năm học 2016-2017 của Trường Đại học Công Nghệ TP. Hồ Chí Minh. </a:t>
             </a:r>
             <a:endParaRPr lang="en-US" sz="2600" dirty="0" smtClean="0">
               <a:latin typeface="Times New Roman" pitchFamily="18" charset="0"/>
@@ -12238,29 +11637,27 @@
               <a:buFont typeface="Wingdings" pitchFamily="2" charset="2"/>
               <a:buChar char="v"/>
             </a:pPr>
-            <a:r>
-              <a:rPr lang="vi-VN" sz="2600" dirty="0" smtClean="0">
-                <a:latin typeface="Times New Roman" pitchFamily="18" charset="0"/>
-                <a:ea typeface="Tahoma" pitchFamily="34" charset="0"/>
-                <a:cs typeface="Times New Roman" pitchFamily="18" charset="0"/>
-              </a:rPr>
-              <a:t>Tập </a:t>
-            </a:r>
+            <a:endParaRPr lang="en-US" sz="2600" dirty="0">
+              <a:latin typeface="Times New Roman" pitchFamily="18" charset="0"/>
+              <a:ea typeface="Tahoma" pitchFamily="34" charset="0"/>
+              <a:cs typeface="Times New Roman" pitchFamily="18" charset="0"/>
+            </a:endParaRPr>
+          </a:p>
+          <a:p>
+            <a:pPr marL="457200" indent="-457200">
+              <a:lnSpc>
+                <a:spcPct val="150000"/>
+              </a:lnSpc>
+              <a:buFont typeface="Wingdings" pitchFamily="2" charset="2"/>
+              <a:buChar char="v"/>
+            </a:pPr>
             <a:r>
               <a:rPr lang="vi-VN" sz="2600" dirty="0">
                 <a:latin typeface="Times New Roman" pitchFamily="18" charset="0"/>
                 <a:ea typeface="Tahoma" pitchFamily="34" charset="0"/>
                 <a:cs typeface="Times New Roman" pitchFamily="18" charset="0"/>
               </a:rPr>
-              <a:t>dữ liệu trích xuất gồm 1.000 dữ liệu trong đó bao gồm 500 dữ liệu thể hiện ý kiến tích cực (positive) và 500 dữ liệu tiêu cực (negative</a:t>
-            </a:r>
-            <a:r>
-              <a:rPr lang="vi-VN" sz="2600" dirty="0" smtClean="0">
-                <a:latin typeface="Times New Roman" pitchFamily="18" charset="0"/>
-                <a:ea typeface="Tahoma" pitchFamily="34" charset="0"/>
-                <a:cs typeface="Times New Roman" pitchFamily="18" charset="0"/>
-              </a:rPr>
-              <a:t>).</a:t>
+              <a:t>Tập dữ liệu trích xuất gồm 1.000 dữ liệu trong đó bao gồm 500 dữ liệu thể hiện ý kiến tích cực (positive) và 500 dữ liệu tiêu cực (negative).</a:t>
             </a:r>
             <a:endParaRPr lang="en-US" sz="2600" dirty="0">
               <a:latin typeface="Times New Roman" pitchFamily="18" charset="0"/>
@@ -12283,13 +11680,6 @@
   <p:transition spd="slow">
     <p:push dir="u"/>
   </p:transition>
-  <p:timing>
-    <p:tnLst>
-      <p:par>
-        <p:cTn id="1" dur="indefinite" restart="never" nodeType="tmRoot"/>
-      </p:par>
-    </p:tnLst>
-  </p:timing>
 </p:sld>
 </file>
 
@@ -12517,7 +11907,7 @@
           <a:p>
             <a:pPr algn="ctr" eaLnBrk="1" hangingPunct="1"/>
             <a:r>
-              <a:rPr lang="en-US" altLang="en-US" sz="2800" b="1" dirty="0" smtClean="0">
+              <a:rPr lang="en-US" altLang="en-US" sz="2800" b="1" dirty="0">
                 <a:solidFill>
                   <a:srgbClr val="FFFFFF"/>
                 </a:solidFill>
@@ -12527,7 +11917,7 @@
               <a:t>III</a:t>
             </a:r>
             <a:r>
-              <a:rPr lang="vi-VN" altLang="en-US" sz="2800" b="1" dirty="0" smtClean="0">
+              <a:rPr lang="vi-VN" altLang="en-US" sz="2800" b="1" dirty="0">
                 <a:solidFill>
                   <a:srgbClr val="FFFFFF"/>
                 </a:solidFill>
@@ -12544,25 +11934,8 @@
                 <a:latin typeface="Times New Roman" pitchFamily="18" charset="0"/>
                 <a:cs typeface="Times New Roman" pitchFamily="18" charset="0"/>
               </a:rPr>
-              <a:t>Thực Nghiệm Và </a:t>
-            </a:r>
-            <a:r>
-              <a:rPr lang="en-US" sz="2800" b="1" dirty="0" smtClean="0">
-                <a:solidFill>
-                  <a:schemeClr val="bg1"/>
-                </a:solidFill>
-                <a:latin typeface="Times New Roman" pitchFamily="18" charset="0"/>
-                <a:cs typeface="Times New Roman" pitchFamily="18" charset="0"/>
-              </a:rPr>
-              <a:t>Đánh Giá</a:t>
-            </a:r>
-            <a:endParaRPr lang="en-US" sz="2800" b="1" dirty="0">
-              <a:solidFill>
-                <a:schemeClr val="bg1"/>
-              </a:solidFill>
-              <a:latin typeface="Times New Roman" pitchFamily="18" charset="0"/>
-              <a:cs typeface="Times New Roman" pitchFamily="18" charset="0"/>
-            </a:endParaRPr>
+              <a:t>Thực Nghiệm Và Đánh Giá</a:t>
+            </a:r>
           </a:p>
         </p:txBody>
       </p:sp>
@@ -12601,16 +11974,12 @@
           <a:p>
             <a:pPr algn="ctr"/>
             <a:r>
-              <a:rPr lang="en-US" sz="1400" b="1" dirty="0" smtClean="0">
+              <a:rPr lang="en-US" sz="1400" b="1" dirty="0">
                 <a:latin typeface="Arial" panose="020B0604020202020204" pitchFamily="34" charset="0"/>
                 <a:cs typeface="Arial" panose="020B0604020202020204" pitchFamily="34" charset="0"/>
               </a:rPr>
               <a:t>19</a:t>
             </a:r>
-            <a:endParaRPr lang="en-US" sz="1400" b="1" dirty="0">
-              <a:latin typeface="Arial" panose="020B0604020202020204" pitchFamily="34" charset="0"/>
-              <a:cs typeface="Arial" panose="020B0604020202020204" pitchFamily="34" charset="0"/>
-            </a:endParaRPr>
           </a:p>
         </p:txBody>
       </p:sp>
@@ -12646,7 +12015,7 @@
               </a:rPr>
               <a:t>Bộ phân lớp cảm xúc sẽ chia nhỏ thành hai giai đoạn bao gồm: </a:t>
             </a:r>
-            <a:endParaRPr lang="en-US" sz="2400" dirty="0" smtClean="0">
+            <a:endParaRPr lang="en-US" sz="2400" dirty="0">
               <a:latin typeface="+mj-lt"/>
             </a:endParaRPr>
           </a:p>
@@ -12666,18 +12035,18 @@
               <a:t>G</a:t>
             </a:r>
             <a:r>
+              <a:rPr lang="vi-VN" sz="2400" dirty="0">
+                <a:latin typeface="+mj-lt"/>
+              </a:rPr>
+              <a:t>iai đoạn huấn luyện mô hình (training</a:t>
+            </a:r>
+            <a:r>
               <a:rPr lang="vi-VN" sz="2400" dirty="0" smtClean="0">
                 <a:latin typeface="+mj-lt"/>
               </a:rPr>
-              <a:t>iai </a:t>
-            </a:r>
-            <a:r>
-              <a:rPr lang="vi-VN" sz="2400" dirty="0">
-                <a:latin typeface="+mj-lt"/>
-              </a:rPr>
-              <a:t>đoạn huấn luyện mô hình (training), </a:t>
-            </a:r>
-            <a:endParaRPr lang="en-US" sz="2400" dirty="0" smtClean="0">
+              <a:t>) </a:t>
+            </a:r>
+            <a:endParaRPr lang="en-US" sz="2400" dirty="0">
               <a:latin typeface="+mj-lt"/>
             </a:endParaRPr>
           </a:p>
@@ -12697,16 +12066,10 @@
               <a:t>G</a:t>
             </a:r>
             <a:r>
-              <a:rPr lang="vi-VN" sz="2400" dirty="0" smtClean="0">
-                <a:latin typeface="+mj-lt"/>
-              </a:rPr>
-              <a:t>iai </a:t>
-            </a:r>
-            <a:r>
               <a:rPr lang="vi-VN" sz="2400" dirty="0">
                 <a:latin typeface="+mj-lt"/>
               </a:rPr>
-              <a:t>đoạn kiểm tra mô hình (test)</a:t>
+              <a:t>iai đoạn kiểm tra mô hình (test)</a:t>
             </a:r>
             <a:endParaRPr lang="en-US" sz="2400" dirty="0">
               <a:latin typeface="+mj-lt"/>
@@ -12727,13 +12090,6 @@
   <p:transition spd="slow">
     <p:push dir="u"/>
   </p:transition>
-  <p:timing>
-    <p:tnLst>
-      <p:par>
-        <p:cTn id="1" dur="indefinite" restart="never" nodeType="tmRoot"/>
-      </p:par>
-    </p:tnLst>
-  </p:timing>
 </p:sld>
 </file>
 
@@ -12961,7 +12317,7 @@
           <a:p>
             <a:pPr algn="ctr" eaLnBrk="1" hangingPunct="1"/>
             <a:r>
-              <a:rPr lang="en-US" altLang="en-US" sz="2800" b="1" dirty="0" smtClean="0">
+              <a:rPr lang="en-US" altLang="en-US" sz="2800" b="1" dirty="0">
                 <a:solidFill>
                   <a:srgbClr val="FFFFFF"/>
                 </a:solidFill>
@@ -12971,7 +12327,7 @@
               <a:t>III</a:t>
             </a:r>
             <a:r>
-              <a:rPr lang="vi-VN" altLang="en-US" sz="2800" b="1" dirty="0" smtClean="0">
+              <a:rPr lang="vi-VN" altLang="en-US" sz="2800" b="1" dirty="0">
                 <a:solidFill>
                   <a:srgbClr val="FFFFFF"/>
                 </a:solidFill>
@@ -12988,25 +12344,8 @@
                 <a:latin typeface="Times New Roman" pitchFamily="18" charset="0"/>
                 <a:cs typeface="Times New Roman" pitchFamily="18" charset="0"/>
               </a:rPr>
-              <a:t>Thực Nghiệm Và </a:t>
-            </a:r>
-            <a:r>
-              <a:rPr lang="en-US" sz="2800" b="1" dirty="0" smtClean="0">
-                <a:solidFill>
-                  <a:schemeClr val="bg1"/>
-                </a:solidFill>
-                <a:latin typeface="Times New Roman" pitchFamily="18" charset="0"/>
-                <a:cs typeface="Times New Roman" pitchFamily="18" charset="0"/>
-              </a:rPr>
-              <a:t>Đánh Giá</a:t>
-            </a:r>
-            <a:endParaRPr lang="en-US" sz="2800" b="1" dirty="0">
-              <a:solidFill>
-                <a:schemeClr val="bg1"/>
-              </a:solidFill>
-              <a:latin typeface="Times New Roman" pitchFamily="18" charset="0"/>
-              <a:cs typeface="Times New Roman" pitchFamily="18" charset="0"/>
-            </a:endParaRPr>
+              <a:t>Thực Nghiệm Và Đánh Giá</a:t>
+            </a:r>
           </a:p>
         </p:txBody>
       </p:sp>
@@ -13045,16 +12384,12 @@
           <a:p>
             <a:pPr algn="ctr"/>
             <a:r>
-              <a:rPr lang="en-US" sz="1400" b="1" dirty="0" smtClean="0">
+              <a:rPr lang="en-US" sz="1400" b="1" dirty="0">
                 <a:latin typeface="Arial" panose="020B0604020202020204" pitchFamily="34" charset="0"/>
                 <a:cs typeface="Arial" panose="020B0604020202020204" pitchFamily="34" charset="0"/>
               </a:rPr>
               <a:t>20</a:t>
             </a:r>
-            <a:endParaRPr lang="en-US" sz="1400" b="1" dirty="0">
-              <a:latin typeface="Arial" panose="020B0604020202020204" pitchFamily="34" charset="0"/>
-              <a:cs typeface="Arial" panose="020B0604020202020204" pitchFamily="34" charset="0"/>
-            </a:endParaRPr>
           </a:p>
         </p:txBody>
       </p:sp>
@@ -13110,16 +12445,12 @@
           <a:p>
             <a:pPr algn="ctr"/>
             <a:r>
-              <a:rPr lang="en-US" b="1" dirty="0" smtClean="0">
+              <a:rPr lang="en-US" b="1" dirty="0">
                 <a:latin typeface="Times New Roman" pitchFamily="18" charset="0"/>
                 <a:cs typeface="Times New Roman" pitchFamily="18" charset="0"/>
               </a:rPr>
               <a:t>Quy trình huấn luyện bộ phân lớp.</a:t>
             </a:r>
-            <a:endParaRPr lang="en-US" b="1" dirty="0">
-              <a:latin typeface="Times New Roman" pitchFamily="18" charset="0"/>
-              <a:cs typeface="Times New Roman" pitchFamily="18" charset="0"/>
-            </a:endParaRPr>
           </a:p>
         </p:txBody>
       </p:sp>
@@ -13136,13 +12467,6 @@
   <p:transition spd="slow">
     <p:push dir="u"/>
   </p:transition>
-  <p:timing>
-    <p:tnLst>
-      <p:par>
-        <p:cTn id="1" dur="indefinite" restart="never" nodeType="tmRoot"/>
-      </p:par>
-    </p:tnLst>
-  </p:timing>
 </p:sld>
 </file>
 
@@ -13370,7 +12694,7 @@
           <a:p>
             <a:pPr algn="ctr" eaLnBrk="1" hangingPunct="1"/>
             <a:r>
-              <a:rPr lang="en-US" altLang="en-US" sz="2800" b="1" dirty="0" smtClean="0">
+              <a:rPr lang="en-US" altLang="en-US" sz="2800" b="1" dirty="0">
                 <a:solidFill>
                   <a:srgbClr val="FFFFFF"/>
                 </a:solidFill>
@@ -13380,7 +12704,7 @@
               <a:t>III</a:t>
             </a:r>
             <a:r>
-              <a:rPr lang="vi-VN" altLang="en-US" sz="2800" b="1" dirty="0" smtClean="0">
+              <a:rPr lang="vi-VN" altLang="en-US" sz="2800" b="1" dirty="0">
                 <a:solidFill>
                   <a:srgbClr val="FFFFFF"/>
                 </a:solidFill>
@@ -13397,25 +12721,8 @@
                 <a:latin typeface="Times New Roman" pitchFamily="18" charset="0"/>
                 <a:cs typeface="Times New Roman" pitchFamily="18" charset="0"/>
               </a:rPr>
-              <a:t>Thực Nghiệm Và </a:t>
-            </a:r>
-            <a:r>
-              <a:rPr lang="en-US" sz="2800" b="1" dirty="0" smtClean="0">
-                <a:solidFill>
-                  <a:schemeClr val="bg1"/>
-                </a:solidFill>
-                <a:latin typeface="Times New Roman" pitchFamily="18" charset="0"/>
-                <a:cs typeface="Times New Roman" pitchFamily="18" charset="0"/>
-              </a:rPr>
-              <a:t>Đánh Giá</a:t>
-            </a:r>
-            <a:endParaRPr lang="en-US" sz="2800" b="1" dirty="0">
-              <a:solidFill>
-                <a:schemeClr val="bg1"/>
-              </a:solidFill>
-              <a:latin typeface="Times New Roman" pitchFamily="18" charset="0"/>
-              <a:cs typeface="Times New Roman" pitchFamily="18" charset="0"/>
-            </a:endParaRPr>
+              <a:t>Thực Nghiệm Và Đánh Giá</a:t>
+            </a:r>
           </a:p>
         </p:txBody>
       </p:sp>
@@ -13454,16 +12761,12 @@
           <a:p>
             <a:pPr algn="ctr"/>
             <a:r>
-              <a:rPr lang="en-US" sz="1400" b="1" dirty="0" smtClean="0">
+              <a:rPr lang="en-US" sz="1400" b="1" dirty="0">
                 <a:latin typeface="Arial" panose="020B0604020202020204" pitchFamily="34" charset="0"/>
                 <a:cs typeface="Arial" panose="020B0604020202020204" pitchFamily="34" charset="0"/>
               </a:rPr>
               <a:t>21</a:t>
             </a:r>
-            <a:endParaRPr lang="en-US" sz="1400" b="1" dirty="0">
-              <a:latin typeface="Arial" panose="020B0604020202020204" pitchFamily="34" charset="0"/>
-              <a:cs typeface="Arial" panose="020B0604020202020204" pitchFamily="34" charset="0"/>
-            </a:endParaRPr>
           </a:p>
         </p:txBody>
       </p:sp>
@@ -13491,16 +12794,12 @@
           <a:p>
             <a:pPr algn="ctr"/>
             <a:r>
-              <a:rPr lang="en-US" b="1" dirty="0" smtClean="0">
+              <a:rPr lang="en-US" b="1" dirty="0">
                 <a:latin typeface="Times New Roman" pitchFamily="18" charset="0"/>
                 <a:cs typeface="Times New Roman" pitchFamily="18" charset="0"/>
               </a:rPr>
               <a:t>Quy trình kiểm tra bộ phân lớp.</a:t>
             </a:r>
-            <a:endParaRPr lang="en-US" b="1" dirty="0">
-              <a:latin typeface="Times New Roman" pitchFamily="18" charset="0"/>
-              <a:cs typeface="Times New Roman" pitchFamily="18" charset="0"/>
-            </a:endParaRPr>
           </a:p>
         </p:txBody>
       </p:sp>
@@ -13545,13 +12844,6 @@
   <p:transition spd="slow">
     <p:push dir="u"/>
   </p:transition>
-  <p:timing>
-    <p:tnLst>
-      <p:par>
-        <p:cTn id="1" dur="indefinite" restart="never" nodeType="tmRoot"/>
-      </p:par>
-    </p:tnLst>
-  </p:timing>
 </p:sld>
 </file>
 
@@ -13779,7 +13071,7 @@
           <a:p>
             <a:pPr algn="ctr" eaLnBrk="1" hangingPunct="1"/>
             <a:r>
-              <a:rPr lang="en-US" altLang="en-US" sz="2800" b="1" dirty="0" smtClean="0">
+              <a:rPr lang="en-US" altLang="en-US" sz="2800" b="1" dirty="0">
                 <a:solidFill>
                   <a:srgbClr val="FFFFFF"/>
                 </a:solidFill>
@@ -13789,7 +13081,7 @@
               <a:t>III</a:t>
             </a:r>
             <a:r>
-              <a:rPr lang="vi-VN" altLang="en-US" sz="2800" b="1" dirty="0" smtClean="0">
+              <a:rPr lang="vi-VN" altLang="en-US" sz="2800" b="1" dirty="0">
                 <a:solidFill>
                   <a:srgbClr val="FFFFFF"/>
                 </a:solidFill>
@@ -13806,25 +13098,8 @@
                 <a:latin typeface="Times New Roman" pitchFamily="18" charset="0"/>
                 <a:cs typeface="Times New Roman" pitchFamily="18" charset="0"/>
               </a:rPr>
-              <a:t>Thực Nghiệm Và </a:t>
-            </a:r>
-            <a:r>
-              <a:rPr lang="en-US" sz="2800" b="1" dirty="0" smtClean="0">
-                <a:solidFill>
-                  <a:schemeClr val="bg1"/>
-                </a:solidFill>
-                <a:latin typeface="Times New Roman" pitchFamily="18" charset="0"/>
-                <a:cs typeface="Times New Roman" pitchFamily="18" charset="0"/>
-              </a:rPr>
-              <a:t>Đánh Giá</a:t>
-            </a:r>
-            <a:endParaRPr lang="en-US" sz="2800" b="1" dirty="0">
-              <a:solidFill>
-                <a:schemeClr val="bg1"/>
-              </a:solidFill>
-              <a:latin typeface="Times New Roman" pitchFamily="18" charset="0"/>
-              <a:cs typeface="Times New Roman" pitchFamily="18" charset="0"/>
-            </a:endParaRPr>
+              <a:t>Thực Nghiệm Và Đánh Giá</a:t>
+            </a:r>
           </a:p>
         </p:txBody>
       </p:sp>
@@ -13863,7 +13138,7 @@
           <a:p>
             <a:pPr algn="ctr"/>
             <a:r>
-              <a:rPr lang="en-US" sz="1400" b="1" dirty="0" smtClean="0">
+              <a:rPr lang="en-US" sz="1400" b="1" dirty="0">
                 <a:latin typeface="Arial" panose="020B0604020202020204" pitchFamily="34" charset="0"/>
                 <a:cs typeface="Arial" panose="020B0604020202020204" pitchFamily="34" charset="0"/>
               </a:rPr>
@@ -13897,8 +13172,20 @@
                 <a:tableStyleId>{5940675A-B579-460E-94D1-54222C63F5DA}</a:tableStyleId>
               </a:tblPr>
               <a:tblGrid>
-                <a:gridCol w="7620000"/>
-                <a:gridCol w="914400"/>
+                <a:gridCol w="7620000">
+                  <a:extLst>
+                    <a:ext uri="{9D8B030D-6E8A-4147-A177-3AD203B41FA5}">
+                      <a16:colId xmlns:a16="http://schemas.microsoft.com/office/drawing/2014/main" xmlns="" val="20000"/>
+                    </a:ext>
+                  </a:extLst>
+                </a:gridCol>
+                <a:gridCol w="914400">
+                  <a:extLst>
+                    <a:ext uri="{9D8B030D-6E8A-4147-A177-3AD203B41FA5}">
+                      <a16:colId xmlns:a16="http://schemas.microsoft.com/office/drawing/2014/main" xmlns="" val="20001"/>
+                    </a:ext>
+                  </a:extLst>
+                </a:gridCol>
               </a:tblGrid>
               <a:tr h="708508">
                 <a:tc>
@@ -13963,6 +13250,11 @@
                   </a:txBody>
                   <a:tcPr marL="34288" marR="34288" marT="0" marB="0"/>
                 </a:tc>
+                <a:extLst>
+                  <a:ext uri="{0D108BD9-81ED-4DB2-BD59-A6C34878D82A}">
+                    <a16:rowId xmlns:a16="http://schemas.microsoft.com/office/drawing/2014/main" xmlns="" val="10000"/>
+                  </a:ext>
+                </a:extLst>
               </a:tr>
               <a:tr h="708508">
                 <a:tc>
@@ -14027,6 +13319,11 @@
                   </a:txBody>
                   <a:tcPr marL="34288" marR="34288" marT="0" marB="0"/>
                 </a:tc>
+                <a:extLst>
+                  <a:ext uri="{0D108BD9-81ED-4DB2-BD59-A6C34878D82A}">
+                    <a16:rowId xmlns:a16="http://schemas.microsoft.com/office/drawing/2014/main" xmlns="" val="10001"/>
+                  </a:ext>
+                </a:extLst>
               </a:tr>
               <a:tr h="708508">
                 <a:tc>
@@ -14091,6 +13388,11 @@
                   </a:txBody>
                   <a:tcPr marL="34288" marR="34288" marT="0" marB="0"/>
                 </a:tc>
+                <a:extLst>
+                  <a:ext uri="{0D108BD9-81ED-4DB2-BD59-A6C34878D82A}">
+                    <a16:rowId xmlns:a16="http://schemas.microsoft.com/office/drawing/2014/main" xmlns="" val="10002"/>
+                  </a:ext>
+                </a:extLst>
               </a:tr>
               <a:tr h="1082947">
                 <a:tc>
@@ -14155,6 +13457,11 @@
                   </a:txBody>
                   <a:tcPr marL="34288" marR="34288" marT="0" marB="0"/>
                 </a:tc>
+                <a:extLst>
+                  <a:ext uri="{0D108BD9-81ED-4DB2-BD59-A6C34878D82A}">
+                    <a16:rowId xmlns:a16="http://schemas.microsoft.com/office/drawing/2014/main" xmlns="" val="10003"/>
+                  </a:ext>
+                </a:extLst>
               </a:tr>
               <a:tr h="334070">
                 <a:tc>
@@ -14219,6 +13526,11 @@
                   </a:txBody>
                   <a:tcPr marL="34288" marR="34288" marT="0" marB="0"/>
                 </a:tc>
+                <a:extLst>
+                  <a:ext uri="{0D108BD9-81ED-4DB2-BD59-A6C34878D82A}">
+                    <a16:rowId xmlns:a16="http://schemas.microsoft.com/office/drawing/2014/main" xmlns="" val="10004"/>
+                  </a:ext>
+                </a:extLst>
               </a:tr>
               <a:tr h="1082947">
                 <a:tc>
@@ -14283,6 +13595,11 @@
                   </a:txBody>
                   <a:tcPr marL="34288" marR="34288" marT="0" marB="0"/>
                 </a:tc>
+                <a:extLst>
+                  <a:ext uri="{0D108BD9-81ED-4DB2-BD59-A6C34878D82A}">
+                    <a16:rowId xmlns:a16="http://schemas.microsoft.com/office/drawing/2014/main" xmlns="" val="10005"/>
+                  </a:ext>
+                </a:extLst>
               </a:tr>
               <a:tr h="425209">
                 <a:tc>
@@ -14347,6 +13664,11 @@
                   </a:txBody>
                   <a:tcPr marL="34288" marR="34288" marT="0" marB="0"/>
                 </a:tc>
+                <a:extLst>
+                  <a:ext uri="{0D108BD9-81ED-4DB2-BD59-A6C34878D82A}">
+                    <a16:rowId xmlns:a16="http://schemas.microsoft.com/office/drawing/2014/main" xmlns="" val="10006"/>
+                  </a:ext>
+                </a:extLst>
               </a:tr>
             </a:tbl>
           </a:graphicData>
@@ -14376,16 +13698,12 @@
           <a:p>
             <a:pPr algn="ctr"/>
             <a:r>
-              <a:rPr lang="en-US" b="1" dirty="0" smtClean="0">
+              <a:rPr lang="en-US" b="1" dirty="0">
                 <a:latin typeface="Times New Roman" pitchFamily="18" charset="0"/>
                 <a:cs typeface="Times New Roman" pitchFamily="18" charset="0"/>
               </a:rPr>
               <a:t>Dữ liệu sau khi được tiền xử lý và gán nhãn</a:t>
             </a:r>
-            <a:endParaRPr lang="en-US" b="1" dirty="0">
-              <a:latin typeface="Times New Roman" pitchFamily="18" charset="0"/>
-              <a:cs typeface="Times New Roman" pitchFamily="18" charset="0"/>
-            </a:endParaRPr>
           </a:p>
         </p:txBody>
       </p:sp>
@@ -14402,13 +13720,6 @@
   <p:transition spd="slow">
     <p:push dir="u"/>
   </p:transition>
-  <p:timing>
-    <p:tnLst>
-      <p:par>
-        <p:cTn id="1" dur="indefinite" restart="never" nodeType="tmRoot"/>
-      </p:par>
-    </p:tnLst>
-  </p:timing>
 </p:sld>
 </file>
 
@@ -14636,7 +13947,7 @@
           <a:p>
             <a:pPr algn="ctr" eaLnBrk="1" hangingPunct="1"/>
             <a:r>
-              <a:rPr lang="en-US" altLang="en-US" sz="2800" b="1" dirty="0" smtClean="0">
+              <a:rPr lang="en-US" altLang="en-US" sz="2800" b="1" dirty="0">
                 <a:solidFill>
                   <a:srgbClr val="FFFFFF"/>
                 </a:solidFill>
@@ -14646,7 +13957,7 @@
               <a:t>III</a:t>
             </a:r>
             <a:r>
-              <a:rPr lang="vi-VN" altLang="en-US" sz="2800" b="1" dirty="0" smtClean="0">
+              <a:rPr lang="vi-VN" altLang="en-US" sz="2800" b="1" dirty="0">
                 <a:solidFill>
                   <a:srgbClr val="FFFFFF"/>
                 </a:solidFill>
@@ -14663,25 +13974,8 @@
                 <a:latin typeface="Times New Roman" pitchFamily="18" charset="0"/>
                 <a:cs typeface="Times New Roman" pitchFamily="18" charset="0"/>
               </a:rPr>
-              <a:t>Thực Nghiệm Và </a:t>
-            </a:r>
-            <a:r>
-              <a:rPr lang="en-US" sz="2800" b="1" dirty="0" smtClean="0">
-                <a:solidFill>
-                  <a:schemeClr val="bg1"/>
-                </a:solidFill>
-                <a:latin typeface="Times New Roman" pitchFamily="18" charset="0"/>
-                <a:cs typeface="Times New Roman" pitchFamily="18" charset="0"/>
-              </a:rPr>
-              <a:t>Đánh Giá</a:t>
-            </a:r>
-            <a:endParaRPr lang="en-US" sz="2800" b="1" dirty="0">
-              <a:solidFill>
-                <a:schemeClr val="bg1"/>
-              </a:solidFill>
-              <a:latin typeface="Times New Roman" pitchFamily="18" charset="0"/>
-              <a:cs typeface="Times New Roman" pitchFamily="18" charset="0"/>
-            </a:endParaRPr>
+              <a:t>Thực Nghiệm Và Đánh Giá</a:t>
+            </a:r>
           </a:p>
         </p:txBody>
       </p:sp>
@@ -14720,16 +14014,12 @@
           <a:p>
             <a:pPr algn="ctr"/>
             <a:r>
-              <a:rPr lang="en-US" sz="1400" b="1" dirty="0" smtClean="0">
+              <a:rPr lang="en-US" sz="1400" b="1" dirty="0">
                 <a:latin typeface="Arial" panose="020B0604020202020204" pitchFamily="34" charset="0"/>
                 <a:cs typeface="Arial" panose="020B0604020202020204" pitchFamily="34" charset="0"/>
               </a:rPr>
               <a:t>23</a:t>
             </a:r>
-            <a:endParaRPr lang="en-US" sz="1400" b="1" dirty="0">
-              <a:latin typeface="Arial" panose="020B0604020202020204" pitchFamily="34" charset="0"/>
-              <a:cs typeface="Arial" panose="020B0604020202020204" pitchFamily="34" charset="0"/>
-            </a:endParaRPr>
           </a:p>
         </p:txBody>
       </p:sp>
@@ -14758,17 +14048,83 @@
                 <a:tableStyleId>{5940675A-B579-460E-94D1-54222C63F5DA}</a:tableStyleId>
               </a:tblPr>
               <a:tblGrid>
-                <a:gridCol w="751840"/>
-                <a:gridCol w="939799"/>
-                <a:gridCol w="751840"/>
-                <a:gridCol w="751840"/>
-                <a:gridCol w="751840"/>
-                <a:gridCol w="751840"/>
-                <a:gridCol w="751840"/>
-                <a:gridCol w="751840"/>
-                <a:gridCol w="751840"/>
-                <a:gridCol w="751840"/>
-                <a:gridCol w="751840"/>
+                <a:gridCol w="751840">
+                  <a:extLst>
+                    <a:ext uri="{9D8B030D-6E8A-4147-A177-3AD203B41FA5}">
+                      <a16:colId xmlns:a16="http://schemas.microsoft.com/office/drawing/2014/main" xmlns="" val="20000"/>
+                    </a:ext>
+                  </a:extLst>
+                </a:gridCol>
+                <a:gridCol w="939799">
+                  <a:extLst>
+                    <a:ext uri="{9D8B030D-6E8A-4147-A177-3AD203B41FA5}">
+                      <a16:colId xmlns:a16="http://schemas.microsoft.com/office/drawing/2014/main" xmlns="" val="20001"/>
+                    </a:ext>
+                  </a:extLst>
+                </a:gridCol>
+                <a:gridCol w="751840">
+                  <a:extLst>
+                    <a:ext uri="{9D8B030D-6E8A-4147-A177-3AD203B41FA5}">
+                      <a16:colId xmlns:a16="http://schemas.microsoft.com/office/drawing/2014/main" xmlns="" val="20002"/>
+                    </a:ext>
+                  </a:extLst>
+                </a:gridCol>
+                <a:gridCol w="751840">
+                  <a:extLst>
+                    <a:ext uri="{9D8B030D-6E8A-4147-A177-3AD203B41FA5}">
+                      <a16:colId xmlns:a16="http://schemas.microsoft.com/office/drawing/2014/main" xmlns="" val="20003"/>
+                    </a:ext>
+                  </a:extLst>
+                </a:gridCol>
+                <a:gridCol w="751840">
+                  <a:extLst>
+                    <a:ext uri="{9D8B030D-6E8A-4147-A177-3AD203B41FA5}">
+                      <a16:colId xmlns:a16="http://schemas.microsoft.com/office/drawing/2014/main" xmlns="" val="20004"/>
+                    </a:ext>
+                  </a:extLst>
+                </a:gridCol>
+                <a:gridCol w="751840">
+                  <a:extLst>
+                    <a:ext uri="{9D8B030D-6E8A-4147-A177-3AD203B41FA5}">
+                      <a16:colId xmlns:a16="http://schemas.microsoft.com/office/drawing/2014/main" xmlns="" val="20005"/>
+                    </a:ext>
+                  </a:extLst>
+                </a:gridCol>
+                <a:gridCol w="751840">
+                  <a:extLst>
+                    <a:ext uri="{9D8B030D-6E8A-4147-A177-3AD203B41FA5}">
+                      <a16:colId xmlns:a16="http://schemas.microsoft.com/office/drawing/2014/main" xmlns="" val="20006"/>
+                    </a:ext>
+                  </a:extLst>
+                </a:gridCol>
+                <a:gridCol w="751840">
+                  <a:extLst>
+                    <a:ext uri="{9D8B030D-6E8A-4147-A177-3AD203B41FA5}">
+                      <a16:colId xmlns:a16="http://schemas.microsoft.com/office/drawing/2014/main" xmlns="" val="20007"/>
+                    </a:ext>
+                  </a:extLst>
+                </a:gridCol>
+                <a:gridCol w="751840">
+                  <a:extLst>
+                    <a:ext uri="{9D8B030D-6E8A-4147-A177-3AD203B41FA5}">
+                      <a16:colId xmlns:a16="http://schemas.microsoft.com/office/drawing/2014/main" xmlns="" val="20008"/>
+                    </a:ext>
+                  </a:extLst>
+                </a:gridCol>
+                <a:gridCol w="751840">
+                  <a:extLst>
+                    <a:ext uri="{9D8B030D-6E8A-4147-A177-3AD203B41FA5}">
+                      <a16:colId xmlns:a16="http://schemas.microsoft.com/office/drawing/2014/main" xmlns="" val="20009"/>
+                    </a:ext>
+                  </a:extLst>
+                </a:gridCol>
+                <a:gridCol w="751840">
+                  <a:extLst>
+                    <a:ext uri="{9D8B030D-6E8A-4147-A177-3AD203B41FA5}">
+                      <a16:colId xmlns:a16="http://schemas.microsoft.com/office/drawing/2014/main" xmlns="" val="20010"/>
+                    </a:ext>
+                  </a:extLst>
+                </a:gridCol>
               </a:tblGrid>
               <a:tr h="225406">
                 <a:tc rowSpan="2">
@@ -15035,6 +14391,11 @@
                   </a:txBody>
                   <a:tcPr marL="68580" marR="68580" marT="0" marB="0"/>
                 </a:tc>
+                <a:extLst>
+                  <a:ext uri="{0D108BD9-81ED-4DB2-BD59-A6C34878D82A}">
+                    <a16:rowId xmlns:a16="http://schemas.microsoft.com/office/drawing/2014/main" xmlns="" val="10000"/>
+                  </a:ext>
+                </a:extLst>
               </a:tr>
               <a:tr h="505857">
                 <a:tc vMerge="1">
@@ -15279,6 +14640,11 @@
                   </a:txBody>
                   <a:tcPr/>
                 </a:tc>
+                <a:extLst>
+                  <a:ext uri="{0D108BD9-81ED-4DB2-BD59-A6C34878D82A}">
+                    <a16:rowId xmlns:a16="http://schemas.microsoft.com/office/drawing/2014/main" xmlns="" val="10001"/>
+                  </a:ext>
+                </a:extLst>
               </a:tr>
               <a:tr h="411992">
                 <a:tc>
@@ -15645,6 +15011,11 @@
                   </a:txBody>
                   <a:tcPr marL="68580" marR="68580" marT="0" marB="0"/>
                 </a:tc>
+                <a:extLst>
+                  <a:ext uri="{0D108BD9-81ED-4DB2-BD59-A6C34878D82A}">
+                    <a16:rowId xmlns:a16="http://schemas.microsoft.com/office/drawing/2014/main" xmlns="" val="10002"/>
+                  </a:ext>
+                </a:extLst>
               </a:tr>
               <a:tr h="411992">
                 <a:tc>
@@ -15999,6 +15370,11 @@
                   </a:txBody>
                   <a:tcPr marL="68580" marR="68580" marT="0" marB="0"/>
                 </a:tc>
+                <a:extLst>
+                  <a:ext uri="{0D108BD9-81ED-4DB2-BD59-A6C34878D82A}">
+                    <a16:rowId xmlns:a16="http://schemas.microsoft.com/office/drawing/2014/main" xmlns="" val="10003"/>
+                  </a:ext>
+                </a:extLst>
               </a:tr>
               <a:tr h="411992">
                 <a:tc>
@@ -16365,6 +15741,11 @@
                   </a:txBody>
                   <a:tcPr marL="68580" marR="68580" marT="0" marB="0"/>
                 </a:tc>
+                <a:extLst>
+                  <a:ext uri="{0D108BD9-81ED-4DB2-BD59-A6C34878D82A}">
+                    <a16:rowId xmlns:a16="http://schemas.microsoft.com/office/drawing/2014/main" xmlns="" val="10004"/>
+                  </a:ext>
+                </a:extLst>
               </a:tr>
               <a:tr h="411992">
                 <a:tc>
@@ -16719,6 +16100,11 @@
                   </a:txBody>
                   <a:tcPr marL="68580" marR="68580" marT="0" marB="0"/>
                 </a:tc>
+                <a:extLst>
+                  <a:ext uri="{0D108BD9-81ED-4DB2-BD59-A6C34878D82A}">
+                    <a16:rowId xmlns:a16="http://schemas.microsoft.com/office/drawing/2014/main" xmlns="" val="10005"/>
+                  </a:ext>
+                </a:extLst>
               </a:tr>
               <a:tr h="411992">
                 <a:tc>
@@ -17073,6 +16459,11 @@
                   </a:txBody>
                   <a:tcPr marL="68580" marR="68580" marT="0" marB="0"/>
                 </a:tc>
+                <a:extLst>
+                  <a:ext uri="{0D108BD9-81ED-4DB2-BD59-A6C34878D82A}">
+                    <a16:rowId xmlns:a16="http://schemas.microsoft.com/office/drawing/2014/main" xmlns="" val="10006"/>
+                  </a:ext>
+                </a:extLst>
               </a:tr>
               <a:tr h="411992">
                 <a:tc>
@@ -17427,6 +16818,11 @@
                   </a:txBody>
                   <a:tcPr marL="68580" marR="68580" marT="0" marB="0"/>
                 </a:tc>
+                <a:extLst>
+                  <a:ext uri="{0D108BD9-81ED-4DB2-BD59-A6C34878D82A}">
+                    <a16:rowId xmlns:a16="http://schemas.microsoft.com/office/drawing/2014/main" xmlns="" val="10007"/>
+                  </a:ext>
+                </a:extLst>
               </a:tr>
               <a:tr h="411992">
                 <a:tc>
@@ -17805,6 +17201,11 @@
                   </a:txBody>
                   <a:tcPr marL="68580" marR="68580" marT="0" marB="0"/>
                 </a:tc>
+                <a:extLst>
+                  <a:ext uri="{0D108BD9-81ED-4DB2-BD59-A6C34878D82A}">
+                    <a16:rowId xmlns:a16="http://schemas.microsoft.com/office/drawing/2014/main" xmlns="" val="10008"/>
+                  </a:ext>
+                </a:extLst>
               </a:tr>
               <a:tr h="411992">
                 <a:tc>
@@ -18159,6 +17560,11 @@
                   </a:txBody>
                   <a:tcPr marL="68580" marR="68580" marT="0" marB="0"/>
                 </a:tc>
+                <a:extLst>
+                  <a:ext uri="{0D108BD9-81ED-4DB2-BD59-A6C34878D82A}">
+                    <a16:rowId xmlns:a16="http://schemas.microsoft.com/office/drawing/2014/main" xmlns="" val="10009"/>
+                  </a:ext>
+                </a:extLst>
               </a:tr>
               <a:tr h="411992">
                 <a:tc>
@@ -18519,6 +17925,11 @@
                   </a:txBody>
                   <a:tcPr marL="68580" marR="68580" marT="0" marB="0"/>
                 </a:tc>
+                <a:extLst>
+                  <a:ext uri="{0D108BD9-81ED-4DB2-BD59-A6C34878D82A}">
+                    <a16:rowId xmlns:a16="http://schemas.microsoft.com/office/drawing/2014/main" xmlns="" val="10010"/>
+                  </a:ext>
+                </a:extLst>
               </a:tr>
               <a:tr h="411992">
                 <a:tc>
@@ -18873,6 +18284,11 @@
                   </a:txBody>
                   <a:tcPr marL="68580" marR="68580" marT="0" marB="0"/>
                 </a:tc>
+                <a:extLst>
+                  <a:ext uri="{0D108BD9-81ED-4DB2-BD59-A6C34878D82A}">
+                    <a16:rowId xmlns:a16="http://schemas.microsoft.com/office/drawing/2014/main" xmlns="" val="10011"/>
+                  </a:ext>
+                </a:extLst>
               </a:tr>
               <a:tr h="411992">
                 <a:tc gridSpan="2">
@@ -19205,6 +18621,11 @@
                   </a:txBody>
                   <a:tcPr marL="68580" marR="68580" marT="0" marB="0"/>
                 </a:tc>
+                <a:extLst>
+                  <a:ext uri="{0D108BD9-81ED-4DB2-BD59-A6C34878D82A}">
+                    <a16:rowId xmlns:a16="http://schemas.microsoft.com/office/drawing/2014/main" xmlns="" val="10012"/>
+                  </a:ext>
+                </a:extLst>
               </a:tr>
             </a:tbl>
           </a:graphicData>
@@ -19234,16 +18655,12 @@
           <a:p>
             <a:pPr algn="ctr"/>
             <a:r>
-              <a:rPr lang="en-US" b="1" dirty="0" smtClean="0">
+              <a:rPr lang="en-US" b="1" dirty="0">
                 <a:latin typeface="Times New Roman" pitchFamily="18" charset="0"/>
                 <a:cs typeface="Times New Roman" pitchFamily="18" charset="0"/>
               </a:rPr>
               <a:t>Kết quả thực nghiệm bộ phân lớp với SVM</a:t>
             </a:r>
-            <a:endParaRPr lang="en-US" b="1" dirty="0">
-              <a:latin typeface="Times New Roman" pitchFamily="18" charset="0"/>
-              <a:cs typeface="Times New Roman" pitchFamily="18" charset="0"/>
-            </a:endParaRPr>
           </a:p>
         </p:txBody>
       </p:sp>
@@ -19260,13 +18677,6 @@
   <p:transition spd="slow">
     <p:push dir="u"/>
   </p:transition>
-  <p:timing>
-    <p:tnLst>
-      <p:par>
-        <p:cTn id="1" dur="indefinite" restart="never" nodeType="tmRoot"/>
-      </p:par>
-    </p:tnLst>
-  </p:timing>
 </p:sld>
 </file>
 
@@ -19494,7 +18904,7 @@
           <a:p>
             <a:pPr algn="ctr" eaLnBrk="1" hangingPunct="1"/>
             <a:r>
-              <a:rPr lang="en-US" altLang="en-US" sz="2800" b="1" dirty="0" smtClean="0">
+              <a:rPr lang="en-US" altLang="en-US" sz="2800" b="1" dirty="0">
                 <a:solidFill>
                   <a:srgbClr val="FFFFFF"/>
                 </a:solidFill>
@@ -19504,7 +18914,7 @@
               <a:t>III</a:t>
             </a:r>
             <a:r>
-              <a:rPr lang="vi-VN" altLang="en-US" sz="2800" b="1" dirty="0" smtClean="0">
+              <a:rPr lang="vi-VN" altLang="en-US" sz="2800" b="1" dirty="0">
                 <a:solidFill>
                   <a:srgbClr val="FFFFFF"/>
                 </a:solidFill>
@@ -19521,25 +18931,8 @@
                 <a:latin typeface="Times New Roman" pitchFamily="18" charset="0"/>
                 <a:cs typeface="Times New Roman" pitchFamily="18" charset="0"/>
               </a:rPr>
-              <a:t>Thực Nghiệm Và </a:t>
-            </a:r>
-            <a:r>
-              <a:rPr lang="en-US" sz="2800" b="1" dirty="0" smtClean="0">
-                <a:solidFill>
-                  <a:schemeClr val="bg1"/>
-                </a:solidFill>
-                <a:latin typeface="Times New Roman" pitchFamily="18" charset="0"/>
-                <a:cs typeface="Times New Roman" pitchFamily="18" charset="0"/>
-              </a:rPr>
-              <a:t>Đánh Giá</a:t>
-            </a:r>
-            <a:endParaRPr lang="en-US" sz="2800" b="1" dirty="0">
-              <a:solidFill>
-                <a:schemeClr val="bg1"/>
-              </a:solidFill>
-              <a:latin typeface="Times New Roman" pitchFamily="18" charset="0"/>
-              <a:cs typeface="Times New Roman" pitchFamily="18" charset="0"/>
-            </a:endParaRPr>
+              <a:t>Thực Nghiệm Và Đánh Giá</a:t>
+            </a:r>
           </a:p>
         </p:txBody>
       </p:sp>
@@ -19578,16 +18971,12 @@
           <a:p>
             <a:pPr algn="ctr"/>
             <a:r>
-              <a:rPr lang="en-US" sz="1400" b="1" dirty="0" smtClean="0">
+              <a:rPr lang="en-US" sz="1400" b="1" dirty="0">
                 <a:latin typeface="Arial" panose="020B0604020202020204" pitchFamily="34" charset="0"/>
                 <a:cs typeface="Arial" panose="020B0604020202020204" pitchFamily="34" charset="0"/>
               </a:rPr>
               <a:t>24</a:t>
             </a:r>
-            <a:endParaRPr lang="en-US" sz="1400" b="1" dirty="0">
-              <a:latin typeface="Arial" panose="020B0604020202020204" pitchFamily="34" charset="0"/>
-              <a:cs typeface="Arial" panose="020B0604020202020204" pitchFamily="34" charset="0"/>
-            </a:endParaRPr>
           </a:p>
         </p:txBody>
       </p:sp>
@@ -19598,7 +18987,7 @@
           <p:nvPr>
             <p:extLst>
               <p:ext uri="{D42A27DB-BD31-4B8C-83A1-F6EECF244321}">
-                <p14:modId xmlns:p14="http://schemas.microsoft.com/office/powerpoint/2010/main" val="2991567867"/>
+                <p14:modId xmlns:p14="http://schemas.microsoft.com/office/powerpoint/2010/main" val="922799748"/>
               </p:ext>
             </p:extLst>
           </p:nvPr>
@@ -19640,13 +19029,7 @@
               <a:rPr lang="vi-VN" sz="2000" b="1" dirty="0">
                 <a:latin typeface="+mj-lt"/>
               </a:rPr>
-              <a:t>Kết quả thực nghiệm phân lớp cảm </a:t>
-            </a:r>
-            <a:r>
-              <a:rPr lang="vi-VN" sz="2000" b="1" dirty="0" smtClean="0">
-                <a:latin typeface="+mj-lt"/>
-              </a:rPr>
-              <a:t>xúc</a:t>
+              <a:t>Kết quả thực nghiệm phân lớp cảm xúc</a:t>
             </a:r>
             <a:endParaRPr lang="en-US" sz="2000" b="1" dirty="0">
               <a:latin typeface="+mj-lt"/>
@@ -19668,13 +19051,6 @@
   <p:transition spd="slow">
     <p:push dir="u"/>
   </p:transition>
-  <p:timing>
-    <p:tnLst>
-      <p:par>
-        <p:cTn id="1" dur="indefinite" restart="never" nodeType="tmRoot"/>
-      </p:par>
-    </p:tnLst>
-  </p:timing>
 </p:sld>
 </file>
 
@@ -19902,7 +19278,7 @@
           <a:p>
             <a:pPr algn="ctr" eaLnBrk="1" hangingPunct="1"/>
             <a:r>
-              <a:rPr lang="en-US" altLang="en-US" sz="2800" b="1" dirty="0" smtClean="0">
+              <a:rPr lang="en-US" altLang="en-US" sz="2800" b="1" dirty="0">
                 <a:solidFill>
                   <a:srgbClr val="FFFFFF"/>
                 </a:solidFill>
@@ -19912,7 +19288,7 @@
               <a:t>III</a:t>
             </a:r>
             <a:r>
-              <a:rPr lang="vi-VN" altLang="en-US" sz="2800" b="1" dirty="0" smtClean="0">
+              <a:rPr lang="vi-VN" altLang="en-US" sz="2800" b="1" dirty="0">
                 <a:solidFill>
                   <a:srgbClr val="FFFFFF"/>
                 </a:solidFill>
@@ -19929,25 +19305,8 @@
                 <a:latin typeface="Times New Roman" pitchFamily="18" charset="0"/>
                 <a:cs typeface="Times New Roman" pitchFamily="18" charset="0"/>
               </a:rPr>
-              <a:t>Thực Nghiệm Và </a:t>
-            </a:r>
-            <a:r>
-              <a:rPr lang="en-US" sz="2800" b="1" dirty="0" smtClean="0">
-                <a:solidFill>
-                  <a:schemeClr val="bg1"/>
-                </a:solidFill>
-                <a:latin typeface="Times New Roman" pitchFamily="18" charset="0"/>
-                <a:cs typeface="Times New Roman" pitchFamily="18" charset="0"/>
-              </a:rPr>
-              <a:t>Đánh Giá</a:t>
-            </a:r>
-            <a:endParaRPr lang="en-US" sz="2800" b="1" dirty="0">
-              <a:solidFill>
-                <a:schemeClr val="bg1"/>
-              </a:solidFill>
-              <a:latin typeface="Times New Roman" pitchFamily="18" charset="0"/>
-              <a:cs typeface="Times New Roman" pitchFamily="18" charset="0"/>
-            </a:endParaRPr>
+              <a:t>Thực Nghiệm Và Đánh Giá</a:t>
+            </a:r>
           </a:p>
         </p:txBody>
       </p:sp>
@@ -19986,16 +19345,12 @@
           <a:p>
             <a:pPr algn="ctr"/>
             <a:r>
-              <a:rPr lang="en-US" sz="1400" b="1" dirty="0" smtClean="0">
+              <a:rPr lang="en-US" sz="1400" b="1" dirty="0">
                 <a:latin typeface="Arial" panose="020B0604020202020204" pitchFamily="34" charset="0"/>
                 <a:cs typeface="Arial" panose="020B0604020202020204" pitchFamily="34" charset="0"/>
               </a:rPr>
               <a:t>25</a:t>
             </a:r>
-            <a:endParaRPr lang="en-US" sz="1400" b="1" dirty="0">
-              <a:latin typeface="Arial" panose="020B0604020202020204" pitchFamily="34" charset="0"/>
-              <a:cs typeface="Arial" panose="020B0604020202020204" pitchFamily="34" charset="0"/>
-            </a:endParaRPr>
           </a:p>
         </p:txBody>
       </p:sp>
@@ -20024,11 +19379,41 @@
                 <a:tableStyleId>{5940675A-B579-460E-94D1-54222C63F5DA}</a:tableStyleId>
               </a:tblPr>
               <a:tblGrid>
-                <a:gridCol w="1411844"/>
-                <a:gridCol w="2353073"/>
-                <a:gridCol w="1817132"/>
-                <a:gridCol w="1091547"/>
-                <a:gridCol w="1091547"/>
+                <a:gridCol w="1411844">
+                  <a:extLst>
+                    <a:ext uri="{9D8B030D-6E8A-4147-A177-3AD203B41FA5}">
+                      <a16:colId xmlns:a16="http://schemas.microsoft.com/office/drawing/2014/main" xmlns="" val="20000"/>
+                    </a:ext>
+                  </a:extLst>
+                </a:gridCol>
+                <a:gridCol w="2353073">
+                  <a:extLst>
+                    <a:ext uri="{9D8B030D-6E8A-4147-A177-3AD203B41FA5}">
+                      <a16:colId xmlns:a16="http://schemas.microsoft.com/office/drawing/2014/main" xmlns="" val="20001"/>
+                    </a:ext>
+                  </a:extLst>
+                </a:gridCol>
+                <a:gridCol w="1817132">
+                  <a:extLst>
+                    <a:ext uri="{9D8B030D-6E8A-4147-A177-3AD203B41FA5}">
+                      <a16:colId xmlns:a16="http://schemas.microsoft.com/office/drawing/2014/main" xmlns="" val="20002"/>
+                    </a:ext>
+                  </a:extLst>
+                </a:gridCol>
+                <a:gridCol w="1091547">
+                  <a:extLst>
+                    <a:ext uri="{9D8B030D-6E8A-4147-A177-3AD203B41FA5}">
+                      <a16:colId xmlns:a16="http://schemas.microsoft.com/office/drawing/2014/main" xmlns="" val="20003"/>
+                    </a:ext>
+                  </a:extLst>
+                </a:gridCol>
+                <a:gridCol w="1091547">
+                  <a:extLst>
+                    <a:ext uri="{9D8B030D-6E8A-4147-A177-3AD203B41FA5}">
+                      <a16:colId xmlns:a16="http://schemas.microsoft.com/office/drawing/2014/main" xmlns="" val="20004"/>
+                    </a:ext>
+                  </a:extLst>
+                </a:gridCol>
               </a:tblGrid>
               <a:tr h="405218">
                 <a:tc>
@@ -20191,6 +19576,11 @@
                   </a:txBody>
                   <a:tcPr marL="68580" marR="68580" marT="0" marB="0"/>
                 </a:tc>
+                <a:extLst>
+                  <a:ext uri="{0D108BD9-81ED-4DB2-BD59-A6C34878D82A}">
+                    <a16:rowId xmlns:a16="http://schemas.microsoft.com/office/drawing/2014/main" xmlns="" val="10000"/>
+                  </a:ext>
+                </a:extLst>
               </a:tr>
               <a:tr h="711436">
                 <a:tc>
@@ -20353,6 +19743,11 @@
                   </a:txBody>
                   <a:tcPr marL="68580" marR="68580" marT="0" marB="0"/>
                 </a:tc>
+                <a:extLst>
+                  <a:ext uri="{0D108BD9-81ED-4DB2-BD59-A6C34878D82A}">
+                    <a16:rowId xmlns:a16="http://schemas.microsoft.com/office/drawing/2014/main" xmlns="" val="10001"/>
+                  </a:ext>
+                </a:extLst>
               </a:tr>
               <a:tr h="711436">
                 <a:tc>
@@ -20515,6 +19910,11 @@
                   </a:txBody>
                   <a:tcPr marL="68580" marR="68580" marT="0" marB="0"/>
                 </a:tc>
+                <a:extLst>
+                  <a:ext uri="{0D108BD9-81ED-4DB2-BD59-A6C34878D82A}">
+                    <a16:rowId xmlns:a16="http://schemas.microsoft.com/office/drawing/2014/main" xmlns="" val="10002"/>
+                  </a:ext>
+                </a:extLst>
               </a:tr>
               <a:tr h="711436">
                 <a:tc>
@@ -20677,6 +20077,11 @@
                   </a:txBody>
                   <a:tcPr marL="68580" marR="68580" marT="0" marB="0"/>
                 </a:tc>
+                <a:extLst>
+                  <a:ext uri="{0D108BD9-81ED-4DB2-BD59-A6C34878D82A}">
+                    <a16:rowId xmlns:a16="http://schemas.microsoft.com/office/drawing/2014/main" xmlns="" val="10003"/>
+                  </a:ext>
+                </a:extLst>
               </a:tr>
               <a:tr h="711436">
                 <a:tc>
@@ -20839,6 +20244,11 @@
                   </a:txBody>
                   <a:tcPr marL="68580" marR="68580" marT="0" marB="0"/>
                 </a:tc>
+                <a:extLst>
+                  <a:ext uri="{0D108BD9-81ED-4DB2-BD59-A6C34878D82A}">
+                    <a16:rowId xmlns:a16="http://schemas.microsoft.com/office/drawing/2014/main" xmlns="" val="10004"/>
+                  </a:ext>
+                </a:extLst>
               </a:tr>
               <a:tr h="711436">
                 <a:tc>
@@ -21001,6 +20411,11 @@
                   </a:txBody>
                   <a:tcPr marL="68580" marR="68580" marT="0" marB="0"/>
                 </a:tc>
+                <a:extLst>
+                  <a:ext uri="{0D108BD9-81ED-4DB2-BD59-A6C34878D82A}">
+                    <a16:rowId xmlns:a16="http://schemas.microsoft.com/office/drawing/2014/main" xmlns="" val="10005"/>
+                  </a:ext>
+                </a:extLst>
               </a:tr>
             </a:tbl>
           </a:graphicData>
@@ -21036,16 +20451,12 @@
               <a:t>Kết quả thực nghiệm </a:t>
             </a:r>
             <a:r>
-              <a:rPr lang="en-US" sz="2000" b="1" dirty="0" smtClean="0">
+              <a:rPr lang="en-US" sz="2000" b="1" dirty="0">
                 <a:latin typeface="Times New Roman" pitchFamily="18" charset="0"/>
                 <a:cs typeface="Times New Roman" pitchFamily="18" charset="0"/>
               </a:rPr>
               <a:t>trong 5 lần chạy</a:t>
             </a:r>
-            <a:endParaRPr lang="en-US" sz="2000" b="1" dirty="0">
-              <a:latin typeface="Times New Roman" pitchFamily="18" charset="0"/>
-              <a:cs typeface="Times New Roman" pitchFamily="18" charset="0"/>
-            </a:endParaRPr>
           </a:p>
         </p:txBody>
       </p:sp>
@@ -21062,13 +20473,6 @@
   <p:transition spd="slow">
     <p:push dir="u"/>
   </p:transition>
-  <p:timing>
-    <p:tnLst>
-      <p:par>
-        <p:cTn id="1" dur="indefinite" restart="never" nodeType="tmRoot"/>
-      </p:par>
-    </p:tnLst>
-  </p:timing>
 </p:sld>
 </file>
 
@@ -21296,7 +20700,7 @@
           <a:p>
             <a:pPr algn="ctr" eaLnBrk="1" hangingPunct="1"/>
             <a:r>
-              <a:rPr lang="en-US" altLang="en-US" sz="2800" b="1" dirty="0" smtClean="0">
+              <a:rPr lang="en-US" altLang="en-US" sz="2800" b="1" dirty="0">
                 <a:solidFill>
                   <a:srgbClr val="FFFFFF"/>
                 </a:solidFill>
@@ -21306,7 +20710,7 @@
               <a:t>III</a:t>
             </a:r>
             <a:r>
-              <a:rPr lang="vi-VN" altLang="en-US" sz="2800" b="1" dirty="0" smtClean="0">
+              <a:rPr lang="vi-VN" altLang="en-US" sz="2800" b="1" dirty="0">
                 <a:solidFill>
                   <a:srgbClr val="FFFFFF"/>
                 </a:solidFill>
@@ -21323,25 +20727,8 @@
                 <a:latin typeface="Times New Roman" pitchFamily="18" charset="0"/>
                 <a:cs typeface="Times New Roman" pitchFamily="18" charset="0"/>
               </a:rPr>
-              <a:t>Thực Nghiệm Và </a:t>
-            </a:r>
-            <a:r>
-              <a:rPr lang="en-US" sz="2800" b="1" dirty="0" smtClean="0">
-                <a:solidFill>
-                  <a:schemeClr val="bg1"/>
-                </a:solidFill>
-                <a:latin typeface="Times New Roman" pitchFamily="18" charset="0"/>
-                <a:cs typeface="Times New Roman" pitchFamily="18" charset="0"/>
-              </a:rPr>
-              <a:t>Đánh Giá</a:t>
-            </a:r>
-            <a:endParaRPr lang="en-US" sz="2800" b="1" dirty="0">
-              <a:solidFill>
-                <a:schemeClr val="bg1"/>
-              </a:solidFill>
-              <a:latin typeface="Times New Roman" pitchFamily="18" charset="0"/>
-              <a:cs typeface="Times New Roman" pitchFamily="18" charset="0"/>
-            </a:endParaRPr>
+              <a:t>Thực Nghiệm Và Đánh Giá</a:t>
+            </a:r>
           </a:p>
         </p:txBody>
       </p:sp>
@@ -21380,16 +20767,12 @@
           <a:p>
             <a:pPr algn="ctr"/>
             <a:r>
-              <a:rPr lang="en-US" sz="1400" b="1" dirty="0" smtClean="0">
+              <a:rPr lang="en-US" sz="1400" b="1" dirty="0">
                 <a:latin typeface="Arial" panose="020B0604020202020204" pitchFamily="34" charset="0"/>
                 <a:cs typeface="Arial" panose="020B0604020202020204" pitchFamily="34" charset="0"/>
               </a:rPr>
               <a:t>26</a:t>
             </a:r>
-            <a:endParaRPr lang="en-US" sz="1400" b="1" dirty="0">
-              <a:latin typeface="Arial" panose="020B0604020202020204" pitchFamily="34" charset="0"/>
-              <a:cs typeface="Arial" panose="020B0604020202020204" pitchFamily="34" charset="0"/>
-            </a:endParaRPr>
           </a:p>
         </p:txBody>
       </p:sp>
@@ -21418,10 +20801,34 @@
                 <a:tableStyleId>{5940675A-B579-460E-94D1-54222C63F5DA}</a:tableStyleId>
               </a:tblPr>
               <a:tblGrid>
-                <a:gridCol w="2416034"/>
-                <a:gridCol w="2335195"/>
-                <a:gridCol w="2129187"/>
-                <a:gridCol w="1044384"/>
+                <a:gridCol w="2416034">
+                  <a:extLst>
+                    <a:ext uri="{9D8B030D-6E8A-4147-A177-3AD203B41FA5}">
+                      <a16:colId xmlns:a16="http://schemas.microsoft.com/office/drawing/2014/main" xmlns="" val="20000"/>
+                    </a:ext>
+                  </a:extLst>
+                </a:gridCol>
+                <a:gridCol w="2335195">
+                  <a:extLst>
+                    <a:ext uri="{9D8B030D-6E8A-4147-A177-3AD203B41FA5}">
+                      <a16:colId xmlns:a16="http://schemas.microsoft.com/office/drawing/2014/main" xmlns="" val="20001"/>
+                    </a:ext>
+                  </a:extLst>
+                </a:gridCol>
+                <a:gridCol w="2129187">
+                  <a:extLst>
+                    <a:ext uri="{9D8B030D-6E8A-4147-A177-3AD203B41FA5}">
+                      <a16:colId xmlns:a16="http://schemas.microsoft.com/office/drawing/2014/main" xmlns="" val="20002"/>
+                    </a:ext>
+                  </a:extLst>
+                </a:gridCol>
+                <a:gridCol w="1044384">
+                  <a:extLst>
+                    <a:ext uri="{9D8B030D-6E8A-4147-A177-3AD203B41FA5}">
+                      <a16:colId xmlns:a16="http://schemas.microsoft.com/office/drawing/2014/main" xmlns="" val="20003"/>
+                    </a:ext>
+                  </a:extLst>
+                </a:gridCol>
               </a:tblGrid>
               <a:tr h="1260109">
                 <a:tc>
@@ -21552,6 +20959,11 @@
                   </a:txBody>
                   <a:tcPr marL="68580" marR="68580" marT="0" marB="0"/>
                 </a:tc>
+                <a:extLst>
+                  <a:ext uri="{0D108BD9-81ED-4DB2-BD59-A6C34878D82A}">
+                    <a16:rowId xmlns:a16="http://schemas.microsoft.com/office/drawing/2014/main" xmlns="" val="10000"/>
+                  </a:ext>
+                </a:extLst>
               </a:tr>
               <a:tr h="824564">
                 <a:tc>
@@ -21682,6 +21094,11 @@
                   </a:txBody>
                   <a:tcPr marL="68580" marR="68580" marT="0" marB="0"/>
                 </a:tc>
+                <a:extLst>
+                  <a:ext uri="{0D108BD9-81ED-4DB2-BD59-A6C34878D82A}">
+                    <a16:rowId xmlns:a16="http://schemas.microsoft.com/office/drawing/2014/main" xmlns="" val="10001"/>
+                  </a:ext>
+                </a:extLst>
               </a:tr>
               <a:tr h="824564">
                 <a:tc>
@@ -21812,6 +21229,11 @@
                   </a:txBody>
                   <a:tcPr marL="68580" marR="68580" marT="0" marB="0"/>
                 </a:tc>
+                <a:extLst>
+                  <a:ext uri="{0D108BD9-81ED-4DB2-BD59-A6C34878D82A}">
+                    <a16:rowId xmlns:a16="http://schemas.microsoft.com/office/drawing/2014/main" xmlns="" val="10002"/>
+                  </a:ext>
+                </a:extLst>
               </a:tr>
               <a:tr h="824564">
                 <a:tc>
@@ -21942,6 +21364,11 @@
                   </a:txBody>
                   <a:tcPr marL="68580" marR="68580" marT="0" marB="0"/>
                 </a:tc>
+                <a:extLst>
+                  <a:ext uri="{0D108BD9-81ED-4DB2-BD59-A6C34878D82A}">
+                    <a16:rowId xmlns:a16="http://schemas.microsoft.com/office/drawing/2014/main" xmlns="" val="10003"/>
+                  </a:ext>
+                </a:extLst>
               </a:tr>
             </a:tbl>
           </a:graphicData>
@@ -21996,13 +21423,6 @@
   <p:transition spd="slow">
     <p:push dir="u"/>
   </p:transition>
-  <p:timing>
-    <p:tnLst>
-      <p:par>
-        <p:cTn id="1" dur="indefinite" restart="never" nodeType="tmRoot"/>
-      </p:par>
-    </p:tnLst>
-  </p:timing>
 </p:sld>
 </file>
 
@@ -22230,7 +21650,7 @@
           <a:p>
             <a:pPr algn="ctr" eaLnBrk="1" hangingPunct="1"/>
             <a:r>
-              <a:rPr lang="en-US" altLang="en-US" sz="2800" b="1" dirty="0" smtClean="0">
+              <a:rPr lang="en-US" altLang="en-US" sz="2800" b="1" dirty="0">
                 <a:solidFill>
                   <a:srgbClr val="FFFFFF"/>
                 </a:solidFill>
@@ -22240,7 +21660,7 @@
               <a:t>III</a:t>
             </a:r>
             <a:r>
-              <a:rPr lang="vi-VN" altLang="en-US" sz="2800" b="1" dirty="0" smtClean="0">
+              <a:rPr lang="vi-VN" altLang="en-US" sz="2800" b="1" dirty="0">
                 <a:solidFill>
                   <a:srgbClr val="FFFFFF"/>
                 </a:solidFill>
@@ -22257,25 +21677,8 @@
                 <a:latin typeface="Times New Roman" pitchFamily="18" charset="0"/>
                 <a:cs typeface="Times New Roman" pitchFamily="18" charset="0"/>
               </a:rPr>
-              <a:t>Thực Nghiệm Và </a:t>
-            </a:r>
-            <a:r>
-              <a:rPr lang="en-US" sz="2800" b="1" dirty="0" smtClean="0">
-                <a:solidFill>
-                  <a:schemeClr val="bg1"/>
-                </a:solidFill>
-                <a:latin typeface="Times New Roman" pitchFamily="18" charset="0"/>
-                <a:cs typeface="Times New Roman" pitchFamily="18" charset="0"/>
-              </a:rPr>
-              <a:t>Đánh Giá</a:t>
-            </a:r>
-            <a:endParaRPr lang="en-US" sz="2800" b="1" dirty="0">
-              <a:solidFill>
-                <a:schemeClr val="bg1"/>
-              </a:solidFill>
-              <a:latin typeface="Times New Roman" pitchFamily="18" charset="0"/>
-              <a:cs typeface="Times New Roman" pitchFamily="18" charset="0"/>
-            </a:endParaRPr>
+              <a:t>Thực Nghiệm Và Đánh Giá</a:t>
+            </a:r>
           </a:p>
         </p:txBody>
       </p:sp>
@@ -22314,16 +21717,12 @@
           <a:p>
             <a:pPr algn="ctr"/>
             <a:r>
-              <a:rPr lang="en-US" sz="1400" b="1" dirty="0" smtClean="0">
+              <a:rPr lang="en-US" sz="1400" b="1" dirty="0">
                 <a:latin typeface="Arial" panose="020B0604020202020204" pitchFamily="34" charset="0"/>
                 <a:cs typeface="Arial" panose="020B0604020202020204" pitchFamily="34" charset="0"/>
               </a:rPr>
               <a:t>27</a:t>
             </a:r>
-            <a:endParaRPr lang="en-US" sz="1400" b="1" dirty="0">
-              <a:latin typeface="Arial" panose="020B0604020202020204" pitchFamily="34" charset="0"/>
-              <a:cs typeface="Arial" panose="020B0604020202020204" pitchFamily="34" charset="0"/>
-            </a:endParaRPr>
           </a:p>
         </p:txBody>
       </p:sp>
@@ -22351,25 +21750,18 @@
           <a:p>
             <a:pPr algn="ctr"/>
             <a:r>
-              <a:rPr lang="en-US" sz="2000" b="1" dirty="0" smtClean="0">
+              <a:rPr lang="en-US" sz="2000" b="1" dirty="0">
                 <a:latin typeface="Times New Roman" pitchFamily="18" charset="0"/>
                 <a:cs typeface="Times New Roman" pitchFamily="18" charset="0"/>
               </a:rPr>
               <a:t>Bảng s</a:t>
             </a:r>
             <a:r>
-              <a:rPr lang="vi-VN" sz="2000" b="1" dirty="0" smtClean="0">
-                <a:latin typeface="Times New Roman" pitchFamily="18" charset="0"/>
-                <a:cs typeface="Times New Roman" pitchFamily="18" charset="0"/>
-              </a:rPr>
-              <a:t>o </a:t>
-            </a:r>
-            <a:r>
               <a:rPr lang="vi-VN" sz="2000" b="1" dirty="0">
                 <a:latin typeface="Times New Roman" pitchFamily="18" charset="0"/>
                 <a:cs typeface="Times New Roman" pitchFamily="18" charset="0"/>
               </a:rPr>
-              <a:t>sánh độ hiệu quả giữa các phương pháp phân lớp</a:t>
+              <a:t>o sánh độ hiệu quả giữa các phương pháp phân lớp</a:t>
             </a:r>
             <a:endParaRPr lang="en-US" sz="2000" b="1" dirty="0">
               <a:latin typeface="Times New Roman" pitchFamily="18" charset="0"/>
@@ -22413,13 +21805,6 @@
   <p:transition spd="slow">
     <p:push dir="u"/>
   </p:transition>
-  <p:timing>
-    <p:tnLst>
-      <p:par>
-        <p:cTn id="1" dur="indefinite" restart="never" nodeType="tmRoot"/>
-      </p:par>
-    </p:tnLst>
-  </p:timing>
 </p:sld>
 </file>
 
@@ -22594,11 +21979,11 @@
           <a:p>
             <a:pPr algn="ctr" eaLnBrk="1" hangingPunct="1"/>
             <a:r>
-              <a:rPr lang="vi-VN" altLang="en-US" sz="3600" b="1" dirty="0" smtClean="0">
+              <a:rPr lang="vi-VN" altLang="en-US" sz="3600" b="1" dirty="0">
                 <a:solidFill>
                   <a:srgbClr val="404040"/>
                 </a:solidFill>
-                <a:latin typeface="Arial" charset="0"/>
+                <a:latin typeface="+mj-lt"/>
               </a:rPr>
               <a:t>Nội Dung Trình  Bày</a:t>
             </a:r>
@@ -22606,7 +21991,7 @@
               <a:solidFill>
                 <a:srgbClr val="404040"/>
               </a:solidFill>
-              <a:latin typeface="Arial" charset="0"/>
+              <a:latin typeface="+mj-lt"/>
             </a:endParaRPr>
           </a:p>
         </p:txBody>
@@ -23125,7 +22510,7 @@
           <a:p>
             <a:pPr algn="ctr"/>
             <a:r>
-              <a:rPr lang="en-US" sz="2800" b="1" dirty="0" smtClean="0">
+              <a:rPr lang="en-US" sz="2800" b="1" dirty="0">
                 <a:solidFill>
                   <a:schemeClr val="bg1"/>
                 </a:solidFill>
@@ -23133,12 +22518,6 @@
               </a:rPr>
               <a:t>I</a:t>
             </a:r>
-            <a:endParaRPr lang="en-US" sz="2800" b="1" dirty="0">
-              <a:solidFill>
-                <a:schemeClr val="bg1"/>
-              </a:solidFill>
-              <a:latin typeface="Comic Sans MS" pitchFamily="66" charset="0"/>
-            </a:endParaRPr>
           </a:p>
         </p:txBody>
       </p:sp>
@@ -23174,7 +22553,7 @@
           <a:p>
             <a:pPr algn="ctr"/>
             <a:r>
-              <a:rPr lang="en-US" sz="2800" b="1" dirty="0" smtClean="0">
+              <a:rPr lang="en-US" sz="2800" b="1" dirty="0">
                 <a:solidFill>
                   <a:schemeClr val="bg1"/>
                 </a:solidFill>
@@ -23182,12 +22561,6 @@
               </a:rPr>
               <a:t>II</a:t>
             </a:r>
-            <a:endParaRPr lang="en-US" sz="2800" b="1" dirty="0">
-              <a:solidFill>
-                <a:schemeClr val="bg1"/>
-              </a:solidFill>
-              <a:latin typeface="Comic Sans MS" pitchFamily="66" charset="0"/>
-            </a:endParaRPr>
           </a:p>
         </p:txBody>
       </p:sp>
@@ -23223,7 +22596,7 @@
           <a:p>
             <a:pPr algn="ctr"/>
             <a:r>
-              <a:rPr lang="en-US" sz="2800" b="1" dirty="0" smtClean="0">
+              <a:rPr lang="en-US" sz="2800" b="1" dirty="0">
                 <a:solidFill>
                   <a:schemeClr val="bg1"/>
                 </a:solidFill>
@@ -23231,12 +22604,6 @@
               </a:rPr>
               <a:t>III</a:t>
             </a:r>
-            <a:endParaRPr lang="en-US" sz="2800" b="1" dirty="0">
-              <a:solidFill>
-                <a:schemeClr val="bg1"/>
-              </a:solidFill>
-              <a:latin typeface="Comic Sans MS" pitchFamily="66" charset="0"/>
-            </a:endParaRPr>
           </a:p>
         </p:txBody>
       </p:sp>
@@ -23272,7 +22639,7 @@
           <a:p>
             <a:pPr algn="ctr"/>
             <a:r>
-              <a:rPr lang="en-US" sz="2800" b="1" dirty="0" smtClean="0">
+              <a:rPr lang="en-US" sz="2800" b="1" dirty="0">
                 <a:solidFill>
                   <a:schemeClr val="bg1"/>
                 </a:solidFill>
@@ -23280,12 +22647,6 @@
               </a:rPr>
               <a:t>IV</a:t>
             </a:r>
-            <a:endParaRPr lang="en-US" sz="2800" b="1" dirty="0">
-              <a:solidFill>
-                <a:schemeClr val="bg1"/>
-              </a:solidFill>
-              <a:latin typeface="Comic Sans MS" pitchFamily="66" charset="0"/>
-            </a:endParaRPr>
           </a:p>
         </p:txBody>
       </p:sp>
@@ -23320,7 +22681,7 @@
           <a:lstStyle/>
           <a:p>
             <a:r>
-              <a:rPr lang="en-US" sz="2800" b="1" dirty="0" smtClean="0">
+              <a:rPr lang="en-US" sz="2800" b="1" dirty="0">
                 <a:solidFill>
                   <a:schemeClr val="bg1"/>
                 </a:solidFill>
@@ -23367,7 +22728,7 @@
           <a:lstStyle/>
           <a:p>
             <a:r>
-              <a:rPr lang="en-US" sz="2800" b="1" dirty="0" smtClean="0">
+              <a:rPr lang="en-US" sz="2800" b="1" dirty="0">
                 <a:solidFill>
                   <a:schemeClr val="bg1"/>
                 </a:solidFill>
@@ -23414,7 +22775,7 @@
           <a:lstStyle/>
           <a:p>
             <a:r>
-              <a:rPr lang="en-US" sz="2800" b="1" dirty="0" smtClean="0">
+              <a:rPr lang="en-US" sz="2800" b="1" dirty="0">
                 <a:solidFill>
                   <a:schemeClr val="bg1"/>
                 </a:solidFill>
@@ -23423,13 +22784,6 @@
               </a:rPr>
               <a:t>Thực Nghiệm Và Đánh Giá</a:t>
             </a:r>
-            <a:endParaRPr lang="en-US" sz="2800" b="1" dirty="0">
-              <a:solidFill>
-                <a:schemeClr val="bg1"/>
-              </a:solidFill>
-              <a:latin typeface="Times New Roman" pitchFamily="18" charset="0"/>
-              <a:cs typeface="Times New Roman" pitchFamily="18" charset="0"/>
-            </a:endParaRPr>
           </a:p>
         </p:txBody>
       </p:sp>
@@ -23464,7 +22818,7 @@
           <a:lstStyle/>
           <a:p>
             <a:r>
-              <a:rPr lang="en-US" sz="2800" b="1" dirty="0" smtClean="0">
+              <a:rPr lang="en-US" sz="2800" b="1" dirty="0">
                 <a:solidFill>
                   <a:schemeClr val="bg1"/>
                 </a:solidFill>
@@ -23473,13 +22827,6 @@
               </a:rPr>
               <a:t>Kết Luận Và Hướng Phát Triển</a:t>
             </a:r>
-            <a:endParaRPr lang="en-US" sz="2800" b="1" dirty="0">
-              <a:solidFill>
-                <a:schemeClr val="bg1"/>
-              </a:solidFill>
-              <a:latin typeface="Times New Roman" pitchFamily="18" charset="0"/>
-              <a:cs typeface="Times New Roman" pitchFamily="18" charset="0"/>
-            </a:endParaRPr>
           </a:p>
         </p:txBody>
       </p:sp>
@@ -23518,16 +22865,12 @@
           <a:p>
             <a:pPr algn="ctr"/>
             <a:r>
-              <a:rPr lang="en-US" sz="1400" b="1" dirty="0" smtClean="0">
+              <a:rPr lang="en-US" sz="1400" b="1" dirty="0">
                 <a:latin typeface="Arial" panose="020B0604020202020204" pitchFamily="34" charset="0"/>
                 <a:cs typeface="Arial" panose="020B0604020202020204" pitchFamily="34" charset="0"/>
               </a:rPr>
               <a:t>1</a:t>
             </a:r>
-            <a:endParaRPr lang="en-US" sz="1400" b="1" dirty="0">
-              <a:latin typeface="Arial" panose="020B0604020202020204" pitchFamily="34" charset="0"/>
-              <a:cs typeface="Arial" panose="020B0604020202020204" pitchFamily="34" charset="0"/>
-            </a:endParaRPr>
           </a:p>
         </p:txBody>
       </p:sp>
@@ -24127,15 +23470,33 @@
                                   </p:childTnLst>
                                 </p:cTn>
                               </p:par>
+                            </p:childTnLst>
+                          </p:cTn>
+                        </p:par>
+                      </p:childTnLst>
+                    </p:cTn>
+                  </p:par>
+                  <p:par>
+                    <p:cTn id="53" fill="hold">
+                      <p:stCondLst>
+                        <p:cond delay="indefinite"/>
+                      </p:stCondLst>
+                      <p:childTnLst>
+                        <p:par>
+                          <p:cTn id="54" fill="hold">
+                            <p:stCondLst>
+                              <p:cond delay="0"/>
+                            </p:stCondLst>
+                            <p:childTnLst>
                               <p:par>
-                                <p:cTn id="53" presetID="32" presetClass="emph" presetSubtype="0" fill="hold" grpId="1" nodeType="withEffect">
+                                <p:cTn id="55" presetID="32" presetClass="emph" presetSubtype="0" fill="hold" grpId="1" nodeType="clickEffect">
                                   <p:stCondLst>
-                                    <p:cond delay="500"/>
+                                    <p:cond delay="0"/>
                                   </p:stCondLst>
                                   <p:childTnLst>
                                     <p:animRot by="120000">
                                       <p:cBhvr>
-                                        <p:cTn id="54" dur="100" fill="hold">
+                                        <p:cTn id="56" dur="100" fill="hold">
                                           <p:stCondLst>
                                             <p:cond delay="0"/>
                                           </p:stCondLst>
@@ -24150,7 +23511,7 @@
                                     </p:animRot>
                                     <p:animRot by="-240000">
                                       <p:cBhvr>
-                                        <p:cTn id="55" dur="200" fill="hold">
+                                        <p:cTn id="57" dur="200" fill="hold">
                                           <p:stCondLst>
                                             <p:cond delay="200"/>
                                           </p:stCondLst>
@@ -24165,7 +23526,7 @@
                                     </p:animRot>
                                     <p:animRot by="240000">
                                       <p:cBhvr>
-                                        <p:cTn id="56" dur="200" fill="hold">
+                                        <p:cTn id="58" dur="200" fill="hold">
                                           <p:stCondLst>
                                             <p:cond delay="400"/>
                                           </p:stCondLst>
@@ -24180,7 +23541,7 @@
                                     </p:animRot>
                                     <p:animRot by="-240000">
                                       <p:cBhvr>
-                                        <p:cTn id="57" dur="200" fill="hold">
+                                        <p:cTn id="59" dur="200" fill="hold">
                                           <p:stCondLst>
                                             <p:cond delay="600"/>
                                           </p:stCondLst>
@@ -24195,7 +23556,7 @@
                                     </p:animRot>
                                     <p:animRot by="120000">
                                       <p:cBhvr>
-                                        <p:cTn id="58" dur="200" fill="hold">
+                                        <p:cTn id="60" dur="200" fill="hold">
                                           <p:stCondLst>
                                             <p:cond delay="800"/>
                                           </p:stCondLst>
@@ -24212,14 +23573,14 @@
                                 </p:cTn>
                               </p:par>
                               <p:par>
-                                <p:cTn id="59" presetID="32" presetClass="emph" presetSubtype="0" fill="hold" grpId="1" nodeType="withEffect">
+                                <p:cTn id="61" presetID="32" presetClass="emph" presetSubtype="0" fill="hold" grpId="1" nodeType="withEffect">
                                   <p:stCondLst>
-                                    <p:cond delay="500"/>
+                                    <p:cond delay="0"/>
                                   </p:stCondLst>
                                   <p:childTnLst>
                                     <p:animRot by="120000">
                                       <p:cBhvr>
-                                        <p:cTn id="60" dur="100" fill="hold">
+                                        <p:cTn id="62" dur="100" fill="hold">
                                           <p:stCondLst>
                                             <p:cond delay="0"/>
                                           </p:stCondLst>
@@ -24234,7 +23595,7 @@
                                     </p:animRot>
                                     <p:animRot by="-240000">
                                       <p:cBhvr>
-                                        <p:cTn id="61" dur="200" fill="hold">
+                                        <p:cTn id="63" dur="200" fill="hold">
                                           <p:stCondLst>
                                             <p:cond delay="200"/>
                                           </p:stCondLst>
@@ -24249,7 +23610,7 @@
                                     </p:animRot>
                                     <p:animRot by="240000">
                                       <p:cBhvr>
-                                        <p:cTn id="62" dur="200" fill="hold">
+                                        <p:cTn id="64" dur="200" fill="hold">
                                           <p:stCondLst>
                                             <p:cond delay="400"/>
                                           </p:stCondLst>
@@ -24264,7 +23625,7 @@
                                     </p:animRot>
                                     <p:animRot by="-240000">
                                       <p:cBhvr>
-                                        <p:cTn id="63" dur="200" fill="hold">
+                                        <p:cTn id="65" dur="200" fill="hold">
                                           <p:stCondLst>
                                             <p:cond delay="600"/>
                                           </p:stCondLst>
@@ -24279,7 +23640,7 @@
                                     </p:animRot>
                                     <p:animRot by="120000">
                                       <p:cBhvr>
-                                        <p:cTn id="64" dur="200" fill="hold">
+                                        <p:cTn id="66" dur="200" fill="hold">
                                           <p:stCondLst>
                                             <p:cond delay="800"/>
                                           </p:stCondLst>
@@ -24296,14 +23657,14 @@
                                 </p:cTn>
                               </p:par>
                               <p:par>
-                                <p:cTn id="65" presetID="32" presetClass="emph" presetSubtype="0" fill="hold" grpId="1" nodeType="withEffect">
+                                <p:cTn id="67" presetID="32" presetClass="emph" presetSubtype="0" fill="hold" grpId="1" nodeType="withEffect">
                                   <p:stCondLst>
-                                    <p:cond delay="500"/>
+                                    <p:cond delay="0"/>
                                   </p:stCondLst>
                                   <p:childTnLst>
                                     <p:animRot by="120000">
                                       <p:cBhvr>
-                                        <p:cTn id="66" dur="100" fill="hold">
+                                        <p:cTn id="68" dur="100" fill="hold">
                                           <p:stCondLst>
                                             <p:cond delay="0"/>
                                           </p:stCondLst>
@@ -24318,7 +23679,7 @@
                                     </p:animRot>
                                     <p:animRot by="-240000">
                                       <p:cBhvr>
-                                        <p:cTn id="67" dur="200" fill="hold">
+                                        <p:cTn id="69" dur="200" fill="hold">
                                           <p:stCondLst>
                                             <p:cond delay="200"/>
                                           </p:stCondLst>
@@ -24333,7 +23694,7 @@
                                     </p:animRot>
                                     <p:animRot by="240000">
                                       <p:cBhvr>
-                                        <p:cTn id="68" dur="200" fill="hold">
+                                        <p:cTn id="70" dur="200" fill="hold">
                                           <p:stCondLst>
                                             <p:cond delay="400"/>
                                           </p:stCondLst>
@@ -24348,7 +23709,7 @@
                                     </p:animRot>
                                     <p:animRot by="-240000">
                                       <p:cBhvr>
-                                        <p:cTn id="69" dur="200" fill="hold">
+                                        <p:cTn id="71" dur="200" fill="hold">
                                           <p:stCondLst>
                                             <p:cond delay="600"/>
                                           </p:stCondLst>
@@ -24363,7 +23724,7 @@
                                     </p:animRot>
                                     <p:animRot by="120000">
                                       <p:cBhvr>
-                                        <p:cTn id="70" dur="200" fill="hold">
+                                        <p:cTn id="72" dur="200" fill="hold">
                                           <p:stCondLst>
                                             <p:cond delay="800"/>
                                           </p:stCondLst>
@@ -24380,14 +23741,14 @@
                                 </p:cTn>
                               </p:par>
                               <p:par>
-                                <p:cTn id="71" presetID="32" presetClass="emph" presetSubtype="0" fill="hold" grpId="1" nodeType="withEffect">
+                                <p:cTn id="73" presetID="32" presetClass="emph" presetSubtype="0" fill="hold" grpId="1" nodeType="withEffect">
                                   <p:stCondLst>
-                                    <p:cond delay="500"/>
+                                    <p:cond delay="0"/>
                                   </p:stCondLst>
                                   <p:childTnLst>
                                     <p:animRot by="120000">
                                       <p:cBhvr>
-                                        <p:cTn id="72" dur="100" fill="hold">
+                                        <p:cTn id="74" dur="100" fill="hold">
                                           <p:stCondLst>
                                             <p:cond delay="0"/>
                                           </p:stCondLst>
@@ -24402,7 +23763,7 @@
                                     </p:animRot>
                                     <p:animRot by="-240000">
                                       <p:cBhvr>
-                                        <p:cTn id="73" dur="200" fill="hold">
+                                        <p:cTn id="75" dur="200" fill="hold">
                                           <p:stCondLst>
                                             <p:cond delay="200"/>
                                           </p:stCondLst>
@@ -24417,7 +23778,7 @@
                                     </p:animRot>
                                     <p:animRot by="240000">
                                       <p:cBhvr>
-                                        <p:cTn id="74" dur="200" fill="hold">
+                                        <p:cTn id="76" dur="200" fill="hold">
                                           <p:stCondLst>
                                             <p:cond delay="400"/>
                                           </p:stCondLst>
@@ -24432,7 +23793,7 @@
                                     </p:animRot>
                                     <p:animRot by="-240000">
                                       <p:cBhvr>
-                                        <p:cTn id="75" dur="200" fill="hold">
+                                        <p:cTn id="77" dur="200" fill="hold">
                                           <p:stCondLst>
                                             <p:cond delay="600"/>
                                           </p:stCondLst>
@@ -24447,7 +23808,7 @@
                                     </p:animRot>
                                     <p:animRot by="120000">
                                       <p:cBhvr>
-                                        <p:cTn id="76" dur="200" fill="hold">
+                                        <p:cTn id="78" dur="200" fill="hold">
                                           <p:stCondLst>
                                             <p:cond delay="800"/>
                                           </p:stCondLst>
@@ -24740,7 +24101,7 @@
           <a:p>
             <a:pPr algn="ctr" eaLnBrk="1" hangingPunct="1"/>
             <a:r>
-              <a:rPr lang="en-US" altLang="en-US" sz="2800" b="1" dirty="0" smtClean="0">
+              <a:rPr lang="en-US" altLang="en-US" sz="2800" b="1" dirty="0">
                 <a:solidFill>
                   <a:srgbClr val="FFFFFF"/>
                 </a:solidFill>
@@ -24750,7 +24111,7 @@
               <a:t>III</a:t>
             </a:r>
             <a:r>
-              <a:rPr lang="vi-VN" altLang="en-US" sz="2800" b="1" dirty="0" smtClean="0">
+              <a:rPr lang="vi-VN" altLang="en-US" sz="2800" b="1" dirty="0">
                 <a:solidFill>
                   <a:srgbClr val="FFFFFF"/>
                 </a:solidFill>
@@ -24767,25 +24128,8 @@
                 <a:latin typeface="Times New Roman" pitchFamily="18" charset="0"/>
                 <a:cs typeface="Times New Roman" pitchFamily="18" charset="0"/>
               </a:rPr>
-              <a:t>Thực Nghiệm Và </a:t>
-            </a:r>
-            <a:r>
-              <a:rPr lang="en-US" sz="2800" b="1" dirty="0" smtClean="0">
-                <a:solidFill>
-                  <a:schemeClr val="bg1"/>
-                </a:solidFill>
-                <a:latin typeface="Times New Roman" pitchFamily="18" charset="0"/>
-                <a:cs typeface="Times New Roman" pitchFamily="18" charset="0"/>
-              </a:rPr>
-              <a:t>Đánh Giá</a:t>
-            </a:r>
-            <a:endParaRPr lang="en-US" sz="2800" b="1" dirty="0">
-              <a:solidFill>
-                <a:schemeClr val="bg1"/>
-              </a:solidFill>
-              <a:latin typeface="Times New Roman" pitchFamily="18" charset="0"/>
-              <a:cs typeface="Times New Roman" pitchFamily="18" charset="0"/>
-            </a:endParaRPr>
+              <a:t>Thực Nghiệm Và Đánh Giá</a:t>
+            </a:r>
           </a:p>
         </p:txBody>
       </p:sp>
@@ -24824,16 +24168,12 @@
           <a:p>
             <a:pPr algn="ctr"/>
             <a:r>
-              <a:rPr lang="en-US" sz="1400" b="1" dirty="0" smtClean="0">
+              <a:rPr lang="en-US" sz="1400" b="1" dirty="0">
                 <a:latin typeface="Arial" panose="020B0604020202020204" pitchFamily="34" charset="0"/>
                 <a:cs typeface="Arial" panose="020B0604020202020204" pitchFamily="34" charset="0"/>
               </a:rPr>
               <a:t>28</a:t>
             </a:r>
-            <a:endParaRPr lang="en-US" sz="1400" b="1" dirty="0">
-              <a:latin typeface="Arial" panose="020B0604020202020204" pitchFamily="34" charset="0"/>
-              <a:cs typeface="Arial" panose="020B0604020202020204" pitchFamily="34" charset="0"/>
-            </a:endParaRPr>
           </a:p>
         </p:txBody>
       </p:sp>
@@ -24873,34 +24213,20 @@
               <a:t>X</a:t>
             </a:r>
             <a:r>
-              <a:rPr lang="vi-VN" sz="2400" dirty="0" smtClean="0">
-                <a:latin typeface="Times New Roman" pitchFamily="18" charset="0"/>
-                <a:cs typeface="Times New Roman" pitchFamily="18" charset="0"/>
-              </a:rPr>
-              <a:t>ây </a:t>
-            </a:r>
-            <a:r>
               <a:rPr lang="vi-VN" sz="2400" dirty="0">
                 <a:latin typeface="Times New Roman" pitchFamily="18" charset="0"/>
                 <a:cs typeface="Times New Roman" pitchFamily="18" charset="0"/>
               </a:rPr>
-              <a:t>dựng được một bộ phân lớp ý kiến đánh giá với độ chính xác lên tới </a:t>
+              <a:t>ây dựng được một bộ phân lớp ý kiến đánh giá với độ chính xác lên tới </a:t>
             </a:r>
             <a:r>
               <a:rPr lang="vi-VN" sz="2400" b="1" dirty="0">
                 <a:latin typeface="Times New Roman" pitchFamily="18" charset="0"/>
                 <a:cs typeface="Times New Roman" pitchFamily="18" charset="0"/>
               </a:rPr>
-              <a:t>83</a:t>
-            </a:r>
-            <a:r>
-              <a:rPr lang="vi-VN" sz="2400" b="1" dirty="0" smtClean="0">
-                <a:latin typeface="Times New Roman" pitchFamily="18" charset="0"/>
-                <a:cs typeface="Times New Roman" pitchFamily="18" charset="0"/>
-              </a:rPr>
-              <a:t>%.</a:t>
-            </a:r>
-            <a:endParaRPr lang="en-US" sz="2400" b="1" dirty="0" smtClean="0">
+              <a:t>83%.</a:t>
+            </a:r>
+            <a:endParaRPr lang="en-US" sz="2400" b="1" dirty="0">
               <a:latin typeface="Times New Roman" pitchFamily="18" charset="0"/>
               <a:cs typeface="Times New Roman" pitchFamily="18" charset="0"/>
             </a:endParaRPr>
@@ -24934,41 +24260,13 @@
               <a:t>S</a:t>
             </a:r>
             <a:r>
-              <a:rPr lang="vi-VN" sz="2400" dirty="0" smtClean="0">
-                <a:latin typeface="Times New Roman" pitchFamily="18" charset="0"/>
-                <a:cs typeface="Times New Roman" pitchFamily="18" charset="0"/>
-              </a:rPr>
-              <a:t>o sánh </a:t>
-            </a:r>
-            <a:r>
               <a:rPr lang="vi-VN" sz="2400" dirty="0">
                 <a:latin typeface="Times New Roman" pitchFamily="18" charset="0"/>
                 <a:cs typeface="Times New Roman" pitchFamily="18" charset="0"/>
               </a:rPr>
-              <a:t>một số phương pháp phân lớp </a:t>
-            </a:r>
-            <a:r>
-              <a:rPr lang="vi-VN" sz="2400" dirty="0" smtClean="0">
-                <a:latin typeface="Times New Roman" pitchFamily="18" charset="0"/>
-                <a:cs typeface="Times New Roman" pitchFamily="18" charset="0"/>
-              </a:rPr>
-              <a:t>trên </a:t>
-            </a:r>
-            <a:r>
-              <a:rPr lang="vi-VN" sz="2400" dirty="0">
-                <a:latin typeface="Times New Roman" pitchFamily="18" charset="0"/>
-                <a:cs typeface="Times New Roman" pitchFamily="18" charset="0"/>
-              </a:rPr>
-              <a:t>cùng tập dữ liệu từ đó làm cơ sở lý thuyết tham khảo cho các nghiên cứu liên quan</a:t>
-            </a:r>
-            <a:r>
-              <a:rPr lang="vi-VN" sz="2400" dirty="0" smtClean="0">
-                <a:latin typeface="Times New Roman" pitchFamily="18" charset="0"/>
-                <a:cs typeface="Times New Roman" pitchFamily="18" charset="0"/>
-              </a:rPr>
-              <a:t>.</a:t>
-            </a:r>
-            <a:endParaRPr lang="en-US" sz="2400" dirty="0" smtClean="0">
+              <a:t>o sánh một số phương pháp phân lớp trên cùng tập dữ liệu từ đó làm cơ sở lý thuyết tham khảo cho các nghiên cứu liên quan.</a:t>
+            </a:r>
+            <a:endParaRPr lang="en-US" sz="2400" dirty="0">
               <a:latin typeface="Times New Roman" pitchFamily="18" charset="0"/>
               <a:cs typeface="Times New Roman" pitchFamily="18" charset="0"/>
             </a:endParaRPr>
@@ -24998,16 +24296,12 @@
           <a:lstStyle/>
           <a:p>
             <a:r>
-              <a:rPr lang="en-US" sz="2800" b="1" dirty="0" smtClean="0">
+              <a:rPr lang="en-US" sz="2800" b="1" dirty="0">
                 <a:latin typeface="Times New Roman" pitchFamily="18" charset="0"/>
                 <a:cs typeface="Times New Roman" pitchFamily="18" charset="0"/>
               </a:rPr>
               <a:t>Kết quả đạt được</a:t>
             </a:r>
-            <a:endParaRPr lang="en-US" sz="2800" b="1" dirty="0">
-              <a:latin typeface="Times New Roman" pitchFamily="18" charset="0"/>
-              <a:cs typeface="Times New Roman" pitchFamily="18" charset="0"/>
-            </a:endParaRPr>
           </a:p>
         </p:txBody>
       </p:sp>
@@ -25024,13 +24318,6 @@
   <p:transition spd="slow">
     <p:push dir="u"/>
   </p:transition>
-  <p:timing>
-    <p:tnLst>
-      <p:par>
-        <p:cTn id="1" dur="indefinite" restart="never" nodeType="tmRoot"/>
-      </p:par>
-    </p:tnLst>
-  </p:timing>
 </p:sld>
 </file>
 
@@ -25205,7 +24492,7 @@
           <a:p>
             <a:pPr algn="ctr" eaLnBrk="1" hangingPunct="1"/>
             <a:r>
-              <a:rPr lang="vi-VN" altLang="en-US" sz="3600" b="1" dirty="0" smtClean="0">
+              <a:rPr lang="vi-VN" altLang="en-US" sz="3600" b="1" dirty="0">
                 <a:solidFill>
                   <a:srgbClr val="404040"/>
                 </a:solidFill>
@@ -25736,7 +25023,7 @@
           <a:p>
             <a:pPr algn="ctr"/>
             <a:r>
-              <a:rPr lang="en-US" sz="2800" b="1" dirty="0" smtClean="0">
+              <a:rPr lang="en-US" sz="2800" b="1" dirty="0">
                 <a:solidFill>
                   <a:schemeClr val="bg1"/>
                 </a:solidFill>
@@ -25744,12 +25031,6 @@
               </a:rPr>
               <a:t>I</a:t>
             </a:r>
-            <a:endParaRPr lang="en-US" sz="2800" b="1" dirty="0">
-              <a:solidFill>
-                <a:schemeClr val="bg1"/>
-              </a:solidFill>
-              <a:latin typeface="Comic Sans MS" pitchFamily="66" charset="0"/>
-            </a:endParaRPr>
           </a:p>
         </p:txBody>
       </p:sp>
@@ -25785,7 +25066,7 @@
           <a:p>
             <a:pPr algn="ctr"/>
             <a:r>
-              <a:rPr lang="en-US" sz="2800" b="1" dirty="0" smtClean="0">
+              <a:rPr lang="en-US" sz="2800" b="1" dirty="0">
                 <a:solidFill>
                   <a:schemeClr val="bg1"/>
                 </a:solidFill>
@@ -25793,12 +25074,6 @@
               </a:rPr>
               <a:t>II</a:t>
             </a:r>
-            <a:endParaRPr lang="en-US" sz="2800" b="1" dirty="0">
-              <a:solidFill>
-                <a:schemeClr val="bg1"/>
-              </a:solidFill>
-              <a:latin typeface="Comic Sans MS" pitchFamily="66" charset="0"/>
-            </a:endParaRPr>
           </a:p>
         </p:txBody>
       </p:sp>
@@ -25834,7 +25109,7 @@
           <a:p>
             <a:pPr algn="ctr"/>
             <a:r>
-              <a:rPr lang="en-US" sz="2800" b="1" dirty="0" smtClean="0">
+              <a:rPr lang="en-US" sz="2800" b="1" dirty="0">
                 <a:solidFill>
                   <a:schemeClr val="bg1"/>
                 </a:solidFill>
@@ -25842,12 +25117,6 @@
               </a:rPr>
               <a:t>III</a:t>
             </a:r>
-            <a:endParaRPr lang="en-US" sz="2800" b="1" dirty="0">
-              <a:solidFill>
-                <a:schemeClr val="bg1"/>
-              </a:solidFill>
-              <a:latin typeface="Comic Sans MS" pitchFamily="66" charset="0"/>
-            </a:endParaRPr>
           </a:p>
         </p:txBody>
       </p:sp>
@@ -25883,7 +25152,7 @@
           <a:p>
             <a:pPr algn="ctr"/>
             <a:r>
-              <a:rPr lang="en-US" sz="2800" b="1" dirty="0" smtClean="0">
+              <a:rPr lang="en-US" sz="2800" b="1" dirty="0">
                 <a:solidFill>
                   <a:schemeClr val="bg1"/>
                 </a:solidFill>
@@ -25891,12 +25160,6 @@
               </a:rPr>
               <a:t>IV</a:t>
             </a:r>
-            <a:endParaRPr lang="en-US" sz="2800" b="1" dirty="0">
-              <a:solidFill>
-                <a:schemeClr val="bg1"/>
-              </a:solidFill>
-              <a:latin typeface="Comic Sans MS" pitchFamily="66" charset="0"/>
-            </a:endParaRPr>
           </a:p>
         </p:txBody>
       </p:sp>
@@ -25931,7 +25194,7 @@
           <a:lstStyle/>
           <a:p>
             <a:r>
-              <a:rPr lang="en-US" sz="2800" b="1" dirty="0" smtClean="0">
+              <a:rPr lang="en-US" sz="2800" b="1" dirty="0">
                 <a:solidFill>
                   <a:schemeClr val="bg1"/>
                 </a:solidFill>
@@ -25978,7 +25241,7 @@
           <a:lstStyle/>
           <a:p>
             <a:r>
-              <a:rPr lang="en-US" sz="2800" b="1" dirty="0" smtClean="0">
+              <a:rPr lang="en-US" sz="2800" b="1" dirty="0">
                 <a:solidFill>
                   <a:schemeClr val="bg1"/>
                 </a:solidFill>
@@ -26115,16 +25378,12 @@
           <a:p>
             <a:pPr algn="ctr"/>
             <a:r>
-              <a:rPr lang="en-US" sz="1400" b="1" dirty="0" smtClean="0">
+              <a:rPr lang="en-US" sz="1400" b="1" dirty="0">
                 <a:latin typeface="Arial" panose="020B0604020202020204" pitchFamily="34" charset="0"/>
                 <a:cs typeface="Arial" panose="020B0604020202020204" pitchFamily="34" charset="0"/>
               </a:rPr>
               <a:t>29</a:t>
             </a:r>
-            <a:endParaRPr lang="en-US" sz="1400" b="1" dirty="0">
-              <a:latin typeface="Arial" panose="020B0604020202020204" pitchFamily="34" charset="0"/>
-              <a:cs typeface="Arial" panose="020B0604020202020204" pitchFamily="34" charset="0"/>
-            </a:endParaRPr>
           </a:p>
         </p:txBody>
       </p:sp>
@@ -26724,15 +25983,33 @@
                                   </p:childTnLst>
                                 </p:cTn>
                               </p:par>
+                            </p:childTnLst>
+                          </p:cTn>
+                        </p:par>
+                      </p:childTnLst>
+                    </p:cTn>
+                  </p:par>
+                  <p:par>
+                    <p:cTn id="53" fill="hold">
+                      <p:stCondLst>
+                        <p:cond delay="indefinite"/>
+                      </p:stCondLst>
+                      <p:childTnLst>
+                        <p:par>
+                          <p:cTn id="54" fill="hold">
+                            <p:stCondLst>
+                              <p:cond delay="0"/>
+                            </p:stCondLst>
+                            <p:childTnLst>
                               <p:par>
-                                <p:cTn id="53" presetID="32" presetClass="emph" presetSubtype="0" fill="hold" grpId="1" nodeType="withEffect">
+                                <p:cTn id="55" presetID="32" presetClass="emph" presetSubtype="0" fill="hold" grpId="1" nodeType="clickEffect">
                                   <p:stCondLst>
-                                    <p:cond delay="500"/>
+                                    <p:cond delay="0"/>
                                   </p:stCondLst>
                                   <p:childTnLst>
                                     <p:animRot by="120000">
                                       <p:cBhvr>
-                                        <p:cTn id="54" dur="100" fill="hold">
+                                        <p:cTn id="56" dur="100" fill="hold">
                                           <p:stCondLst>
                                             <p:cond delay="0"/>
                                           </p:stCondLst>
@@ -26747,7 +26024,7 @@
                                     </p:animRot>
                                     <p:animRot by="-240000">
                                       <p:cBhvr>
-                                        <p:cTn id="55" dur="200" fill="hold">
+                                        <p:cTn id="57" dur="200" fill="hold">
                                           <p:stCondLst>
                                             <p:cond delay="200"/>
                                           </p:stCondLst>
@@ -26762,7 +26039,7 @@
                                     </p:animRot>
                                     <p:animRot by="240000">
                                       <p:cBhvr>
-                                        <p:cTn id="56" dur="200" fill="hold">
+                                        <p:cTn id="58" dur="200" fill="hold">
                                           <p:stCondLst>
                                             <p:cond delay="400"/>
                                           </p:stCondLst>
@@ -26777,7 +26054,7 @@
                                     </p:animRot>
                                     <p:animRot by="-240000">
                                       <p:cBhvr>
-                                        <p:cTn id="57" dur="200" fill="hold">
+                                        <p:cTn id="59" dur="200" fill="hold">
                                           <p:stCondLst>
                                             <p:cond delay="600"/>
                                           </p:stCondLst>
@@ -26792,7 +26069,7 @@
                                     </p:animRot>
                                     <p:animRot by="120000">
                                       <p:cBhvr>
-                                        <p:cTn id="58" dur="200" fill="hold">
+                                        <p:cTn id="60" dur="200" fill="hold">
                                           <p:stCondLst>
                                             <p:cond delay="800"/>
                                           </p:stCondLst>
@@ -26809,14 +26086,14 @@
                                 </p:cTn>
                               </p:par>
                               <p:par>
-                                <p:cTn id="59" presetID="32" presetClass="emph" presetSubtype="0" fill="hold" grpId="1" nodeType="withEffect">
+                                <p:cTn id="61" presetID="32" presetClass="emph" presetSubtype="0" fill="hold" grpId="1" nodeType="withEffect">
                                   <p:stCondLst>
-                                    <p:cond delay="500"/>
+                                    <p:cond delay="0"/>
                                   </p:stCondLst>
                                   <p:childTnLst>
                                     <p:animRot by="120000">
                                       <p:cBhvr>
-                                        <p:cTn id="60" dur="100" fill="hold">
+                                        <p:cTn id="62" dur="100" fill="hold">
                                           <p:stCondLst>
                                             <p:cond delay="0"/>
                                           </p:stCondLst>
@@ -26831,7 +26108,7 @@
                                     </p:animRot>
                                     <p:animRot by="-240000">
                                       <p:cBhvr>
-                                        <p:cTn id="61" dur="200" fill="hold">
+                                        <p:cTn id="63" dur="200" fill="hold">
                                           <p:stCondLst>
                                             <p:cond delay="200"/>
                                           </p:stCondLst>
@@ -26846,7 +26123,7 @@
                                     </p:animRot>
                                     <p:animRot by="240000">
                                       <p:cBhvr>
-                                        <p:cTn id="62" dur="200" fill="hold">
+                                        <p:cTn id="64" dur="200" fill="hold">
                                           <p:stCondLst>
                                             <p:cond delay="400"/>
                                           </p:stCondLst>
@@ -26861,7 +26138,7 @@
                                     </p:animRot>
                                     <p:animRot by="-240000">
                                       <p:cBhvr>
-                                        <p:cTn id="63" dur="200" fill="hold">
+                                        <p:cTn id="65" dur="200" fill="hold">
                                           <p:stCondLst>
                                             <p:cond delay="600"/>
                                           </p:stCondLst>
@@ -26876,7 +26153,7 @@
                                     </p:animRot>
                                     <p:animRot by="120000">
                                       <p:cBhvr>
-                                        <p:cTn id="64" dur="200" fill="hold">
+                                        <p:cTn id="66" dur="200" fill="hold">
                                           <p:stCondLst>
                                             <p:cond delay="800"/>
                                           </p:stCondLst>
@@ -27166,7 +26443,7 @@
           </a:lstStyle>
           <a:p>
             <a:r>
-              <a:rPr lang="en-US" altLang="en-US" sz="2800" b="1" dirty="0" smtClean="0">
+              <a:rPr lang="en-US" altLang="en-US" sz="2800" b="1" dirty="0">
                 <a:solidFill>
                   <a:srgbClr val="FFFFFF"/>
                 </a:solidFill>
@@ -27176,7 +26453,7 @@
               <a:t>IV</a:t>
             </a:r>
             <a:r>
-              <a:rPr lang="vi-VN" altLang="en-US" sz="2800" b="1" dirty="0" smtClean="0">
+              <a:rPr lang="vi-VN" altLang="en-US" sz="2800" b="1" dirty="0">
                 <a:solidFill>
                   <a:srgbClr val="FFFFFF"/>
                 </a:solidFill>
@@ -27193,25 +26470,8 @@
                 <a:latin typeface="Times New Roman" pitchFamily="18" charset="0"/>
                 <a:cs typeface="Times New Roman" pitchFamily="18" charset="0"/>
               </a:rPr>
-              <a:t>Kết Luận Và Hướng </a:t>
-            </a:r>
-            <a:r>
-              <a:rPr lang="en-US" sz="2800" b="1" dirty="0" smtClean="0">
-                <a:solidFill>
-                  <a:schemeClr val="bg1"/>
-                </a:solidFill>
-                <a:latin typeface="Times New Roman" pitchFamily="18" charset="0"/>
-                <a:cs typeface="Times New Roman" pitchFamily="18" charset="0"/>
-              </a:rPr>
-              <a:t>Phát Triển</a:t>
-            </a:r>
-            <a:endParaRPr lang="en-US" sz="2800" b="1" dirty="0">
-              <a:solidFill>
-                <a:schemeClr val="bg1"/>
-              </a:solidFill>
-              <a:latin typeface="Times New Roman" pitchFamily="18" charset="0"/>
-              <a:cs typeface="Times New Roman" pitchFamily="18" charset="0"/>
-            </a:endParaRPr>
+              <a:t>Kết Luận Và Hướng Phát Triển</a:t>
+            </a:r>
           </a:p>
         </p:txBody>
       </p:sp>
@@ -27250,16 +26510,12 @@
           <a:p>
             <a:pPr algn="ctr"/>
             <a:r>
-              <a:rPr lang="en-US" sz="1400" b="1" dirty="0" smtClean="0">
+              <a:rPr lang="en-US" sz="1400" b="1" dirty="0">
                 <a:latin typeface="Arial" panose="020B0604020202020204" pitchFamily="34" charset="0"/>
                 <a:cs typeface="Arial" panose="020B0604020202020204" pitchFamily="34" charset="0"/>
               </a:rPr>
               <a:t>30</a:t>
             </a:r>
-            <a:endParaRPr lang="en-US" sz="1400" b="1" dirty="0">
-              <a:latin typeface="Arial" panose="020B0604020202020204" pitchFamily="34" charset="0"/>
-              <a:cs typeface="Arial" panose="020B0604020202020204" pitchFamily="34" charset="0"/>
-            </a:endParaRPr>
           </a:p>
         </p:txBody>
       </p:sp>
@@ -27292,38 +26548,20 @@
               <a:buChar char="q"/>
             </a:pPr>
             <a:r>
-              <a:rPr lang="vi-VN" sz="2400" dirty="0" smtClean="0">
-                <a:latin typeface="+mj-lt"/>
-              </a:rPr>
-              <a:t>Xây </a:t>
-            </a:r>
-            <a:r>
               <a:rPr lang="vi-VN" sz="2400" dirty="0">
                 <a:latin typeface="+mj-lt"/>
               </a:rPr>
-              <a:t>dựng </a:t>
-            </a:r>
-            <a:r>
-              <a:rPr lang="vi-VN" sz="2400" dirty="0" smtClean="0">
-                <a:latin typeface="+mj-lt"/>
-              </a:rPr>
-              <a:t>thành </a:t>
-            </a:r>
-            <a:r>
-              <a:rPr lang="vi-VN" sz="2400" dirty="0">
-                <a:latin typeface="+mj-lt"/>
-              </a:rPr>
-              <a:t>công mô hình </a:t>
-            </a:r>
-            <a:r>
-              <a:rPr lang="en-US" sz="2400" dirty="0" smtClean="0">
+              <a:t>Xây dựng thành công mô hình </a:t>
+            </a:r>
+            <a:r>
+              <a:rPr lang="en-US" sz="2400" dirty="0">
                 <a:latin typeface="Times New Roman" pitchFamily="18" charset="0"/>
                 <a:cs typeface="Times New Roman" pitchFamily="18" charset="0"/>
               </a:rPr>
               <a:t>dự đoán </a:t>
             </a:r>
             <a:r>
-              <a:rPr lang="vi-VN" sz="2400" dirty="0" smtClean="0">
+              <a:rPr lang="vi-VN" sz="2400" dirty="0">
                 <a:latin typeface="Times New Roman" pitchFamily="18" charset="0"/>
                 <a:cs typeface="Times New Roman" pitchFamily="18" charset="0"/>
               </a:rPr>
@@ -27333,19 +26571,7 @@
               <a:rPr lang="vi-VN" sz="2400" dirty="0">
                 <a:latin typeface="+mj-lt"/>
               </a:rPr>
-              <a:t>kiến đánh giá </a:t>
-            </a:r>
-            <a:r>
-              <a:rPr lang="vi-VN" sz="2400" dirty="0" smtClean="0">
-                <a:latin typeface="+mj-lt"/>
-              </a:rPr>
-              <a:t>trong </a:t>
-            </a:r>
-            <a:r>
-              <a:rPr lang="vi-VN" sz="2400" dirty="0">
-                <a:latin typeface="+mj-lt"/>
-              </a:rPr>
-              <a:t>lĩnh vực giáo dục. Độ chính xác của mô hình lên đến </a:t>
+              <a:t>kiến đánh giá trong lĩnh vực giáo dục. Độ chính xác của mô hình lên đến </a:t>
             </a:r>
             <a:r>
               <a:rPr lang="vi-VN" sz="2400" b="1" dirty="0">
@@ -27369,21 +26595,15 @@
               <a:rPr lang="vi-VN" sz="2400" dirty="0">
                 <a:latin typeface="+mj-lt"/>
               </a:rPr>
-              <a:t>Naïve </a:t>
-            </a:r>
-            <a:r>
-              <a:rPr lang="vi-VN" sz="2400" dirty="0" smtClean="0">
-                <a:latin typeface="+mj-lt"/>
-              </a:rPr>
-              <a:t>Bayes</a:t>
-            </a:r>
-            <a:r>
-              <a:rPr lang="vi-VN" sz="2400" b="1" dirty="0" smtClean="0">
+              <a:t>Naïve Bayes</a:t>
+            </a:r>
+            <a:r>
+              <a:rPr lang="vi-VN" sz="2400" b="1" dirty="0">
                 <a:latin typeface="+mj-lt"/>
               </a:rPr>
               <a:t>.</a:t>
             </a:r>
-            <a:endParaRPr lang="en-US" sz="2400" b="1" dirty="0" smtClean="0">
+            <a:endParaRPr lang="en-US" sz="2400" b="1" dirty="0">
               <a:latin typeface="+mj-lt"/>
             </a:endParaRPr>
           </a:p>
@@ -27408,22 +26628,10 @@
               <a:buChar char="q"/>
             </a:pPr>
             <a:r>
-              <a:rPr lang="vi-VN" sz="2400" dirty="0" smtClean="0">
-                <a:latin typeface="+mj-lt"/>
-              </a:rPr>
-              <a:t>So </a:t>
-            </a:r>
-            <a:r>
               <a:rPr lang="vi-VN" sz="2400" dirty="0">
                 <a:latin typeface="+mj-lt"/>
               </a:rPr>
-              <a:t>sánh độ hiệu quả giữa các phương pháp phân lớp với nhau trên cùng tập dữ liệu làm nguồn tài liệu tham khảo cho các nghiên cứu liên quan</a:t>
-            </a:r>
-            <a:r>
-              <a:rPr lang="vi-VN" sz="2400" dirty="0" smtClean="0">
-                <a:latin typeface="+mj-lt"/>
-              </a:rPr>
-              <a:t>.</a:t>
+              <a:t>So sánh độ hiệu quả giữa các phương pháp phân lớp với nhau trên cùng tập dữ liệu làm nguồn tài liệu tham khảo cho các nghiên cứu liên quan.</a:t>
             </a:r>
             <a:endParaRPr lang="en-US" sz="2400" dirty="0">
               <a:latin typeface="+mj-lt"/>
@@ -27454,16 +26662,12 @@
           <a:lstStyle/>
           <a:p>
             <a:r>
-              <a:rPr lang="en-US" sz="2800" b="1" dirty="0" smtClean="0">
+              <a:rPr lang="en-US" sz="2800" b="1" dirty="0">
                 <a:latin typeface="Times New Roman" pitchFamily="18" charset="0"/>
                 <a:cs typeface="Times New Roman" pitchFamily="18" charset="0"/>
               </a:rPr>
               <a:t>Kết quả đạt được</a:t>
             </a:r>
-            <a:endParaRPr lang="en-US" sz="2800" b="1" dirty="0">
-              <a:latin typeface="Times New Roman" pitchFamily="18" charset="0"/>
-              <a:cs typeface="Times New Roman" pitchFamily="18" charset="0"/>
-            </a:endParaRPr>
           </a:p>
         </p:txBody>
       </p:sp>
@@ -27480,13 +26684,6 @@
   <p:transition spd="slow">
     <p:push dir="u"/>
   </p:transition>
-  <p:timing>
-    <p:tnLst>
-      <p:par>
-        <p:cTn id="1" dur="indefinite" restart="never" nodeType="tmRoot"/>
-      </p:par>
-    </p:tnLst>
-  </p:timing>
 </p:sld>
 </file>
 
@@ -27713,7 +26910,7 @@
           </a:lstStyle>
           <a:p>
             <a:r>
-              <a:rPr lang="en-US" altLang="en-US" sz="2800" b="1" dirty="0" smtClean="0">
+              <a:rPr lang="en-US" altLang="en-US" sz="2800" b="1" dirty="0">
                 <a:solidFill>
                   <a:srgbClr val="FFFFFF"/>
                 </a:solidFill>
@@ -27723,7 +26920,7 @@
               <a:t>IV</a:t>
             </a:r>
             <a:r>
-              <a:rPr lang="vi-VN" altLang="en-US" sz="2800" b="1" dirty="0" smtClean="0">
+              <a:rPr lang="vi-VN" altLang="en-US" sz="2800" b="1" dirty="0">
                 <a:solidFill>
                   <a:srgbClr val="FFFFFF"/>
                 </a:solidFill>
@@ -27740,25 +26937,8 @@
                 <a:latin typeface="Times New Roman" pitchFamily="18" charset="0"/>
                 <a:cs typeface="Times New Roman" pitchFamily="18" charset="0"/>
               </a:rPr>
-              <a:t>Kết Luận Và Hướng </a:t>
-            </a:r>
-            <a:r>
-              <a:rPr lang="en-US" sz="2800" b="1" dirty="0" smtClean="0">
-                <a:solidFill>
-                  <a:schemeClr val="bg1"/>
-                </a:solidFill>
-                <a:latin typeface="Times New Roman" pitchFamily="18" charset="0"/>
-                <a:cs typeface="Times New Roman" pitchFamily="18" charset="0"/>
-              </a:rPr>
-              <a:t>Phát Triển</a:t>
-            </a:r>
-            <a:endParaRPr lang="en-US" sz="2800" b="1" dirty="0">
-              <a:solidFill>
-                <a:schemeClr val="bg1"/>
-              </a:solidFill>
-              <a:latin typeface="Times New Roman" pitchFamily="18" charset="0"/>
-              <a:cs typeface="Times New Roman" pitchFamily="18" charset="0"/>
-            </a:endParaRPr>
+              <a:t>Kết Luận Và Hướng Phát Triển</a:t>
+            </a:r>
           </a:p>
         </p:txBody>
       </p:sp>
@@ -27797,16 +26977,12 @@
           <a:p>
             <a:pPr algn="ctr"/>
             <a:r>
-              <a:rPr lang="en-US" sz="1400" b="1" dirty="0" smtClean="0">
+              <a:rPr lang="en-US" sz="1400" b="1" dirty="0">
                 <a:latin typeface="Arial" panose="020B0604020202020204" pitchFamily="34" charset="0"/>
                 <a:cs typeface="Arial" panose="020B0604020202020204" pitchFamily="34" charset="0"/>
               </a:rPr>
               <a:t>31</a:t>
             </a:r>
-            <a:endParaRPr lang="en-US" sz="1400" b="1" dirty="0">
-              <a:latin typeface="Arial" panose="020B0604020202020204" pitchFamily="34" charset="0"/>
-              <a:cs typeface="Arial" panose="020B0604020202020204" pitchFamily="34" charset="0"/>
-            </a:endParaRPr>
           </a:p>
         </p:txBody>
       </p:sp>
@@ -27839,16 +27015,10 @@
               <a:buChar char="q"/>
             </a:pPr>
             <a:r>
-              <a:rPr lang="vi-VN" sz="2400" dirty="0" smtClean="0">
-                <a:latin typeface="+mj-lt"/>
-              </a:rPr>
-              <a:t>Chưa </a:t>
-            </a:r>
-            <a:r>
               <a:rPr lang="vi-VN" sz="2400" dirty="0">
                 <a:latin typeface="+mj-lt"/>
               </a:rPr>
-              <a:t>phân loại được các ý kiến mang ý kiến trung tính.</a:t>
+              <a:t>Chưa phân loại được các ý kiến mang ý kiến trung tính.</a:t>
             </a:r>
             <a:endParaRPr lang="en-US" sz="2400" dirty="0">
               <a:latin typeface="+mj-lt"/>
@@ -27915,16 +27085,12 @@
           <a:lstStyle/>
           <a:p>
             <a:r>
-              <a:rPr lang="en-US" sz="2800" b="1" dirty="0" smtClean="0">
+              <a:rPr lang="en-US" sz="2800" b="1" dirty="0">
                 <a:latin typeface="Times New Roman" pitchFamily="18" charset="0"/>
                 <a:cs typeface="Times New Roman" pitchFamily="18" charset="0"/>
               </a:rPr>
               <a:t>Hạn chế</a:t>
             </a:r>
-            <a:endParaRPr lang="en-US" sz="2800" b="1" dirty="0">
-              <a:latin typeface="Times New Roman" pitchFamily="18" charset="0"/>
-              <a:cs typeface="Times New Roman" pitchFamily="18" charset="0"/>
-            </a:endParaRPr>
           </a:p>
         </p:txBody>
       </p:sp>
@@ -27941,13 +27107,6 @@
   <p:transition spd="slow">
     <p:push dir="u"/>
   </p:transition>
-  <p:timing>
-    <p:tnLst>
-      <p:par>
-        <p:cTn id="1" dur="indefinite" restart="never" nodeType="tmRoot"/>
-      </p:par>
-    </p:tnLst>
-  </p:timing>
 </p:sld>
 </file>
 
@@ -28174,7 +27333,7 @@
           </a:lstStyle>
           <a:p>
             <a:r>
-              <a:rPr lang="en-US" altLang="en-US" sz="2800" b="1" dirty="0" smtClean="0">
+              <a:rPr lang="en-US" altLang="en-US" sz="2800" b="1" dirty="0">
                 <a:solidFill>
                   <a:srgbClr val="FFFFFF"/>
                 </a:solidFill>
@@ -28184,7 +27343,7 @@
               <a:t>IV</a:t>
             </a:r>
             <a:r>
-              <a:rPr lang="vi-VN" altLang="en-US" sz="2800" b="1" dirty="0" smtClean="0">
+              <a:rPr lang="vi-VN" altLang="en-US" sz="2800" b="1" dirty="0">
                 <a:solidFill>
                   <a:srgbClr val="FFFFFF"/>
                 </a:solidFill>
@@ -28201,25 +27360,8 @@
                 <a:latin typeface="Times New Roman" pitchFamily="18" charset="0"/>
                 <a:cs typeface="Times New Roman" pitchFamily="18" charset="0"/>
               </a:rPr>
-              <a:t>Kết Luận Và Hướng </a:t>
-            </a:r>
-            <a:r>
-              <a:rPr lang="en-US" sz="2800" b="1" dirty="0" smtClean="0">
-                <a:solidFill>
-                  <a:schemeClr val="bg1"/>
-                </a:solidFill>
-                <a:latin typeface="Times New Roman" pitchFamily="18" charset="0"/>
-                <a:cs typeface="Times New Roman" pitchFamily="18" charset="0"/>
-              </a:rPr>
-              <a:t>Phát Triển</a:t>
-            </a:r>
-            <a:endParaRPr lang="en-US" sz="2800" b="1" dirty="0">
-              <a:solidFill>
-                <a:schemeClr val="bg1"/>
-              </a:solidFill>
-              <a:latin typeface="Times New Roman" pitchFamily="18" charset="0"/>
-              <a:cs typeface="Times New Roman" pitchFamily="18" charset="0"/>
-            </a:endParaRPr>
+              <a:t>Kết Luận Và Hướng Phát Triển</a:t>
+            </a:r>
           </a:p>
         </p:txBody>
       </p:sp>
@@ -28258,16 +27400,12 @@
           <a:p>
             <a:pPr algn="ctr"/>
             <a:r>
-              <a:rPr lang="en-US" sz="1400" b="1" dirty="0" smtClean="0">
+              <a:rPr lang="en-US" sz="1400" b="1" dirty="0">
                 <a:latin typeface="Arial" panose="020B0604020202020204" pitchFamily="34" charset="0"/>
                 <a:cs typeface="Arial" panose="020B0604020202020204" pitchFamily="34" charset="0"/>
               </a:rPr>
               <a:t>32</a:t>
             </a:r>
-            <a:endParaRPr lang="en-US" sz="1400" b="1" dirty="0">
-              <a:latin typeface="Arial" panose="020B0604020202020204" pitchFamily="34" charset="0"/>
-              <a:cs typeface="Arial" panose="020B0604020202020204" pitchFamily="34" charset="0"/>
-            </a:endParaRPr>
           </a:p>
         </p:txBody>
       </p:sp>
@@ -28300,32 +27438,20 @@
               <a:buChar char="q"/>
             </a:pPr>
             <a:r>
-              <a:rPr lang="vi-VN" sz="2400" dirty="0" smtClean="0">
-                <a:latin typeface="+mj-lt"/>
-              </a:rPr>
-              <a:t>Tăng </a:t>
-            </a:r>
-            <a:r>
               <a:rPr lang="vi-VN" sz="2400" dirty="0">
                 <a:latin typeface="+mj-lt"/>
               </a:rPr>
-              <a:t>số lượng dữ liệu huấn </a:t>
-            </a:r>
-            <a:r>
-              <a:rPr lang="vi-VN" sz="2400" dirty="0" smtClean="0">
-                <a:latin typeface="+mj-lt"/>
-              </a:rPr>
-              <a:t>luyện</a:t>
-            </a:r>
-            <a:r>
-              <a:rPr lang="en-US" sz="2400" dirty="0" smtClean="0">
+              <a:t>Tăng số lượng dữ liệu huấn luyện</a:t>
+            </a:r>
+            <a:r>
+              <a:rPr lang="en-US" sz="2400" dirty="0">
                 <a:latin typeface="Times New Roman" pitchFamily="18" charset="0"/>
                 <a:cs typeface="Times New Roman" pitchFamily="18" charset="0"/>
               </a:rPr>
               <a:t> để cải thiện độ chính xác phân lớp</a:t>
             </a:r>
             <a:r>
-              <a:rPr lang="vi-VN" sz="2400" dirty="0" smtClean="0">
+              <a:rPr lang="vi-VN" sz="2400" dirty="0">
                 <a:latin typeface="+mj-lt"/>
               </a:rPr>
               <a:t>.</a:t>
@@ -28364,13 +27490,7 @@
               <a:rPr lang="vi-VN" sz="2400" dirty="0">
                 <a:latin typeface="+mj-lt"/>
               </a:rPr>
-              <a:t>Thử nghiệm các phương pháp phân lớp mới</a:t>
-            </a:r>
-            <a:r>
-              <a:rPr lang="vi-VN" sz="2400" dirty="0" smtClean="0">
-                <a:latin typeface="+mj-lt"/>
-              </a:rPr>
-              <a:t>.</a:t>
+              <a:t>Thử nghiệm các phương pháp phân lớp mới.</a:t>
             </a:r>
           </a:p>
         </p:txBody>
@@ -28398,16 +27518,12 @@
           <a:lstStyle/>
           <a:p>
             <a:r>
-              <a:rPr lang="en-US" sz="2800" b="1" dirty="0" smtClean="0">
+              <a:rPr lang="en-US" sz="2800" b="1" dirty="0">
                 <a:latin typeface="Times New Roman" pitchFamily="18" charset="0"/>
                 <a:cs typeface="Times New Roman" pitchFamily="18" charset="0"/>
               </a:rPr>
               <a:t>Hướng phát triển</a:t>
             </a:r>
-            <a:endParaRPr lang="en-US" sz="2800" b="1" dirty="0">
-              <a:latin typeface="Times New Roman" pitchFamily="18" charset="0"/>
-              <a:cs typeface="Times New Roman" pitchFamily="18" charset="0"/>
-            </a:endParaRPr>
           </a:p>
         </p:txBody>
       </p:sp>
@@ -28424,13 +27540,6 @@
   <p:transition spd="slow">
     <p:push dir="u"/>
   </p:transition>
-  <p:timing>
-    <p:tnLst>
-      <p:par>
-        <p:cTn id="1" dur="indefinite" restart="never" nodeType="tmRoot"/>
-      </p:par>
-    </p:tnLst>
-  </p:timing>
 </p:sld>
 </file>
 
@@ -28657,7 +27766,7 @@
           </a:lstStyle>
           <a:p>
             <a:r>
-              <a:rPr lang="en-US" altLang="en-US" sz="2800" b="1" dirty="0" smtClean="0">
+              <a:rPr lang="en-US" altLang="en-US" sz="2800" b="1" dirty="0">
                 <a:solidFill>
                   <a:srgbClr val="FFFFFF"/>
                 </a:solidFill>
@@ -28667,7 +27776,7 @@
               <a:t>IV</a:t>
             </a:r>
             <a:r>
-              <a:rPr lang="vi-VN" altLang="en-US" sz="2800" b="1" dirty="0" smtClean="0">
+              <a:rPr lang="vi-VN" altLang="en-US" sz="2800" b="1" dirty="0">
                 <a:solidFill>
                   <a:srgbClr val="FFFFFF"/>
                 </a:solidFill>
@@ -28684,25 +27793,8 @@
                 <a:latin typeface="Times New Roman" pitchFamily="18" charset="0"/>
                 <a:cs typeface="Times New Roman" pitchFamily="18" charset="0"/>
               </a:rPr>
-              <a:t>Kết Luận Và Hướng </a:t>
-            </a:r>
-            <a:r>
-              <a:rPr lang="en-US" sz="2800" b="1" dirty="0" smtClean="0">
-                <a:solidFill>
-                  <a:schemeClr val="bg1"/>
-                </a:solidFill>
-                <a:latin typeface="Times New Roman" pitchFamily="18" charset="0"/>
-                <a:cs typeface="Times New Roman" pitchFamily="18" charset="0"/>
-              </a:rPr>
-              <a:t>Phát Triển</a:t>
-            </a:r>
-            <a:endParaRPr lang="en-US" sz="2800" b="1" dirty="0">
-              <a:solidFill>
-                <a:schemeClr val="bg1"/>
-              </a:solidFill>
-              <a:latin typeface="Times New Roman" pitchFamily="18" charset="0"/>
-              <a:cs typeface="Times New Roman" pitchFamily="18" charset="0"/>
-            </a:endParaRPr>
+              <a:t>Kết Luận Và Hướng Phát Triển</a:t>
+            </a:r>
           </a:p>
         </p:txBody>
       </p:sp>
@@ -28741,16 +27833,12 @@
           <a:p>
             <a:pPr algn="ctr"/>
             <a:r>
-              <a:rPr lang="en-US" sz="1400" b="1" dirty="0" smtClean="0">
+              <a:rPr lang="en-US" sz="1400" b="1" dirty="0">
                 <a:latin typeface="Arial" panose="020B0604020202020204" pitchFamily="34" charset="0"/>
                 <a:cs typeface="Arial" panose="020B0604020202020204" pitchFamily="34" charset="0"/>
               </a:rPr>
               <a:t>33</a:t>
             </a:r>
-            <a:endParaRPr lang="en-US" sz="1400" b="1" dirty="0">
-              <a:latin typeface="Arial" panose="020B0604020202020204" pitchFamily="34" charset="0"/>
-              <a:cs typeface="Arial" panose="020B0604020202020204" pitchFamily="34" charset="0"/>
-            </a:endParaRPr>
           </a:p>
         </p:txBody>
       </p:sp>
@@ -28781,31 +27869,31 @@
               </a:lnSpc>
             </a:pPr>
             <a:r>
-              <a:rPr lang="vi-VN" sz="2400" dirty="0" smtClean="0">
+              <a:rPr lang="vi-VN" sz="2400" dirty="0">
                 <a:latin typeface="+mj-lt"/>
               </a:rPr>
               <a:t>Ngoài </a:t>
             </a:r>
             <a:r>
-              <a:rPr lang="en-US" sz="2400" dirty="0" smtClean="0">
+              <a:rPr lang="en-US" sz="2400" dirty="0">
                 <a:latin typeface="Times New Roman" pitchFamily="18" charset="0"/>
                 <a:cs typeface="Times New Roman" pitchFamily="18" charset="0"/>
               </a:rPr>
               <a:t>ra</a:t>
             </a:r>
             <a:r>
-              <a:rPr lang="en-US" sz="2400" dirty="0" smtClean="0">
+              <a:rPr lang="en-US" sz="2400" dirty="0">
                 <a:latin typeface="+mj-lt"/>
               </a:rPr>
               <a:t> </a:t>
             </a:r>
             <a:r>
-              <a:rPr lang="vi-VN" sz="2400" dirty="0" smtClean="0">
+              <a:rPr lang="vi-VN" sz="2400" dirty="0">
                 <a:latin typeface="+mj-lt"/>
               </a:rPr>
               <a:t>luận văn có thể mở rộng và phát triển ở các hướng sau:</a:t>
             </a:r>
-            <a:endParaRPr lang="en-US" sz="2400" dirty="0" smtClean="0">
+            <a:endParaRPr lang="en-US" sz="2400" dirty="0">
               <a:latin typeface="+mj-lt"/>
             </a:endParaRPr>
           </a:p>
@@ -28818,12 +27906,12 @@
               <a:buChar char="q"/>
             </a:pPr>
             <a:r>
-              <a:rPr lang="vi-VN" sz="2400" dirty="0" smtClean="0">
+              <a:rPr lang="vi-VN" sz="2400" dirty="0">
                 <a:latin typeface="+mj-lt"/>
               </a:rPr>
               <a:t>Tăng số lớp dự đoán cảm xúc lên, tự động nhận diện các ý kiến không mang cảm xúc. </a:t>
             </a:r>
-            <a:endParaRPr lang="en-US" sz="2400" dirty="0" smtClean="0">
+            <a:endParaRPr lang="en-US" sz="2400" dirty="0">
               <a:latin typeface="+mj-lt"/>
             </a:endParaRPr>
           </a:p>
@@ -28836,7 +27924,7 @@
               <a:buChar char="q"/>
             </a:pPr>
             <a:r>
-              <a:rPr lang="vi-VN" sz="2400" dirty="0" smtClean="0">
+              <a:rPr lang="vi-VN" sz="2400" dirty="0">
                 <a:latin typeface="+mj-lt"/>
               </a:rPr>
               <a:t>Kết hợp nhiều phương pháp phân lớp khác nhau để nâng cao độ chính xác.</a:t>
@@ -28870,16 +27958,12 @@
           <a:lstStyle/>
           <a:p>
             <a:r>
-              <a:rPr lang="en-US" sz="2800" b="1" dirty="0" smtClean="0">
+              <a:rPr lang="en-US" sz="2800" b="1" dirty="0">
                 <a:latin typeface="Times New Roman" pitchFamily="18" charset="0"/>
                 <a:cs typeface="Times New Roman" pitchFamily="18" charset="0"/>
               </a:rPr>
               <a:t>Hướng phát triển</a:t>
             </a:r>
-            <a:endParaRPr lang="en-US" sz="2800" b="1" dirty="0">
-              <a:latin typeface="Times New Roman" pitchFamily="18" charset="0"/>
-              <a:cs typeface="Times New Roman" pitchFamily="18" charset="0"/>
-            </a:endParaRPr>
           </a:p>
         </p:txBody>
       </p:sp>
@@ -28896,13 +27980,6 @@
   <p:transition spd="slow">
     <p:push dir="u"/>
   </p:transition>
-  <p:timing>
-    <p:tnLst>
-      <p:par>
-        <p:cTn id="1" dur="indefinite" restart="never" nodeType="tmRoot"/>
-      </p:par>
-    </p:tnLst>
-  </p:timing>
 </p:sld>
 </file>
 
@@ -28966,6 +28043,434 @@
   <p:transition spd="slow">
     <p:push dir="u"/>
   </p:transition>
+</p:sld>
+</file>
+
+<file path=ppt/slides/slide4.xml><?xml version="1.0" encoding="utf-8"?>
+<p:sld xmlns:a="http://schemas.openxmlformats.org/drawingml/2006/main" xmlns:r="http://schemas.openxmlformats.org/officeDocument/2006/relationships" xmlns:p="http://schemas.openxmlformats.org/presentationml/2006/main">
+  <p:cSld>
+    <p:spTree>
+      <p:nvGrpSpPr>
+        <p:cNvPr id="1" name=""/>
+        <p:cNvGrpSpPr/>
+        <p:nvPr/>
+      </p:nvGrpSpPr>
+      <p:grpSpPr>
+        <a:xfrm>
+          <a:off x="0" y="0"/>
+          <a:ext cx="0" cy="0"/>
+          <a:chOff x="0" y="0"/>
+          <a:chExt cx="0" cy="0"/>
+        </a:xfrm>
+      </p:grpSpPr>
+      <p:pic>
+        <p:nvPicPr>
+          <p:cNvPr id="2" name="Picture 3"/>
+          <p:cNvPicPr>
+            <a:picLocks noChangeAspect="1" noChangeArrowheads="1"/>
+          </p:cNvPicPr>
+          <p:nvPr/>
+        </p:nvPicPr>
+        <p:blipFill>
+          <a:blip r:embed="rId2">
+            <a:extLst>
+              <a:ext uri="{28A0092B-C50C-407E-A947-70E740481C1C}">
+                <a14:useLocalDpi xmlns:a14="http://schemas.microsoft.com/office/drawing/2010/main" val="0"/>
+              </a:ext>
+            </a:extLst>
+          </a:blip>
+          <a:srcRect/>
+          <a:stretch>
+            <a:fillRect/>
+          </a:stretch>
+        </p:blipFill>
+        <p:spPr bwMode="auto">
+          <a:xfrm>
+            <a:off x="2590800" y="115134"/>
+            <a:ext cx="5789229" cy="646866"/>
+          </a:xfrm>
+          <a:prstGeom prst="rect">
+            <a:avLst/>
+          </a:prstGeom>
+          <a:noFill/>
+          <a:ln>
+            <a:noFill/>
+          </a:ln>
+          <a:extLst>
+            <a:ext uri="{909E8E84-426E-40DD-AFC4-6F175D3DCCD1}">
+              <a14:hiddenFill xmlns:a14="http://schemas.microsoft.com/office/drawing/2010/main">
+                <a:solidFill>
+                  <a:schemeClr val="accent1"/>
+                </a:solidFill>
+              </a14:hiddenFill>
+            </a:ext>
+            <a:ext uri="{91240B29-F687-4F45-9708-019B960494DF}">
+              <a14:hiddenLine xmlns:a14="http://schemas.microsoft.com/office/drawing/2010/main" w="9525">
+                <a:solidFill>
+                  <a:schemeClr val="tx1"/>
+                </a:solidFill>
+                <a:miter lim="800000"/>
+                <a:headEnd/>
+                <a:tailEnd/>
+              </a14:hiddenLine>
+            </a:ext>
+          </a:extLst>
+        </p:spPr>
+      </p:pic>
+      <p:sp>
+        <p:nvSpPr>
+          <p:cNvPr id="3" name="Rectangle 25"/>
+          <p:cNvSpPr>
+            <a:spLocks noChangeArrowheads="1"/>
+          </p:cNvSpPr>
+          <p:nvPr/>
+        </p:nvSpPr>
+        <p:spPr bwMode="auto">
+          <a:xfrm>
+            <a:off x="2959646" y="161567"/>
+            <a:ext cx="5041354" cy="584775"/>
+          </a:xfrm>
+          <a:prstGeom prst="rect">
+            <a:avLst/>
+          </a:prstGeom>
+          <a:noFill/>
+          <a:ln>
+            <a:noFill/>
+          </a:ln>
+          <a:extLst>
+            <a:ext uri="{909E8E84-426E-40DD-AFC4-6F175D3DCCD1}">
+              <a14:hiddenFill xmlns:a14="http://schemas.microsoft.com/office/drawing/2010/main">
+                <a:solidFill>
+                  <a:srgbClr val="FFFFFF"/>
+                </a:solidFill>
+              </a14:hiddenFill>
+            </a:ext>
+            <a:ext uri="{91240B29-F687-4F45-9708-019B960494DF}">
+              <a14:hiddenLine xmlns:a14="http://schemas.microsoft.com/office/drawing/2010/main" w="9525">
+                <a:solidFill>
+                  <a:srgbClr val="000000"/>
+                </a:solidFill>
+                <a:miter lim="800000"/>
+                <a:headEnd/>
+                <a:tailEnd/>
+              </a14:hiddenLine>
+            </a:ext>
+          </a:extLst>
+        </p:spPr>
+        <p:txBody>
+          <a:bodyPr wrap="square">
+            <a:spAutoFit/>
+          </a:bodyPr>
+          <a:lstStyle>
+            <a:lvl1pPr eaLnBrk="0" hangingPunct="0">
+              <a:defRPr>
+                <a:solidFill>
+                  <a:schemeClr val="tx1"/>
+                </a:solidFill>
+                <a:latin typeface="Palatino Linotype" pitchFamily="18" charset="0"/>
+                <a:cs typeface="Arial" charset="0"/>
+              </a:defRPr>
+            </a:lvl1pPr>
+            <a:lvl2pPr marL="742950" indent="-285750" eaLnBrk="0" hangingPunct="0">
+              <a:defRPr>
+                <a:solidFill>
+                  <a:schemeClr val="tx1"/>
+                </a:solidFill>
+                <a:latin typeface="Palatino Linotype" pitchFamily="18" charset="0"/>
+                <a:cs typeface="Arial" charset="0"/>
+              </a:defRPr>
+            </a:lvl2pPr>
+            <a:lvl3pPr marL="1143000" indent="-228600" eaLnBrk="0" hangingPunct="0">
+              <a:defRPr>
+                <a:solidFill>
+                  <a:schemeClr val="tx1"/>
+                </a:solidFill>
+                <a:latin typeface="Palatino Linotype" pitchFamily="18" charset="0"/>
+                <a:cs typeface="Arial" charset="0"/>
+              </a:defRPr>
+            </a:lvl3pPr>
+            <a:lvl4pPr marL="1600200" indent="-228600" eaLnBrk="0" hangingPunct="0">
+              <a:defRPr>
+                <a:solidFill>
+                  <a:schemeClr val="tx1"/>
+                </a:solidFill>
+                <a:latin typeface="Palatino Linotype" pitchFamily="18" charset="0"/>
+                <a:cs typeface="Arial" charset="0"/>
+              </a:defRPr>
+            </a:lvl4pPr>
+            <a:lvl5pPr marL="2057400" indent="-228600" eaLnBrk="0" hangingPunct="0">
+              <a:defRPr>
+                <a:solidFill>
+                  <a:schemeClr val="tx1"/>
+                </a:solidFill>
+                <a:latin typeface="Palatino Linotype" pitchFamily="18" charset="0"/>
+                <a:cs typeface="Arial" charset="0"/>
+              </a:defRPr>
+            </a:lvl5pPr>
+            <a:lvl6pPr marL="2514600" indent="-228600" eaLnBrk="0" fontAlgn="base" hangingPunct="0">
+              <a:spcBef>
+                <a:spcPct val="0"/>
+              </a:spcBef>
+              <a:spcAft>
+                <a:spcPct val="0"/>
+              </a:spcAft>
+              <a:defRPr>
+                <a:solidFill>
+                  <a:schemeClr val="tx1"/>
+                </a:solidFill>
+                <a:latin typeface="Palatino Linotype" pitchFamily="18" charset="0"/>
+                <a:cs typeface="Arial" charset="0"/>
+              </a:defRPr>
+            </a:lvl6pPr>
+            <a:lvl7pPr marL="2971800" indent="-228600" eaLnBrk="0" fontAlgn="base" hangingPunct="0">
+              <a:spcBef>
+                <a:spcPct val="0"/>
+              </a:spcBef>
+              <a:spcAft>
+                <a:spcPct val="0"/>
+              </a:spcAft>
+              <a:defRPr>
+                <a:solidFill>
+                  <a:schemeClr val="tx1"/>
+                </a:solidFill>
+                <a:latin typeface="Palatino Linotype" pitchFamily="18" charset="0"/>
+                <a:cs typeface="Arial" charset="0"/>
+              </a:defRPr>
+            </a:lvl7pPr>
+            <a:lvl8pPr marL="3429000" indent="-228600" eaLnBrk="0" fontAlgn="base" hangingPunct="0">
+              <a:spcBef>
+                <a:spcPct val="0"/>
+              </a:spcBef>
+              <a:spcAft>
+                <a:spcPct val="0"/>
+              </a:spcAft>
+              <a:defRPr>
+                <a:solidFill>
+                  <a:schemeClr val="tx1"/>
+                </a:solidFill>
+                <a:latin typeface="Palatino Linotype" pitchFamily="18" charset="0"/>
+                <a:cs typeface="Arial" charset="0"/>
+              </a:defRPr>
+            </a:lvl8pPr>
+            <a:lvl9pPr marL="3886200" indent="-228600" eaLnBrk="0" fontAlgn="base" hangingPunct="0">
+              <a:spcBef>
+                <a:spcPct val="0"/>
+              </a:spcBef>
+              <a:spcAft>
+                <a:spcPct val="0"/>
+              </a:spcAft>
+              <a:defRPr>
+                <a:solidFill>
+                  <a:schemeClr val="tx1"/>
+                </a:solidFill>
+                <a:latin typeface="Palatino Linotype" pitchFamily="18" charset="0"/>
+                <a:cs typeface="Arial" charset="0"/>
+              </a:defRPr>
+            </a:lvl9pPr>
+          </a:lstStyle>
+          <a:p>
+            <a:pPr algn="ctr" eaLnBrk="1" hangingPunct="1"/>
+            <a:r>
+              <a:rPr lang="en-US" altLang="en-US" sz="3000" b="1" dirty="0">
+                <a:solidFill>
+                  <a:srgbClr val="FFFFFF"/>
+                </a:solidFill>
+                <a:latin typeface="Times New Roman" pitchFamily="18" charset="0"/>
+                <a:cs typeface="Times New Roman" pitchFamily="18" charset="0"/>
+              </a:rPr>
+              <a:t>I</a:t>
+            </a:r>
+            <a:r>
+              <a:rPr lang="vi-VN" altLang="en-US" sz="3000" b="1" dirty="0">
+                <a:solidFill>
+                  <a:srgbClr val="FFFFFF"/>
+                </a:solidFill>
+                <a:latin typeface="Times New Roman" pitchFamily="18" charset="0"/>
+                <a:cs typeface="Times New Roman" pitchFamily="18" charset="0"/>
+              </a:rPr>
+              <a:t>. </a:t>
+            </a:r>
+            <a:r>
+              <a:rPr lang="en-US" sz="3200" b="1" dirty="0">
+                <a:solidFill>
+                  <a:schemeClr val="bg1"/>
+                </a:solidFill>
+                <a:latin typeface="Times New Roman" pitchFamily="18" charset="0"/>
+                <a:cs typeface="Times New Roman" pitchFamily="18" charset="0"/>
+              </a:rPr>
+              <a:t>Giới Thiệu Đề Tài</a:t>
+            </a:r>
+            <a:endParaRPr lang="en-US" sz="3200" b="1" dirty="0">
+              <a:latin typeface="Times New Roman" pitchFamily="18" charset="0"/>
+              <a:cs typeface="Times New Roman" pitchFamily="18" charset="0"/>
+            </a:endParaRPr>
+          </a:p>
+        </p:txBody>
+      </p:sp>
+      <p:sp>
+        <p:nvSpPr>
+          <p:cNvPr id="4" name="TextBox 3"/>
+          <p:cNvSpPr txBox="1"/>
+          <p:nvPr/>
+        </p:nvSpPr>
+        <p:spPr>
+          <a:xfrm>
+            <a:off x="228600" y="966655"/>
+            <a:ext cx="8686800" cy="5632311"/>
+          </a:xfrm>
+          <a:prstGeom prst="rect">
+            <a:avLst/>
+          </a:prstGeom>
+          <a:noFill/>
+        </p:spPr>
+        <p:txBody>
+          <a:bodyPr wrap="square" rtlCol="0">
+            <a:spAutoFit/>
+          </a:bodyPr>
+          <a:lstStyle/>
+          <a:p>
+            <a:pPr marL="342900" indent="-342900">
+              <a:lnSpc>
+                <a:spcPct val="150000"/>
+              </a:lnSpc>
+              <a:buFont typeface="Wingdings" pitchFamily="2" charset="2"/>
+              <a:buChar char="v"/>
+            </a:pPr>
+            <a:r>
+              <a:rPr lang="vi-VN" sz="2400" dirty="0">
+                <a:latin typeface="Times New Roman" pitchFamily="18" charset="0"/>
+                <a:cs typeface="Times New Roman" pitchFamily="18" charset="0"/>
+              </a:rPr>
+              <a:t>Ngày nay việc thu thập  ý kiến, cảm xúc phản hồi đánh giá của con người trong trong các vấn đề là một việc rất phổ biến mà dựa vào đó ta có thể đưa ra những đánh giá, nhận xét cho các vấn đề liên quan.</a:t>
+            </a:r>
+          </a:p>
+          <a:p>
+            <a:pPr marL="342900" indent="-342900">
+              <a:lnSpc>
+                <a:spcPct val="150000"/>
+              </a:lnSpc>
+              <a:buFont typeface="Wingdings" pitchFamily="2" charset="2"/>
+              <a:buChar char="v"/>
+            </a:pPr>
+            <a:r>
+              <a:rPr lang="vi-VN" sz="2400">
+                <a:latin typeface="Times New Roman" pitchFamily="18" charset="0"/>
+                <a:cs typeface="Times New Roman" pitchFamily="18" charset="0"/>
+              </a:rPr>
+              <a:t>Một vài lĩnh vực phổ biến cho việc thu thập và sử dụng ý kiến phản hồi như :</a:t>
+            </a:r>
+          </a:p>
+          <a:p>
+            <a:pPr marL="914400" lvl="1" indent="-457200">
+              <a:lnSpc>
+                <a:spcPct val="150000"/>
+              </a:lnSpc>
+              <a:buFont typeface="Wingdings" pitchFamily="2" charset="2"/>
+              <a:buChar char="§"/>
+            </a:pPr>
+            <a:r>
+              <a:rPr lang="vi-VN" sz="2400" dirty="0">
+                <a:latin typeface="Times New Roman" pitchFamily="18" charset="0"/>
+                <a:cs typeface="Times New Roman" pitchFamily="18" charset="0"/>
+              </a:rPr>
+              <a:t>Kinh nghiệm cá nhân và ý kiến đánh giá, diễn đàn, blog, v.v.</a:t>
+            </a:r>
+          </a:p>
+          <a:p>
+            <a:pPr marL="914400" lvl="1" indent="-457200">
+              <a:lnSpc>
+                <a:spcPct val="150000"/>
+              </a:lnSpc>
+              <a:buFont typeface="Wingdings" pitchFamily="2" charset="2"/>
+              <a:buChar char="§"/>
+            </a:pPr>
+            <a:r>
+              <a:rPr lang="vi-VN" sz="2400" dirty="0">
+                <a:latin typeface="Times New Roman" pitchFamily="18" charset="0"/>
+                <a:cs typeface="Times New Roman" pitchFamily="18" charset="0"/>
+              </a:rPr>
+              <a:t>Nhận xét về bài viết, vấn đề, chủ đề, bài đánh giá, v.v.</a:t>
+            </a:r>
+          </a:p>
+          <a:p>
+            <a:pPr marL="914400" lvl="1" indent="-457200">
+              <a:lnSpc>
+                <a:spcPct val="150000"/>
+              </a:lnSpc>
+              <a:buFont typeface="Wingdings" pitchFamily="2" charset="2"/>
+              <a:buChar char="§"/>
+            </a:pPr>
+            <a:r>
+              <a:rPr lang="vi-VN" sz="2400" dirty="0">
+                <a:latin typeface="Times New Roman" pitchFamily="18" charset="0"/>
+                <a:cs typeface="Times New Roman" pitchFamily="18" charset="0"/>
+              </a:rPr>
+              <a:t>Thông tin phản hồi sản phẩm tại các trang bán hàng trực tuyến</a:t>
+            </a:r>
+          </a:p>
+        </p:txBody>
+      </p:sp>
+      <p:sp>
+        <p:nvSpPr>
+          <p:cNvPr id="5" name="Oval 4"/>
+          <p:cNvSpPr/>
+          <p:nvPr/>
+        </p:nvSpPr>
+        <p:spPr>
+          <a:xfrm>
+            <a:off x="8534400" y="6248400"/>
+            <a:ext cx="457200" cy="457200"/>
+          </a:xfrm>
+          <a:prstGeom prst="ellipse">
+            <a:avLst/>
+          </a:prstGeom>
+        </p:spPr>
+        <p:style>
+          <a:lnRef idx="1">
+            <a:schemeClr val="dk1"/>
+          </a:lnRef>
+          <a:fillRef idx="2">
+            <a:schemeClr val="dk1"/>
+          </a:fillRef>
+          <a:effectRef idx="1">
+            <a:schemeClr val="dk1"/>
+          </a:effectRef>
+          <a:fontRef idx="minor">
+            <a:schemeClr val="dk1"/>
+          </a:fontRef>
+        </p:style>
+        <p:txBody>
+          <a:bodyPr rtlCol="0" anchor="ctr"/>
+          <a:lstStyle/>
+          <a:p>
+            <a:pPr algn="ctr"/>
+            <a:r>
+              <a:rPr lang="vi-VN" sz="1400" b="1" dirty="0">
+                <a:latin typeface="Arial" panose="020B0604020202020204" pitchFamily="34" charset="0"/>
+                <a:cs typeface="Arial" panose="020B0604020202020204" pitchFamily="34" charset="0"/>
+              </a:rPr>
+              <a:t>2</a:t>
+            </a:r>
+            <a:endParaRPr lang="en-US" sz="1400" b="1" dirty="0">
+              <a:latin typeface="Arial" panose="020B0604020202020204" pitchFamily="34" charset="0"/>
+              <a:cs typeface="Arial" panose="020B0604020202020204" pitchFamily="34" charset="0"/>
+            </a:endParaRPr>
+          </a:p>
+        </p:txBody>
+      </p:sp>
+    </p:spTree>
+    <p:extLst>
+      <p:ext uri="{BB962C8B-B14F-4D97-AF65-F5344CB8AC3E}">
+        <p14:creationId xmlns:p14="http://schemas.microsoft.com/office/powerpoint/2010/main" val="141097678"/>
+      </p:ext>
+    </p:extLst>
+  </p:cSld>
+  <p:clrMapOvr>
+    <a:masterClrMapping/>
+  </p:clrMapOvr>
+  <p:transition spd="slow">
+    <p:push dir="u"/>
+  </p:transition>
   <p:timing>
     <p:tnLst>
       <p:par>
@@ -28976,7 +28481,7 @@
 </p:sld>
 </file>
 
-<file path=ppt/slides/slide4.xml><?xml version="1.0" encoding="utf-8"?>
+<file path=ppt/slides/slide5.xml><?xml version="1.0" encoding="utf-8"?>
 <p:sld xmlns:a="http://schemas.openxmlformats.org/drawingml/2006/main" xmlns:r="http://schemas.openxmlformats.org/officeDocument/2006/relationships" xmlns:p="http://schemas.openxmlformats.org/presentationml/2006/main">
   <p:cSld>
     <p:spTree>
@@ -29211,7 +28716,7 @@
               <a:t>I</a:t>
             </a:r>
             <a:r>
-              <a:rPr lang="vi-VN" altLang="en-US" sz="3000" b="1" dirty="0" smtClean="0">
+              <a:rPr lang="vi-VN" altLang="en-US" sz="3000" b="1" dirty="0">
                 <a:solidFill>
                   <a:srgbClr val="FFFFFF"/>
                 </a:solidFill>
@@ -29228,17 +28733,7 @@
                 <a:latin typeface="Times New Roman" pitchFamily="18" charset="0"/>
                 <a:cs typeface="Times New Roman" pitchFamily="18" charset="0"/>
               </a:rPr>
-              <a:t>Giới Thiệu Đề </a:t>
-            </a:r>
-            <a:r>
-              <a:rPr lang="en-US" sz="3200" b="1" dirty="0" smtClean="0">
-                <a:solidFill>
-                  <a:schemeClr val="bg1"/>
-                </a:solidFill>
-                <a:latin typeface="Times New Roman" pitchFamily="18" charset="0"/>
-                <a:cs typeface="Times New Roman" pitchFamily="18" charset="0"/>
-              </a:rPr>
-              <a:t>Tài</a:t>
+              <a:t>Giới Thiệu Đề Tài</a:t>
             </a:r>
             <a:endParaRPr lang="en-US" sz="3200" b="1" dirty="0">
               <a:latin typeface="Times New Roman" pitchFamily="18" charset="0"/>
@@ -29255,8 +28750,8 @@
         </p:nvSpPr>
         <p:spPr>
           <a:xfrm>
-            <a:off x="228600" y="966655"/>
-            <a:ext cx="8686800" cy="5632311"/>
+            <a:off x="228600" y="1600200"/>
+            <a:ext cx="8686800" cy="4524315"/>
           </a:xfrm>
           <a:prstGeom prst="rect">
             <a:avLst/>
@@ -29269,455 +28764,6 @@
           </a:bodyPr>
           <a:lstStyle/>
           <a:p>
-            <a:pPr marL="342900" indent="-342900">
-              <a:lnSpc>
-                <a:spcPct val="150000"/>
-              </a:lnSpc>
-              <a:buFont typeface="Wingdings" pitchFamily="2" charset="2"/>
-              <a:buChar char="v"/>
-            </a:pPr>
-            <a:r>
-              <a:rPr lang="vi-VN" sz="2400" dirty="0" smtClean="0">
-                <a:latin typeface="Times New Roman" pitchFamily="18" charset="0"/>
-                <a:cs typeface="Times New Roman" pitchFamily="18" charset="0"/>
-              </a:rPr>
-              <a:t>Ngày nay việc thu thập  ý kiến, cảm xúc phản hồi đánh giá của con người trong trong các vấn đề là một việc rất phổ biến mà dựa vào đó ta có thể đưa ra những đánh giá, nhận xét cho các vấn đề liên quan.</a:t>
-            </a:r>
-          </a:p>
-          <a:p>
-            <a:pPr marL="342900" indent="-342900">
-              <a:lnSpc>
-                <a:spcPct val="150000"/>
-              </a:lnSpc>
-              <a:buFont typeface="Wingdings" pitchFamily="2" charset="2"/>
-              <a:buChar char="v"/>
-            </a:pPr>
-            <a:r>
-              <a:rPr lang="vi-VN" sz="2400" smtClean="0">
-                <a:latin typeface="Times New Roman" pitchFamily="18" charset="0"/>
-                <a:cs typeface="Times New Roman" pitchFamily="18" charset="0"/>
-              </a:rPr>
-              <a:t>Một vài lĩnh vực phổ biến cho việc thu thập và sử dụng ý kiến phản hồi như :</a:t>
-            </a:r>
-          </a:p>
-          <a:p>
-            <a:pPr marL="914400" lvl="1" indent="-457200">
-              <a:lnSpc>
-                <a:spcPct val="150000"/>
-              </a:lnSpc>
-              <a:buFont typeface="Wingdings" pitchFamily="2" charset="2"/>
-              <a:buChar char="§"/>
-            </a:pPr>
-            <a:r>
-              <a:rPr lang="vi-VN" sz="2400" dirty="0" smtClean="0">
-                <a:latin typeface="Times New Roman" pitchFamily="18" charset="0"/>
-                <a:cs typeface="Times New Roman" pitchFamily="18" charset="0"/>
-              </a:rPr>
-              <a:t>Kinh nghiệm cá nhân và ý kiến đánh giá, diễn đàn, blog, v.v.</a:t>
-            </a:r>
-          </a:p>
-          <a:p>
-            <a:pPr marL="914400" lvl="1" indent="-457200">
-              <a:lnSpc>
-                <a:spcPct val="150000"/>
-              </a:lnSpc>
-              <a:buFont typeface="Wingdings" pitchFamily="2" charset="2"/>
-              <a:buChar char="§"/>
-            </a:pPr>
-            <a:r>
-              <a:rPr lang="vi-VN" sz="2400" dirty="0" smtClean="0">
-                <a:latin typeface="Times New Roman" pitchFamily="18" charset="0"/>
-                <a:cs typeface="Times New Roman" pitchFamily="18" charset="0"/>
-              </a:rPr>
-              <a:t>Nhận xét về bài viết, vấn đề, chủ đề, bài đánh giá, v.v.</a:t>
-            </a:r>
-          </a:p>
-          <a:p>
-            <a:pPr marL="914400" lvl="1" indent="-457200">
-              <a:lnSpc>
-                <a:spcPct val="150000"/>
-              </a:lnSpc>
-              <a:buFont typeface="Wingdings" pitchFamily="2" charset="2"/>
-              <a:buChar char="§"/>
-            </a:pPr>
-            <a:r>
-              <a:rPr lang="vi-VN" sz="2400" dirty="0" smtClean="0">
-                <a:latin typeface="Times New Roman" pitchFamily="18" charset="0"/>
-                <a:cs typeface="Times New Roman" pitchFamily="18" charset="0"/>
-              </a:rPr>
-              <a:t>Thông tin phản hồi sản phẩm tại các trang bán hàng trực tuyến</a:t>
-            </a:r>
-            <a:endParaRPr lang="vi-VN" sz="2400" dirty="0">
-              <a:latin typeface="Times New Roman" pitchFamily="18" charset="0"/>
-              <a:cs typeface="Times New Roman" pitchFamily="18" charset="0"/>
-            </a:endParaRPr>
-          </a:p>
-        </p:txBody>
-      </p:sp>
-      <p:sp>
-        <p:nvSpPr>
-          <p:cNvPr id="5" name="Oval 4"/>
-          <p:cNvSpPr/>
-          <p:nvPr/>
-        </p:nvSpPr>
-        <p:spPr>
-          <a:xfrm>
-            <a:off x="8534400" y="6248400"/>
-            <a:ext cx="457200" cy="457200"/>
-          </a:xfrm>
-          <a:prstGeom prst="ellipse">
-            <a:avLst/>
-          </a:prstGeom>
-        </p:spPr>
-        <p:style>
-          <a:lnRef idx="1">
-            <a:schemeClr val="dk1"/>
-          </a:lnRef>
-          <a:fillRef idx="2">
-            <a:schemeClr val="dk1"/>
-          </a:fillRef>
-          <a:effectRef idx="1">
-            <a:schemeClr val="dk1"/>
-          </a:effectRef>
-          <a:fontRef idx="minor">
-            <a:schemeClr val="dk1"/>
-          </a:fontRef>
-        </p:style>
-        <p:txBody>
-          <a:bodyPr rtlCol="0" anchor="ctr"/>
-          <a:lstStyle/>
-          <a:p>
-            <a:pPr algn="ctr"/>
-            <a:r>
-              <a:rPr lang="vi-VN" sz="1400" b="1" dirty="0">
-                <a:latin typeface="Arial" panose="020B0604020202020204" pitchFamily="34" charset="0"/>
-                <a:cs typeface="Arial" panose="020B0604020202020204" pitchFamily="34" charset="0"/>
-              </a:rPr>
-              <a:t>2</a:t>
-            </a:r>
-            <a:endParaRPr lang="en-US" sz="1400" b="1" dirty="0">
-              <a:latin typeface="Arial" panose="020B0604020202020204" pitchFamily="34" charset="0"/>
-              <a:cs typeface="Arial" panose="020B0604020202020204" pitchFamily="34" charset="0"/>
-            </a:endParaRPr>
-          </a:p>
-        </p:txBody>
-      </p:sp>
-    </p:spTree>
-    <p:extLst>
-      <p:ext uri="{BB962C8B-B14F-4D97-AF65-F5344CB8AC3E}">
-        <p14:creationId xmlns:p14="http://schemas.microsoft.com/office/powerpoint/2010/main" val="141097678"/>
-      </p:ext>
-    </p:extLst>
-  </p:cSld>
-  <p:clrMapOvr>
-    <a:masterClrMapping/>
-  </p:clrMapOvr>
-  <p:transition spd="slow">
-    <p:push dir="u"/>
-  </p:transition>
-  <p:timing>
-    <p:tnLst>
-      <p:par>
-        <p:cTn id="1" dur="indefinite" restart="never" nodeType="tmRoot"/>
-      </p:par>
-    </p:tnLst>
-  </p:timing>
-</p:sld>
-</file>
-
-<file path=ppt/slides/slide5.xml><?xml version="1.0" encoding="utf-8"?>
-<p:sld xmlns:a="http://schemas.openxmlformats.org/drawingml/2006/main" xmlns:r="http://schemas.openxmlformats.org/officeDocument/2006/relationships" xmlns:p="http://schemas.openxmlformats.org/presentationml/2006/main">
-  <p:cSld>
-    <p:spTree>
-      <p:nvGrpSpPr>
-        <p:cNvPr id="1" name=""/>
-        <p:cNvGrpSpPr/>
-        <p:nvPr/>
-      </p:nvGrpSpPr>
-      <p:grpSpPr>
-        <a:xfrm>
-          <a:off x="0" y="0"/>
-          <a:ext cx="0" cy="0"/>
-          <a:chOff x="0" y="0"/>
-          <a:chExt cx="0" cy="0"/>
-        </a:xfrm>
-      </p:grpSpPr>
-      <p:pic>
-        <p:nvPicPr>
-          <p:cNvPr id="2" name="Picture 3"/>
-          <p:cNvPicPr>
-            <a:picLocks noChangeAspect="1" noChangeArrowheads="1"/>
-          </p:cNvPicPr>
-          <p:nvPr/>
-        </p:nvPicPr>
-        <p:blipFill>
-          <a:blip r:embed="rId2">
-            <a:extLst>
-              <a:ext uri="{28A0092B-C50C-407E-A947-70E740481C1C}">
-                <a14:useLocalDpi xmlns:a14="http://schemas.microsoft.com/office/drawing/2010/main" val="0"/>
-              </a:ext>
-            </a:extLst>
-          </a:blip>
-          <a:srcRect/>
-          <a:stretch>
-            <a:fillRect/>
-          </a:stretch>
-        </p:blipFill>
-        <p:spPr bwMode="auto">
-          <a:xfrm>
-            <a:off x="2590800" y="115134"/>
-            <a:ext cx="5789229" cy="646866"/>
-          </a:xfrm>
-          <a:prstGeom prst="rect">
-            <a:avLst/>
-          </a:prstGeom>
-          <a:noFill/>
-          <a:ln>
-            <a:noFill/>
-          </a:ln>
-          <a:extLst>
-            <a:ext uri="{909E8E84-426E-40DD-AFC4-6F175D3DCCD1}">
-              <a14:hiddenFill xmlns:a14="http://schemas.microsoft.com/office/drawing/2010/main">
-                <a:solidFill>
-                  <a:schemeClr val="accent1"/>
-                </a:solidFill>
-              </a14:hiddenFill>
-            </a:ext>
-            <a:ext uri="{91240B29-F687-4F45-9708-019B960494DF}">
-              <a14:hiddenLine xmlns:a14="http://schemas.microsoft.com/office/drawing/2010/main" w="9525">
-                <a:solidFill>
-                  <a:schemeClr val="tx1"/>
-                </a:solidFill>
-                <a:miter lim="800000"/>
-                <a:headEnd/>
-                <a:tailEnd/>
-              </a14:hiddenLine>
-            </a:ext>
-          </a:extLst>
-        </p:spPr>
-      </p:pic>
-      <p:sp>
-        <p:nvSpPr>
-          <p:cNvPr id="3" name="Rectangle 25"/>
-          <p:cNvSpPr>
-            <a:spLocks noChangeArrowheads="1"/>
-          </p:cNvSpPr>
-          <p:nvPr/>
-        </p:nvSpPr>
-        <p:spPr bwMode="auto">
-          <a:xfrm>
-            <a:off x="2959646" y="161567"/>
-            <a:ext cx="5041354" cy="584775"/>
-          </a:xfrm>
-          <a:prstGeom prst="rect">
-            <a:avLst/>
-          </a:prstGeom>
-          <a:noFill/>
-          <a:ln>
-            <a:noFill/>
-          </a:ln>
-          <a:extLst>
-            <a:ext uri="{909E8E84-426E-40DD-AFC4-6F175D3DCCD1}">
-              <a14:hiddenFill xmlns:a14="http://schemas.microsoft.com/office/drawing/2010/main">
-                <a:solidFill>
-                  <a:srgbClr val="FFFFFF"/>
-                </a:solidFill>
-              </a14:hiddenFill>
-            </a:ext>
-            <a:ext uri="{91240B29-F687-4F45-9708-019B960494DF}">
-              <a14:hiddenLine xmlns:a14="http://schemas.microsoft.com/office/drawing/2010/main" w="9525">
-                <a:solidFill>
-                  <a:srgbClr val="000000"/>
-                </a:solidFill>
-                <a:miter lim="800000"/>
-                <a:headEnd/>
-                <a:tailEnd/>
-              </a14:hiddenLine>
-            </a:ext>
-          </a:extLst>
-        </p:spPr>
-        <p:txBody>
-          <a:bodyPr wrap="square">
-            <a:spAutoFit/>
-          </a:bodyPr>
-          <a:lstStyle>
-            <a:lvl1pPr eaLnBrk="0" hangingPunct="0">
-              <a:defRPr>
-                <a:solidFill>
-                  <a:schemeClr val="tx1"/>
-                </a:solidFill>
-                <a:latin typeface="Palatino Linotype" pitchFamily="18" charset="0"/>
-                <a:cs typeface="Arial" charset="0"/>
-              </a:defRPr>
-            </a:lvl1pPr>
-            <a:lvl2pPr marL="742950" indent="-285750" eaLnBrk="0" hangingPunct="0">
-              <a:defRPr>
-                <a:solidFill>
-                  <a:schemeClr val="tx1"/>
-                </a:solidFill>
-                <a:latin typeface="Palatino Linotype" pitchFamily="18" charset="0"/>
-                <a:cs typeface="Arial" charset="0"/>
-              </a:defRPr>
-            </a:lvl2pPr>
-            <a:lvl3pPr marL="1143000" indent="-228600" eaLnBrk="0" hangingPunct="0">
-              <a:defRPr>
-                <a:solidFill>
-                  <a:schemeClr val="tx1"/>
-                </a:solidFill>
-                <a:latin typeface="Palatino Linotype" pitchFamily="18" charset="0"/>
-                <a:cs typeface="Arial" charset="0"/>
-              </a:defRPr>
-            </a:lvl3pPr>
-            <a:lvl4pPr marL="1600200" indent="-228600" eaLnBrk="0" hangingPunct="0">
-              <a:defRPr>
-                <a:solidFill>
-                  <a:schemeClr val="tx1"/>
-                </a:solidFill>
-                <a:latin typeface="Palatino Linotype" pitchFamily="18" charset="0"/>
-                <a:cs typeface="Arial" charset="0"/>
-              </a:defRPr>
-            </a:lvl4pPr>
-            <a:lvl5pPr marL="2057400" indent="-228600" eaLnBrk="0" hangingPunct="0">
-              <a:defRPr>
-                <a:solidFill>
-                  <a:schemeClr val="tx1"/>
-                </a:solidFill>
-                <a:latin typeface="Palatino Linotype" pitchFamily="18" charset="0"/>
-                <a:cs typeface="Arial" charset="0"/>
-              </a:defRPr>
-            </a:lvl5pPr>
-            <a:lvl6pPr marL="2514600" indent="-228600" eaLnBrk="0" fontAlgn="base" hangingPunct="0">
-              <a:spcBef>
-                <a:spcPct val="0"/>
-              </a:spcBef>
-              <a:spcAft>
-                <a:spcPct val="0"/>
-              </a:spcAft>
-              <a:defRPr>
-                <a:solidFill>
-                  <a:schemeClr val="tx1"/>
-                </a:solidFill>
-                <a:latin typeface="Palatino Linotype" pitchFamily="18" charset="0"/>
-                <a:cs typeface="Arial" charset="0"/>
-              </a:defRPr>
-            </a:lvl6pPr>
-            <a:lvl7pPr marL="2971800" indent="-228600" eaLnBrk="0" fontAlgn="base" hangingPunct="0">
-              <a:spcBef>
-                <a:spcPct val="0"/>
-              </a:spcBef>
-              <a:spcAft>
-                <a:spcPct val="0"/>
-              </a:spcAft>
-              <a:defRPr>
-                <a:solidFill>
-                  <a:schemeClr val="tx1"/>
-                </a:solidFill>
-                <a:latin typeface="Palatino Linotype" pitchFamily="18" charset="0"/>
-                <a:cs typeface="Arial" charset="0"/>
-              </a:defRPr>
-            </a:lvl7pPr>
-            <a:lvl8pPr marL="3429000" indent="-228600" eaLnBrk="0" fontAlgn="base" hangingPunct="0">
-              <a:spcBef>
-                <a:spcPct val="0"/>
-              </a:spcBef>
-              <a:spcAft>
-                <a:spcPct val="0"/>
-              </a:spcAft>
-              <a:defRPr>
-                <a:solidFill>
-                  <a:schemeClr val="tx1"/>
-                </a:solidFill>
-                <a:latin typeface="Palatino Linotype" pitchFamily="18" charset="0"/>
-                <a:cs typeface="Arial" charset="0"/>
-              </a:defRPr>
-            </a:lvl8pPr>
-            <a:lvl9pPr marL="3886200" indent="-228600" eaLnBrk="0" fontAlgn="base" hangingPunct="0">
-              <a:spcBef>
-                <a:spcPct val="0"/>
-              </a:spcBef>
-              <a:spcAft>
-                <a:spcPct val="0"/>
-              </a:spcAft>
-              <a:defRPr>
-                <a:solidFill>
-                  <a:schemeClr val="tx1"/>
-                </a:solidFill>
-                <a:latin typeface="Palatino Linotype" pitchFamily="18" charset="0"/>
-                <a:cs typeface="Arial" charset="0"/>
-              </a:defRPr>
-            </a:lvl9pPr>
-          </a:lstStyle>
-          <a:p>
-            <a:pPr algn="ctr" eaLnBrk="1" hangingPunct="1"/>
-            <a:r>
-              <a:rPr lang="en-US" altLang="en-US" sz="3000" b="1" dirty="0">
-                <a:solidFill>
-                  <a:srgbClr val="FFFFFF"/>
-                </a:solidFill>
-                <a:latin typeface="Times New Roman" pitchFamily="18" charset="0"/>
-                <a:cs typeface="Times New Roman" pitchFamily="18" charset="0"/>
-              </a:rPr>
-              <a:t>I</a:t>
-            </a:r>
-            <a:r>
-              <a:rPr lang="vi-VN" altLang="en-US" sz="3000" b="1" dirty="0" smtClean="0">
-                <a:solidFill>
-                  <a:srgbClr val="FFFFFF"/>
-                </a:solidFill>
-                <a:latin typeface="Times New Roman" pitchFamily="18" charset="0"/>
-                <a:cs typeface="Times New Roman" pitchFamily="18" charset="0"/>
-              </a:rPr>
-              <a:t>. </a:t>
-            </a:r>
-            <a:r>
-              <a:rPr lang="en-US" sz="3200" b="1" dirty="0">
-                <a:solidFill>
-                  <a:schemeClr val="bg1"/>
-                </a:solidFill>
-                <a:latin typeface="Times New Roman" pitchFamily="18" charset="0"/>
-                <a:cs typeface="Times New Roman" pitchFamily="18" charset="0"/>
-              </a:rPr>
-              <a:t>Giới Thiệu Đề </a:t>
-            </a:r>
-            <a:r>
-              <a:rPr lang="en-US" sz="3200" b="1" dirty="0" smtClean="0">
-                <a:solidFill>
-                  <a:schemeClr val="bg1"/>
-                </a:solidFill>
-                <a:latin typeface="Times New Roman" pitchFamily="18" charset="0"/>
-                <a:cs typeface="Times New Roman" pitchFamily="18" charset="0"/>
-              </a:rPr>
-              <a:t>Tài</a:t>
-            </a:r>
-            <a:endParaRPr lang="en-US" sz="3200" b="1" dirty="0">
-              <a:latin typeface="Times New Roman" pitchFamily="18" charset="0"/>
-              <a:cs typeface="Times New Roman" pitchFamily="18" charset="0"/>
-            </a:endParaRPr>
-          </a:p>
-        </p:txBody>
-      </p:sp>
-      <p:sp>
-        <p:nvSpPr>
-          <p:cNvPr id="4" name="TextBox 3"/>
-          <p:cNvSpPr txBox="1"/>
-          <p:nvPr/>
-        </p:nvSpPr>
-        <p:spPr>
-          <a:xfrm>
-            <a:off x="228600" y="1600200"/>
-            <a:ext cx="8686800" cy="3970318"/>
-          </a:xfrm>
-          <a:prstGeom prst="rect">
-            <a:avLst/>
-          </a:prstGeom>
-          <a:noFill/>
-        </p:spPr>
-        <p:txBody>
-          <a:bodyPr wrap="square" rtlCol="0">
-            <a:spAutoFit/>
-          </a:bodyPr>
-          <a:lstStyle/>
-          <a:p>
             <a:pPr marL="342900" lvl="0" indent="-342900">
               <a:lnSpc>
                 <a:spcPct val="150000"/>
@@ -29746,21 +28792,7 @@
                 <a:latin typeface="Times New Roman" pitchFamily="18" charset="0"/>
                 <a:cs typeface="Times New Roman" pitchFamily="18" charset="0"/>
               </a:rPr>
-              <a:t>Các sản phẩm và dịch vụ ,</a:t>
-            </a:r>
-            <a:r>
-              <a:rPr lang="en-US" sz="2400" dirty="0" smtClean="0">
-                <a:latin typeface="Times New Roman" pitchFamily="18" charset="0"/>
-                <a:cs typeface="Times New Roman" pitchFamily="18" charset="0"/>
-              </a:rPr>
-              <a:t> </a:t>
-            </a:r>
-            <a:r>
-              <a:rPr lang="en-US" sz="2400" dirty="0">
-                <a:latin typeface="Times New Roman" pitchFamily="18" charset="0"/>
-                <a:cs typeface="Times New Roman" pitchFamily="18" charset="0"/>
-              </a:rPr>
-              <a:t>thông tin thị trường.</a:t>
+              <a:t>Các sản phẩm và dịch vụ , thông tin thị trường.</a:t>
             </a:r>
           </a:p>
           <a:p>
@@ -29776,21 +28808,7 @@
                 <a:latin typeface="Times New Roman" pitchFamily="18" charset="0"/>
                 <a:cs typeface="Times New Roman" pitchFamily="18" charset="0"/>
               </a:rPr>
-              <a:t>Các doanh nghiệp </a:t>
-            </a:r>
-            <a:r>
-              <a:rPr lang="en-US" sz="2400" dirty="0" smtClean="0">
-                <a:latin typeface="Times New Roman" pitchFamily="18" charset="0"/>
-                <a:cs typeface="Times New Roman" pitchFamily="18" charset="0"/>
-              </a:rPr>
-              <a:t>tìm </a:t>
-            </a:r>
-            <a:r>
-              <a:rPr lang="en-US" sz="2400" dirty="0">
-                <a:latin typeface="Times New Roman" pitchFamily="18" charset="0"/>
-                <a:cs typeface="Times New Roman" pitchFamily="18" charset="0"/>
-              </a:rPr>
-              <a:t>kiếm ý kiến của người tiêu dùng bằng cách sử dụng tư vấn, khảo sát và nhóm tập trung, v.v.</a:t>
+              <a:t>Các doanh nghiệp tìm kiếm ý kiến của người tiêu dùng bằng cách sử dụng tư vấn, khảo sát và nhóm tập trung, v.v.</a:t>
             </a:r>
           </a:p>
           <a:p>
@@ -29834,12 +28852,16 @@
               <a:buChar char="§"/>
             </a:pPr>
             <a:r>
-              <a:rPr lang="en-US" sz="2400" dirty="0">
+              <a:rPr lang="vi-VN" sz="2400" dirty="0">
                 <a:latin typeface="Times New Roman" pitchFamily="18" charset="0"/>
                 <a:cs typeface="Times New Roman" pitchFamily="18" charset="0"/>
               </a:rPr>
-              <a:t>Tìm ý kiến công chúng về các ứng cử viên và vấn đề chính trị.</a:t>
-            </a:r>
+              <a:t>Khai thác ý kiến công chúng về các chủ đề mở liên quan đến kinh tế, chính trị, giáo dục và văn hóa xã hội.</a:t>
+            </a:r>
+            <a:endParaRPr lang="en-US" sz="2400" dirty="0">
+              <a:latin typeface="Times New Roman" pitchFamily="18" charset="0"/>
+              <a:cs typeface="Times New Roman" pitchFamily="18" charset="0"/>
+            </a:endParaRPr>
           </a:p>
         </p:txBody>
       </p:sp>
@@ -29866,16 +28888,12 @@
           <a:lstStyle/>
           <a:p>
             <a:r>
-              <a:rPr lang="en-US" sz="2800" b="1" dirty="0" smtClean="0">
+              <a:rPr lang="en-US" sz="2800" b="1" dirty="0">
                 <a:latin typeface="Times New Roman" pitchFamily="18" charset="0"/>
                 <a:cs typeface="Times New Roman" pitchFamily="18" charset="0"/>
               </a:rPr>
               <a:t>Ứng dụng của việc phân tích ý kiến</a:t>
             </a:r>
-            <a:endParaRPr lang="en-US" sz="2800" b="1" dirty="0">
-              <a:latin typeface="Times New Roman" pitchFamily="18" charset="0"/>
-              <a:cs typeface="Times New Roman" pitchFamily="18" charset="0"/>
-            </a:endParaRPr>
           </a:p>
         </p:txBody>
       </p:sp>
@@ -29914,16 +28932,12 @@
           <a:p>
             <a:pPr algn="ctr"/>
             <a:r>
-              <a:rPr lang="en-US" sz="1400" b="1" dirty="0" smtClean="0">
+              <a:rPr lang="en-US" sz="1400" b="1" dirty="0">
                 <a:latin typeface="Arial" panose="020B0604020202020204" pitchFamily="34" charset="0"/>
                 <a:cs typeface="Arial" panose="020B0604020202020204" pitchFamily="34" charset="0"/>
               </a:rPr>
               <a:t>3</a:t>
             </a:r>
-            <a:endParaRPr lang="en-US" sz="1400" b="1" dirty="0">
-              <a:latin typeface="Arial" panose="020B0604020202020204" pitchFamily="34" charset="0"/>
-              <a:cs typeface="Arial" panose="020B0604020202020204" pitchFamily="34" charset="0"/>
-            </a:endParaRPr>
           </a:p>
         </p:txBody>
       </p:sp>
@@ -30185,7 +29199,7 @@
               <a:t>I</a:t>
             </a:r>
             <a:r>
-              <a:rPr lang="vi-VN" altLang="en-US" sz="3000" b="1" dirty="0" smtClean="0">
+              <a:rPr lang="vi-VN" altLang="en-US" sz="3000" b="1" dirty="0">
                 <a:solidFill>
                   <a:srgbClr val="FFFFFF"/>
                 </a:solidFill>
@@ -30202,17 +29216,7 @@
                 <a:latin typeface="Times New Roman" pitchFamily="18" charset="0"/>
                 <a:cs typeface="Times New Roman" pitchFamily="18" charset="0"/>
               </a:rPr>
-              <a:t>Giới Thiệu Đề </a:t>
-            </a:r>
-            <a:r>
-              <a:rPr lang="en-US" sz="3200" b="1" dirty="0" smtClean="0">
-                <a:solidFill>
-                  <a:schemeClr val="bg1"/>
-                </a:solidFill>
-                <a:latin typeface="Times New Roman" pitchFamily="18" charset="0"/>
-                <a:cs typeface="Times New Roman" pitchFamily="18" charset="0"/>
-              </a:rPr>
-              <a:t>Tài</a:t>
+              <a:t>Giới Thiệu Đề Tài</a:t>
             </a:r>
             <a:endParaRPr lang="en-US" sz="3200" b="1" dirty="0">
               <a:latin typeface="Times New Roman" pitchFamily="18" charset="0"/>
@@ -30251,7 +29255,7 @@
               <a:buChar char="v"/>
             </a:pPr>
             <a:r>
-              <a:rPr lang="en-US" sz="2400" dirty="0" smtClean="0">
+              <a:rPr lang="en-US" sz="2400" dirty="0">
                 <a:latin typeface="Times New Roman" pitchFamily="18" charset="0"/>
                 <a:cs typeface="Times New Roman" pitchFamily="18" charset="0"/>
               </a:rPr>
@@ -30266,7 +29270,7 @@
               <a:buFont typeface="Wingdings" pitchFamily="2" charset="2"/>
               <a:buChar char="v"/>
             </a:pPr>
-            <a:endParaRPr lang="en-US" sz="2400" dirty="0" smtClean="0">
+            <a:endParaRPr lang="en-US" sz="2400" dirty="0">
               <a:latin typeface="Times New Roman" pitchFamily="18" charset="0"/>
               <a:cs typeface="Times New Roman" pitchFamily="18" charset="0"/>
             </a:endParaRPr>
@@ -30280,30 +29284,12 @@
               <a:buChar char="v"/>
             </a:pPr>
             <a:r>
-              <a:rPr lang="en-US" sz="2400" dirty="0" smtClean="0">
-                <a:latin typeface="Times New Roman" pitchFamily="18" charset="0"/>
-                <a:cs typeface="Times New Roman" pitchFamily="18" charset="0"/>
-              </a:rPr>
-              <a:t>Từ những thực tế ở trường Đại học Công Nghệ TP.HCM là việc phân tích đánh giá </a:t>
-            </a:r>
-            <a:r>
               <a:rPr lang="en-US" sz="2400" dirty="0">
                 <a:latin typeface="Times New Roman" pitchFamily="18" charset="0"/>
                 <a:cs typeface="Times New Roman" pitchFamily="18" charset="0"/>
               </a:rPr>
-              <a:t>ý kiến</a:t>
-            </a:r>
-            <a:r>
-              <a:rPr lang="en-US" sz="2400" dirty="0" smtClean="0">
-                <a:latin typeface="Times New Roman" pitchFamily="18" charset="0"/>
-                <a:cs typeface="Times New Roman" pitchFamily="18" charset="0"/>
-              </a:rPr>
-              <a:t> khảo sát sinh viên về chất lượng giảng dạy mỗi học kỳ đều được làm thủ công. Vì thế nhu cầu về một hệ thống phân tích ý kiến đánh giá tự động và hiệu quả là có thật.</a:t>
-            </a:r>
-            <a:endParaRPr lang="en-US" sz="2400" dirty="0">
-              <a:latin typeface="Times New Roman" pitchFamily="18" charset="0"/>
-              <a:cs typeface="Times New Roman" pitchFamily="18" charset="0"/>
-            </a:endParaRPr>
+              <a:t>Từ những thực tế ở trường Đại học Công Nghệ TP.HCM là việc phân tích đánh giá ý kiến khảo sát sinh viên về chất lượng giảng dạy mỗi học kỳ đều được làm thủ công. Vì thế nhu cầu về một hệ thống phân tích ý kiến đánh giá tự động và hiệu quả là có thật.</a:t>
+            </a:r>
           </a:p>
         </p:txBody>
       </p:sp>
@@ -30330,16 +29316,12 @@
           <a:lstStyle/>
           <a:p>
             <a:r>
-              <a:rPr lang="en-US" sz="2800" b="1" dirty="0" smtClean="0">
+              <a:rPr lang="en-US" sz="2800" b="1" dirty="0">
                 <a:latin typeface="Times New Roman" pitchFamily="18" charset="0"/>
                 <a:cs typeface="Times New Roman" pitchFamily="18" charset="0"/>
               </a:rPr>
               <a:t>Lý do chọn đề tài</a:t>
             </a:r>
-            <a:endParaRPr lang="en-US" sz="2800" b="1" dirty="0">
-              <a:latin typeface="Times New Roman" pitchFamily="18" charset="0"/>
-              <a:cs typeface="Times New Roman" pitchFamily="18" charset="0"/>
-            </a:endParaRPr>
           </a:p>
         </p:txBody>
       </p:sp>
@@ -30378,16 +29360,12 @@
           <a:p>
             <a:pPr algn="ctr"/>
             <a:r>
-              <a:rPr lang="en-US" sz="1400" b="1" dirty="0" smtClean="0">
+              <a:rPr lang="en-US" sz="1400" b="1" dirty="0">
                 <a:latin typeface="Arial" panose="020B0604020202020204" pitchFamily="34" charset="0"/>
                 <a:cs typeface="Arial" panose="020B0604020202020204" pitchFamily="34" charset="0"/>
               </a:rPr>
               <a:t>4</a:t>
             </a:r>
-            <a:endParaRPr lang="en-US" sz="1400" b="1" dirty="0">
-              <a:latin typeface="Arial" panose="020B0604020202020204" pitchFamily="34" charset="0"/>
-              <a:cs typeface="Arial" panose="020B0604020202020204" pitchFamily="34" charset="0"/>
-            </a:endParaRPr>
           </a:p>
         </p:txBody>
       </p:sp>
@@ -30649,7 +29627,7 @@
               <a:t>I</a:t>
             </a:r>
             <a:r>
-              <a:rPr lang="vi-VN" altLang="en-US" sz="3000" b="1" dirty="0" smtClean="0">
+              <a:rPr lang="vi-VN" altLang="en-US" sz="3000" b="1" dirty="0">
                 <a:solidFill>
                   <a:srgbClr val="FFFFFF"/>
                 </a:solidFill>
@@ -30666,17 +29644,7 @@
                 <a:latin typeface="Times New Roman" pitchFamily="18" charset="0"/>
                 <a:cs typeface="Times New Roman" pitchFamily="18" charset="0"/>
               </a:rPr>
-              <a:t>Giới Thiệu Đề </a:t>
-            </a:r>
-            <a:r>
-              <a:rPr lang="en-US" sz="3200" b="1" dirty="0" smtClean="0">
-                <a:solidFill>
-                  <a:schemeClr val="bg1"/>
-                </a:solidFill>
-                <a:latin typeface="Times New Roman" pitchFamily="18" charset="0"/>
-                <a:cs typeface="Times New Roman" pitchFamily="18" charset="0"/>
-              </a:rPr>
-              <a:t>Tài</a:t>
+              <a:t>Giới Thiệu Đề Tài</a:t>
             </a:r>
             <a:endParaRPr lang="en-US" sz="3200" b="1" dirty="0">
               <a:latin typeface="Times New Roman" pitchFamily="18" charset="0"/>
@@ -30715,7 +29683,7 @@
               <a:buChar char="v"/>
             </a:pPr>
             <a:r>
-              <a:rPr lang="en-US" sz="2400" dirty="0" smtClean="0">
+              <a:rPr lang="en-US" sz="2400" dirty="0">
                 <a:latin typeface="Times New Roman" pitchFamily="18" charset="0"/>
                 <a:cs typeface="Times New Roman" pitchFamily="18" charset="0"/>
               </a:rPr>
@@ -30730,7 +29698,7 @@
               <a:buFont typeface="Wingdings" pitchFamily="2" charset="2"/>
               <a:buChar char="v"/>
             </a:pPr>
-            <a:endParaRPr lang="en-US" sz="2400" dirty="0" smtClean="0">
+            <a:endParaRPr lang="en-US" sz="2400" dirty="0">
               <a:latin typeface="Times New Roman" pitchFamily="18" charset="0"/>
               <a:cs typeface="Times New Roman" pitchFamily="18" charset="0"/>
             </a:endParaRPr>
@@ -30744,7 +29712,7 @@
               <a:buChar char="v"/>
             </a:pPr>
             <a:r>
-              <a:rPr lang="en-US" sz="2400" dirty="0" smtClean="0">
+              <a:rPr lang="en-US" sz="2400" dirty="0">
                 <a:latin typeface="Times New Roman" pitchFamily="18" charset="0"/>
                 <a:cs typeface="Times New Roman" pitchFamily="18" charset="0"/>
               </a:rPr>
@@ -30759,7 +29727,7 @@
               <a:buFont typeface="Wingdings" pitchFamily="2" charset="2"/>
               <a:buChar char="v"/>
             </a:pPr>
-            <a:endParaRPr lang="en-US" sz="2400" dirty="0" smtClean="0">
+            <a:endParaRPr lang="en-US" sz="2400" dirty="0">
               <a:latin typeface="Times New Roman" pitchFamily="18" charset="0"/>
               <a:cs typeface="Times New Roman" pitchFamily="18" charset="0"/>
             </a:endParaRPr>
@@ -30773,16 +29741,12 @@
               <a:buChar char="v"/>
             </a:pPr>
             <a:r>
-              <a:rPr lang="en-US" sz="2400" dirty="0" smtClean="0">
+              <a:rPr lang="en-US" sz="2400" dirty="0">
                 <a:latin typeface="Times New Roman" pitchFamily="18" charset="0"/>
                 <a:cs typeface="Times New Roman" pitchFamily="18" charset="0"/>
               </a:rPr>
               <a:t>So sánh độ hiệu quả của các phương pháp phân lớp khác nhau trên bài toán phân tích ý kiến khảo sát chất lượng giảng dạy.</a:t>
             </a:r>
-            <a:endParaRPr lang="en-US" sz="2400" dirty="0">
-              <a:latin typeface="Times New Roman" pitchFamily="18" charset="0"/>
-              <a:cs typeface="Times New Roman" pitchFamily="18" charset="0"/>
-            </a:endParaRPr>
           </a:p>
         </p:txBody>
       </p:sp>
@@ -30809,7 +29773,7 @@
           <a:lstStyle/>
           <a:p>
             <a:r>
-              <a:rPr lang="en-US" sz="2800" b="1" dirty="0" smtClean="0">
+              <a:rPr lang="en-US" sz="2800" b="1" dirty="0">
                 <a:latin typeface="Times New Roman" pitchFamily="18" charset="0"/>
                 <a:cs typeface="Times New Roman" pitchFamily="18" charset="0"/>
               </a:rPr>
@@ -30859,16 +29823,12 @@
           <a:p>
             <a:pPr algn="ctr"/>
             <a:r>
-              <a:rPr lang="en-US" sz="1400" b="1" dirty="0" smtClean="0">
+              <a:rPr lang="en-US" sz="1400" b="1" dirty="0">
                 <a:latin typeface="Arial" panose="020B0604020202020204" pitchFamily="34" charset="0"/>
                 <a:cs typeface="Arial" panose="020B0604020202020204" pitchFamily="34" charset="0"/>
               </a:rPr>
               <a:t>5</a:t>
             </a:r>
-            <a:endParaRPr lang="en-US" sz="1400" b="1" dirty="0">
-              <a:latin typeface="Arial" panose="020B0604020202020204" pitchFamily="34" charset="0"/>
-              <a:cs typeface="Arial" panose="020B0604020202020204" pitchFamily="34" charset="0"/>
-            </a:endParaRPr>
           </a:p>
         </p:txBody>
       </p:sp>
@@ -31066,7 +30026,7 @@
           <a:p>
             <a:pPr algn="ctr" eaLnBrk="1" hangingPunct="1"/>
             <a:r>
-              <a:rPr lang="vi-VN" altLang="en-US" sz="3600" b="1" dirty="0" smtClean="0">
+              <a:rPr lang="vi-VN" altLang="en-US" sz="3600" b="1" dirty="0">
                 <a:solidFill>
                   <a:srgbClr val="404040"/>
                 </a:solidFill>
@@ -31597,7 +30557,7 @@
           <a:p>
             <a:pPr algn="ctr"/>
             <a:r>
-              <a:rPr lang="en-US" sz="2800" b="1" dirty="0" smtClean="0">
+              <a:rPr lang="en-US" sz="2800" b="1" dirty="0">
                 <a:solidFill>
                   <a:schemeClr val="bg1"/>
                 </a:solidFill>
@@ -31605,12 +30565,6 @@
               </a:rPr>
               <a:t>I</a:t>
             </a:r>
-            <a:endParaRPr lang="en-US" sz="2800" b="1" dirty="0">
-              <a:solidFill>
-                <a:schemeClr val="bg1"/>
-              </a:solidFill>
-              <a:latin typeface="Comic Sans MS" pitchFamily="66" charset="0"/>
-            </a:endParaRPr>
           </a:p>
         </p:txBody>
       </p:sp>
@@ -31646,7 +30600,7 @@
           <a:p>
             <a:pPr algn="ctr"/>
             <a:r>
-              <a:rPr lang="en-US" sz="2800" b="1" dirty="0" smtClean="0">
+              <a:rPr lang="en-US" sz="2800" b="1" dirty="0">
                 <a:solidFill>
                   <a:schemeClr val="bg1"/>
                 </a:solidFill>
@@ -31654,12 +30608,6 @@
               </a:rPr>
               <a:t>II</a:t>
             </a:r>
-            <a:endParaRPr lang="en-US" sz="2800" b="1" dirty="0">
-              <a:solidFill>
-                <a:schemeClr val="bg1"/>
-              </a:solidFill>
-              <a:latin typeface="Comic Sans MS" pitchFamily="66" charset="0"/>
-            </a:endParaRPr>
           </a:p>
         </p:txBody>
       </p:sp>
@@ -31695,7 +30643,7 @@
           <a:p>
             <a:pPr algn="ctr"/>
             <a:r>
-              <a:rPr lang="en-US" sz="2800" b="1" dirty="0" smtClean="0">
+              <a:rPr lang="en-US" sz="2800" b="1" dirty="0">
                 <a:solidFill>
                   <a:schemeClr val="bg1"/>
                 </a:solidFill>
@@ -31703,12 +30651,6 @@
               </a:rPr>
               <a:t>III</a:t>
             </a:r>
-            <a:endParaRPr lang="en-US" sz="2800" b="1" dirty="0">
-              <a:solidFill>
-                <a:schemeClr val="bg1"/>
-              </a:solidFill>
-              <a:latin typeface="Comic Sans MS" pitchFamily="66" charset="0"/>
-            </a:endParaRPr>
           </a:p>
         </p:txBody>
       </p:sp>
@@ -31744,7 +30686,7 @@
           <a:p>
             <a:pPr algn="ctr"/>
             <a:r>
-              <a:rPr lang="en-US" sz="2800" b="1" dirty="0" smtClean="0">
+              <a:rPr lang="en-US" sz="2800" b="1" dirty="0">
                 <a:solidFill>
                   <a:schemeClr val="bg1"/>
                 </a:solidFill>
@@ -31752,12 +30694,6 @@
               </a:rPr>
               <a:t>IV</a:t>
             </a:r>
-            <a:endParaRPr lang="en-US" sz="2800" b="1" dirty="0">
-              <a:solidFill>
-                <a:schemeClr val="bg1"/>
-              </a:solidFill>
-              <a:latin typeface="Comic Sans MS" pitchFamily="66" charset="0"/>
-            </a:endParaRPr>
           </a:p>
         </p:txBody>
       </p:sp>
@@ -31792,7 +30728,7 @@
           <a:lstStyle/>
           <a:p>
             <a:r>
-              <a:rPr lang="en-US" sz="2800" b="1" dirty="0" smtClean="0">
+              <a:rPr lang="en-US" sz="2800" b="1" dirty="0">
                 <a:solidFill>
                   <a:schemeClr val="bg1"/>
                 </a:solidFill>
@@ -31839,7 +30775,7 @@
           <a:lstStyle/>
           <a:p>
             <a:r>
-              <a:rPr lang="en-US" sz="2800" b="1" dirty="0" smtClean="0">
+              <a:rPr lang="en-US" sz="2800" b="1" dirty="0">
                 <a:solidFill>
                   <a:schemeClr val="bg1"/>
                 </a:solidFill>
@@ -32585,15 +31521,33 @@
                                   </p:childTnLst>
                                 </p:cTn>
                               </p:par>
+                            </p:childTnLst>
+                          </p:cTn>
+                        </p:par>
+                      </p:childTnLst>
+                    </p:cTn>
+                  </p:par>
+                  <p:par>
+                    <p:cTn id="53" fill="hold">
+                      <p:stCondLst>
+                        <p:cond delay="indefinite"/>
+                      </p:stCondLst>
+                      <p:childTnLst>
+                        <p:par>
+                          <p:cTn id="54" fill="hold">
+                            <p:stCondLst>
+                              <p:cond delay="0"/>
+                            </p:stCondLst>
+                            <p:childTnLst>
                               <p:par>
-                                <p:cTn id="53" presetID="32" presetClass="emph" presetSubtype="0" fill="hold" grpId="1" nodeType="withEffect">
+                                <p:cTn id="55" presetID="32" presetClass="emph" presetSubtype="0" fill="hold" grpId="1" nodeType="clickEffect">
                                   <p:stCondLst>
-                                    <p:cond delay="500"/>
+                                    <p:cond delay="0"/>
                                   </p:stCondLst>
                                   <p:childTnLst>
                                     <p:animRot by="120000">
                                       <p:cBhvr>
-                                        <p:cTn id="54" dur="100" fill="hold">
+                                        <p:cTn id="56" dur="100" fill="hold">
                                           <p:stCondLst>
                                             <p:cond delay="0"/>
                                           </p:stCondLst>
@@ -32608,7 +31562,7 @@
                                     </p:animRot>
                                     <p:animRot by="-240000">
                                       <p:cBhvr>
-                                        <p:cTn id="55" dur="200" fill="hold">
+                                        <p:cTn id="57" dur="200" fill="hold">
                                           <p:stCondLst>
                                             <p:cond delay="200"/>
                                           </p:stCondLst>
@@ -32623,7 +31577,7 @@
                                     </p:animRot>
                                     <p:animRot by="240000">
                                       <p:cBhvr>
-                                        <p:cTn id="56" dur="200" fill="hold">
+                                        <p:cTn id="58" dur="200" fill="hold">
                                           <p:stCondLst>
                                             <p:cond delay="400"/>
                                           </p:stCondLst>
@@ -32638,7 +31592,7 @@
                                     </p:animRot>
                                     <p:animRot by="-240000">
                                       <p:cBhvr>
-                                        <p:cTn id="57" dur="200" fill="hold">
+                                        <p:cTn id="59" dur="200" fill="hold">
                                           <p:stCondLst>
                                             <p:cond delay="600"/>
                                           </p:stCondLst>
@@ -32653,7 +31607,7 @@
                                     </p:animRot>
                                     <p:animRot by="120000">
                                       <p:cBhvr>
-                                        <p:cTn id="58" dur="200" fill="hold">
+                                        <p:cTn id="60" dur="200" fill="hold">
                                           <p:stCondLst>
                                             <p:cond delay="800"/>
                                           </p:stCondLst>
@@ -32670,14 +31624,14 @@
                                 </p:cTn>
                               </p:par>
                               <p:par>
-                                <p:cTn id="59" presetID="32" presetClass="emph" presetSubtype="0" fill="hold" grpId="1" nodeType="withEffect">
+                                <p:cTn id="61" presetID="32" presetClass="emph" presetSubtype="0" fill="hold" grpId="1" nodeType="withEffect">
                                   <p:stCondLst>
-                                    <p:cond delay="500"/>
+                                    <p:cond delay="0"/>
                                   </p:stCondLst>
                                   <p:childTnLst>
                                     <p:animRot by="120000">
                                       <p:cBhvr>
-                                        <p:cTn id="60" dur="100" fill="hold">
+                                        <p:cTn id="62" dur="100" fill="hold">
                                           <p:stCondLst>
                                             <p:cond delay="0"/>
                                           </p:stCondLst>
@@ -32692,7 +31646,7 @@
                                     </p:animRot>
                                     <p:animRot by="-240000">
                                       <p:cBhvr>
-                                        <p:cTn id="61" dur="200" fill="hold">
+                                        <p:cTn id="63" dur="200" fill="hold">
                                           <p:stCondLst>
                                             <p:cond delay="200"/>
                                           </p:stCondLst>
@@ -32707,7 +31661,7 @@
                                     </p:animRot>
                                     <p:animRot by="240000">
                                       <p:cBhvr>
-                                        <p:cTn id="62" dur="200" fill="hold">
+                                        <p:cTn id="64" dur="200" fill="hold">
                                           <p:stCondLst>
                                             <p:cond delay="400"/>
                                           </p:stCondLst>
@@ -32722,7 +31676,7 @@
                                     </p:animRot>
                                     <p:animRot by="-240000">
                                       <p:cBhvr>
-                                        <p:cTn id="63" dur="200" fill="hold">
+                                        <p:cTn id="65" dur="200" fill="hold">
                                           <p:stCondLst>
                                             <p:cond delay="600"/>
                                           </p:stCondLst>
@@ -32737,7 +31691,7 @@
                                     </p:animRot>
                                     <p:animRot by="120000">
                                       <p:cBhvr>
-                                        <p:cTn id="64" dur="200" fill="hold">
+                                        <p:cTn id="66" dur="200" fill="hold">
                                           <p:stCondLst>
                                             <p:cond delay="800"/>
                                           </p:stCondLst>
@@ -32754,14 +31708,14 @@
                                 </p:cTn>
                               </p:par>
                               <p:par>
-                                <p:cTn id="65" presetID="32" presetClass="emph" presetSubtype="0" fill="hold" grpId="1" nodeType="withEffect">
+                                <p:cTn id="67" presetID="32" presetClass="emph" presetSubtype="0" fill="hold" grpId="1" nodeType="withEffect">
                                   <p:stCondLst>
-                                    <p:cond delay="500"/>
+                                    <p:cond delay="0"/>
                                   </p:stCondLst>
                                   <p:childTnLst>
                                     <p:animRot by="120000">
                                       <p:cBhvr>
-                                        <p:cTn id="66" dur="100" fill="hold">
+                                        <p:cTn id="68" dur="100" fill="hold">
                                           <p:stCondLst>
                                             <p:cond delay="0"/>
                                           </p:stCondLst>
@@ -32776,7 +31730,7 @@
                                     </p:animRot>
                                     <p:animRot by="-240000">
                                       <p:cBhvr>
-                                        <p:cTn id="67" dur="200" fill="hold">
+                                        <p:cTn id="69" dur="200" fill="hold">
                                           <p:stCondLst>
                                             <p:cond delay="200"/>
                                           </p:stCondLst>
@@ -32791,7 +31745,7 @@
                                     </p:animRot>
                                     <p:animRot by="240000">
                                       <p:cBhvr>
-                                        <p:cTn id="68" dur="200" fill="hold">
+                                        <p:cTn id="70" dur="200" fill="hold">
                                           <p:stCondLst>
                                             <p:cond delay="400"/>
                                           </p:stCondLst>
@@ -32806,7 +31760,7 @@
                                     </p:animRot>
                                     <p:animRot by="-240000">
                                       <p:cBhvr>
-                                        <p:cTn id="69" dur="200" fill="hold">
+                                        <p:cTn id="71" dur="200" fill="hold">
                                           <p:stCondLst>
                                             <p:cond delay="600"/>
                                           </p:stCondLst>
@@ -32821,7 +31775,7 @@
                                     </p:animRot>
                                     <p:animRot by="120000">
                                       <p:cBhvr>
-                                        <p:cTn id="70" dur="200" fill="hold">
+                                        <p:cTn id="72" dur="200" fill="hold">
                                           <p:stCondLst>
                                             <p:cond delay="800"/>
                                           </p:stCondLst>
@@ -32838,14 +31792,14 @@
                                 </p:cTn>
                               </p:par>
                               <p:par>
-                                <p:cTn id="71" presetID="32" presetClass="emph" presetSubtype="0" fill="hold" grpId="1" nodeType="withEffect">
+                                <p:cTn id="73" presetID="32" presetClass="emph" presetSubtype="0" fill="hold" grpId="1" nodeType="withEffect">
                                   <p:stCondLst>
-                                    <p:cond delay="500"/>
+                                    <p:cond delay="0"/>
                                   </p:stCondLst>
                                   <p:childTnLst>
                                     <p:animRot by="120000">
                                       <p:cBhvr>
-                                        <p:cTn id="72" dur="100" fill="hold">
+                                        <p:cTn id="74" dur="100" fill="hold">
                                           <p:stCondLst>
                                             <p:cond delay="0"/>
                                           </p:stCondLst>
@@ -32860,7 +31814,7 @@
                                     </p:animRot>
                                     <p:animRot by="-240000">
                                       <p:cBhvr>
-                                        <p:cTn id="73" dur="200" fill="hold">
+                                        <p:cTn id="75" dur="200" fill="hold">
                                           <p:stCondLst>
                                             <p:cond delay="200"/>
                                           </p:stCondLst>
@@ -32875,7 +31829,7 @@
                                     </p:animRot>
                                     <p:animRot by="240000">
                                       <p:cBhvr>
-                                        <p:cTn id="74" dur="200" fill="hold">
+                                        <p:cTn id="76" dur="200" fill="hold">
                                           <p:stCondLst>
                                             <p:cond delay="400"/>
                                           </p:stCondLst>
@@ -32890,7 +31844,7 @@
                                     </p:animRot>
                                     <p:animRot by="-240000">
                                       <p:cBhvr>
-                                        <p:cTn id="75" dur="200" fill="hold">
+                                        <p:cTn id="77" dur="200" fill="hold">
                                           <p:stCondLst>
                                             <p:cond delay="600"/>
                                           </p:stCondLst>
@@ -32905,7 +31859,7 @@
                                     </p:animRot>
                                     <p:animRot by="120000">
                                       <p:cBhvr>
-                                        <p:cTn id="76" dur="200" fill="hold">
+                                        <p:cTn id="78" dur="200" fill="hold">
                                           <p:stCondLst>
                                             <p:cond delay="800"/>
                                           </p:stCondLst>
@@ -33198,7 +32152,7 @@
           <a:p>
             <a:pPr algn="ctr" eaLnBrk="1" hangingPunct="1"/>
             <a:r>
-              <a:rPr lang="en-US" altLang="en-US" sz="3000" b="1" dirty="0" smtClean="0">
+              <a:rPr lang="en-US" altLang="en-US" sz="3000" b="1" dirty="0">
                 <a:solidFill>
                   <a:srgbClr val="FFFFFF"/>
                 </a:solidFill>
@@ -33207,7 +32161,7 @@
               <a:t>II</a:t>
             </a:r>
             <a:r>
-              <a:rPr lang="vi-VN" altLang="en-US" sz="3000" b="1" dirty="0" smtClean="0">
+              <a:rPr lang="vi-VN" altLang="en-US" sz="3000" b="1" dirty="0">
                 <a:solidFill>
                   <a:srgbClr val="FFFFFF"/>
                 </a:solidFill>
@@ -33216,7 +32170,7 @@
               <a:t>. </a:t>
             </a:r>
             <a:r>
-              <a:rPr lang="en-US" altLang="en-US" sz="3200" b="1" dirty="0" smtClean="0">
+              <a:rPr lang="en-US" altLang="en-US" sz="3200" b="1" dirty="0">
                 <a:solidFill>
                   <a:schemeClr val="bg1"/>
                 </a:solidFill>
@@ -33267,30 +32221,12 @@
               <a:t>P</a:t>
             </a:r>
             <a:r>
-              <a:rPr lang="vi-VN" sz="2400" dirty="0" smtClean="0">
-                <a:latin typeface="Times New Roman" pitchFamily="18" charset="0"/>
-                <a:cs typeface="Times New Roman" pitchFamily="18" charset="0"/>
-              </a:rPr>
-              <a:t>hân </a:t>
-            </a:r>
-            <a:r>
               <a:rPr lang="vi-VN" sz="2400" dirty="0">
                 <a:latin typeface="Times New Roman" pitchFamily="18" charset="0"/>
                 <a:cs typeface="Times New Roman" pitchFamily="18" charset="0"/>
               </a:rPr>
-              <a:t>tích ý kiến được chia làm 4 hướng nghiên cứu </a:t>
-            </a:r>
-            <a:r>
-              <a:rPr lang="vi-VN" sz="2400" dirty="0" smtClean="0">
-                <a:latin typeface="Times New Roman" pitchFamily="18" charset="0"/>
-                <a:cs typeface="Times New Roman" pitchFamily="18" charset="0"/>
-              </a:rPr>
-              <a:t>chính:</a:t>
-            </a:r>
-            <a:endParaRPr lang="vi-VN" sz="2400" dirty="0">
-              <a:latin typeface="Times New Roman" pitchFamily="18" charset="0"/>
-              <a:cs typeface="Times New Roman" pitchFamily="18" charset="0"/>
-            </a:endParaRPr>
+              <a:t>hân tích ý kiến được chia làm 4 hướng nghiên cứu chính:</a:t>
+            </a:r>
           </a:p>
           <a:p>
             <a:pPr marL="342900" indent="-342900">
@@ -33301,27 +32237,13 @@
               <a:buChar char="v"/>
             </a:pPr>
             <a:r>
-              <a:rPr lang="vi-VN" sz="2400" dirty="0" smtClean="0">
-                <a:latin typeface="Times New Roman" pitchFamily="18" charset="0"/>
-                <a:cs typeface="Times New Roman" pitchFamily="18" charset="0"/>
-              </a:rPr>
-              <a:t>Phân </a:t>
-            </a:r>
-            <a:r>
               <a:rPr lang="vi-VN" sz="2400" dirty="0">
                 <a:latin typeface="Times New Roman" pitchFamily="18" charset="0"/>
                 <a:cs typeface="Times New Roman" pitchFamily="18" charset="0"/>
               </a:rPr>
-              <a:t>lớp chủ </a:t>
-            </a:r>
-            <a:r>
-              <a:rPr lang="vi-VN" sz="2400" dirty="0" smtClean="0">
-                <a:latin typeface="Times New Roman" pitchFamily="18" charset="0"/>
-                <a:cs typeface="Times New Roman" pitchFamily="18" charset="0"/>
-              </a:rPr>
-              <a:t>quan.</a:t>
-            </a:r>
-            <a:endParaRPr lang="en-US" sz="2400" dirty="0" smtClean="0">
+              <a:t>Phân lớp chủ quan.</a:t>
+            </a:r>
+            <a:endParaRPr lang="en-US" sz="2400" dirty="0">
               <a:latin typeface="Times New Roman" pitchFamily="18" charset="0"/>
               <a:cs typeface="Times New Roman" pitchFamily="18" charset="0"/>
             </a:endParaRPr>
@@ -33335,27 +32257,13 @@
               <a:buChar char="v"/>
             </a:pPr>
             <a:r>
-              <a:rPr lang="vi-VN" sz="2400" b="1" dirty="0" smtClean="0">
-                <a:latin typeface="Times New Roman" pitchFamily="18" charset="0"/>
-                <a:cs typeface="Times New Roman" pitchFamily="18" charset="0"/>
-              </a:rPr>
-              <a:t>Phân </a:t>
-            </a:r>
-            <a:r>
               <a:rPr lang="vi-VN" sz="2400" b="1" dirty="0">
                 <a:latin typeface="Times New Roman" pitchFamily="18" charset="0"/>
                 <a:cs typeface="Times New Roman" pitchFamily="18" charset="0"/>
               </a:rPr>
-              <a:t>lớp cảm </a:t>
-            </a:r>
-            <a:r>
-              <a:rPr lang="vi-VN" sz="2400" b="1" dirty="0" smtClean="0">
-                <a:latin typeface="Times New Roman" pitchFamily="18" charset="0"/>
-                <a:cs typeface="Times New Roman" pitchFamily="18" charset="0"/>
-              </a:rPr>
-              <a:t>xúc.</a:t>
-            </a:r>
-            <a:endParaRPr lang="en-US" sz="2400" b="1" dirty="0" smtClean="0">
+              <a:t>Phân lớp cảm xúc.</a:t>
+            </a:r>
+            <a:endParaRPr lang="en-US" sz="2400" b="1" dirty="0">
               <a:latin typeface="Times New Roman" pitchFamily="18" charset="0"/>
               <a:cs typeface="Times New Roman" pitchFamily="18" charset="0"/>
             </a:endParaRPr>
@@ -33369,27 +32277,13 @@
               <a:buChar char="v"/>
             </a:pPr>
             <a:r>
-              <a:rPr lang="vi-VN" sz="2400" dirty="0" smtClean="0">
-                <a:latin typeface="Times New Roman" pitchFamily="18" charset="0"/>
-                <a:cs typeface="Times New Roman" pitchFamily="18" charset="0"/>
-              </a:rPr>
-              <a:t>Tóm </a:t>
-            </a:r>
-            <a:r>
               <a:rPr lang="vi-VN" sz="2400" dirty="0">
                 <a:latin typeface="Times New Roman" pitchFamily="18" charset="0"/>
                 <a:cs typeface="Times New Roman" pitchFamily="18" charset="0"/>
               </a:rPr>
-              <a:t>tắt ý </a:t>
-            </a:r>
-            <a:r>
-              <a:rPr lang="vi-VN" sz="2400" dirty="0" smtClean="0">
-                <a:latin typeface="Times New Roman" pitchFamily="18" charset="0"/>
-                <a:cs typeface="Times New Roman" pitchFamily="18" charset="0"/>
-              </a:rPr>
-              <a:t>kiến.</a:t>
-            </a:r>
-            <a:endParaRPr lang="en-US" sz="2400" dirty="0" smtClean="0">
+              <a:t>Tóm tắt ý kiến.</a:t>
+            </a:r>
+            <a:endParaRPr lang="en-US" sz="2400" dirty="0">
               <a:latin typeface="Times New Roman" pitchFamily="18" charset="0"/>
               <a:cs typeface="Times New Roman" pitchFamily="18" charset="0"/>
             </a:endParaRPr>
@@ -33403,25 +32297,11 @@
               <a:buChar char="v"/>
             </a:pPr>
             <a:r>
-              <a:rPr lang="vi-VN" sz="2400" dirty="0" smtClean="0">
-                <a:latin typeface="Times New Roman" pitchFamily="18" charset="0"/>
-                <a:cs typeface="Times New Roman" pitchFamily="18" charset="0"/>
-              </a:rPr>
-              <a:t>Khai </a:t>
-            </a:r>
-            <a:r>
               <a:rPr lang="vi-VN" sz="2400" dirty="0">
                 <a:latin typeface="Times New Roman" pitchFamily="18" charset="0"/>
                 <a:cs typeface="Times New Roman" pitchFamily="18" charset="0"/>
               </a:rPr>
-              <a:t>thác ý kiến trên đặc </a:t>
-            </a:r>
-            <a:r>
-              <a:rPr lang="vi-VN" sz="2400" dirty="0" smtClean="0">
-                <a:latin typeface="Times New Roman" pitchFamily="18" charset="0"/>
-                <a:cs typeface="Times New Roman" pitchFamily="18" charset="0"/>
-              </a:rPr>
-              <a:t>trưng.</a:t>
+              <a:t>Khai thác ý kiến trên đặc trưng.</a:t>
             </a:r>
             <a:endParaRPr lang="en-US" sz="2400" dirty="0">
               <a:latin typeface="Times New Roman" pitchFamily="18" charset="0"/>
@@ -33501,16 +32381,12 @@
           <a:lstStyle/>
           <a:p>
             <a:r>
-              <a:rPr lang="en-US" sz="2800" b="1" dirty="0" smtClean="0">
+              <a:rPr lang="en-US" sz="2800" b="1" dirty="0">
                 <a:latin typeface="Times New Roman" pitchFamily="18" charset="0"/>
                 <a:cs typeface="Times New Roman" pitchFamily="18" charset="0"/>
               </a:rPr>
               <a:t>Phân tích ý kiến</a:t>
             </a:r>
-            <a:endParaRPr lang="en-US" sz="2800" b="1" dirty="0">
-              <a:latin typeface="Times New Roman" pitchFamily="18" charset="0"/>
-              <a:cs typeface="Times New Roman" pitchFamily="18" charset="0"/>
-            </a:endParaRPr>
           </a:p>
         </p:txBody>
       </p:sp>
@@ -33527,13 +32403,6 @@
   <p:transition spd="slow">
     <p:push dir="u"/>
   </p:transition>
-  <p:timing>
-    <p:tnLst>
-      <p:par>
-        <p:cTn id="1" dur="indefinite" restart="never" nodeType="tmRoot"/>
-      </p:par>
-    </p:tnLst>
-  </p:timing>
 </p:sld>
 </file>
 
